--- a/Documentation/Verification And Testing - Concepts.pptx
+++ b/Documentation/Verification And Testing - Concepts.pptx
@@ -8,8 +8,9 @@
     <p:sldId id="256" r:id="rId2"/>
     <p:sldId id="300" r:id="rId3"/>
     <p:sldId id="301" r:id="rId4"/>
-    <p:sldId id="302" r:id="rId5"/>
-    <p:sldId id="303" r:id="rId6"/>
+    <p:sldId id="304" r:id="rId5"/>
+    <p:sldId id="302" r:id="rId6"/>
+    <p:sldId id="303" r:id="rId7"/>
   </p:sldIdLst>
   <p:sldSz cx="12192000" cy="6858000"/>
   <p:notesSz cx="6858000" cy="9144000"/>
@@ -108,6 +109,11 @@
       </a:defRPr>
     </a:lvl9pPr>
   </p:defaultTextStyle>
+  <p:extLst>
+    <p:ext uri="{EFAFB233-063F-42B5-8137-9DF3F51BA10A}">
+      <p15:sldGuideLst xmlns:p15="http://schemas.microsoft.com/office/powerpoint/2012/main"/>
+    </p:ext>
+  </p:extLst>
 </p:presentation>
 </file>
 
@@ -258,7 +264,7 @@
           <a:p>
             <a:fld id="{CC67A971-E35D-4E90-B6B4-468FC8543875}" type="datetimeFigureOut">
               <a:rPr lang="en-US" smtClean="0"/>
-              <a:t>12/18/2020</a:t>
+              <a:t>12/22/2020</a:t>
             </a:fld>
             <a:endParaRPr lang="en-US"/>
           </a:p>
@@ -456,7 +462,7 @@
           <a:p>
             <a:fld id="{CC67A971-E35D-4E90-B6B4-468FC8543875}" type="datetimeFigureOut">
               <a:rPr lang="en-US" smtClean="0"/>
-              <a:t>12/18/2020</a:t>
+              <a:t>12/22/2020</a:t>
             </a:fld>
             <a:endParaRPr lang="en-US"/>
           </a:p>
@@ -664,7 +670,7 @@
           <a:p>
             <a:fld id="{CC67A971-E35D-4E90-B6B4-468FC8543875}" type="datetimeFigureOut">
               <a:rPr lang="en-US" smtClean="0"/>
-              <a:t>12/18/2020</a:t>
+              <a:t>12/22/2020</a:t>
             </a:fld>
             <a:endParaRPr lang="en-US"/>
           </a:p>
@@ -862,7 +868,7 @@
           <a:p>
             <a:fld id="{CC67A971-E35D-4E90-B6B4-468FC8543875}" type="datetimeFigureOut">
               <a:rPr lang="en-US" smtClean="0"/>
-              <a:t>12/18/2020</a:t>
+              <a:t>12/22/2020</a:t>
             </a:fld>
             <a:endParaRPr lang="en-US"/>
           </a:p>
@@ -1137,7 +1143,7 @@
           <a:p>
             <a:fld id="{CC67A971-E35D-4E90-B6B4-468FC8543875}" type="datetimeFigureOut">
               <a:rPr lang="en-US" smtClean="0"/>
-              <a:t>12/18/2020</a:t>
+              <a:t>12/22/2020</a:t>
             </a:fld>
             <a:endParaRPr lang="en-US"/>
           </a:p>
@@ -1402,7 +1408,7 @@
           <a:p>
             <a:fld id="{CC67A971-E35D-4E90-B6B4-468FC8543875}" type="datetimeFigureOut">
               <a:rPr lang="en-US" smtClean="0"/>
-              <a:t>12/18/2020</a:t>
+              <a:t>12/22/2020</a:t>
             </a:fld>
             <a:endParaRPr lang="en-US"/>
           </a:p>
@@ -1814,7 +1820,7 @@
           <a:p>
             <a:fld id="{CC67A971-E35D-4E90-B6B4-468FC8543875}" type="datetimeFigureOut">
               <a:rPr lang="en-US" smtClean="0"/>
-              <a:t>12/18/2020</a:t>
+              <a:t>12/22/2020</a:t>
             </a:fld>
             <a:endParaRPr lang="en-US"/>
           </a:p>
@@ -1955,7 +1961,7 @@
           <a:p>
             <a:fld id="{CC67A971-E35D-4E90-B6B4-468FC8543875}" type="datetimeFigureOut">
               <a:rPr lang="en-US" smtClean="0"/>
-              <a:t>12/18/2020</a:t>
+              <a:t>12/22/2020</a:t>
             </a:fld>
             <a:endParaRPr lang="en-US"/>
           </a:p>
@@ -2068,7 +2074,7 @@
           <a:p>
             <a:fld id="{CC67A971-E35D-4E90-B6B4-468FC8543875}" type="datetimeFigureOut">
               <a:rPr lang="en-US" smtClean="0"/>
-              <a:t>12/18/2020</a:t>
+              <a:t>12/22/2020</a:t>
             </a:fld>
             <a:endParaRPr lang="en-US"/>
           </a:p>
@@ -2379,7 +2385,7 @@
           <a:p>
             <a:fld id="{CC67A971-E35D-4E90-B6B4-468FC8543875}" type="datetimeFigureOut">
               <a:rPr lang="en-US" smtClean="0"/>
-              <a:t>12/18/2020</a:t>
+              <a:t>12/22/2020</a:t>
             </a:fld>
             <a:endParaRPr lang="en-US"/>
           </a:p>
@@ -2667,7 +2673,7 @@
           <a:p>
             <a:fld id="{CC67A971-E35D-4E90-B6B4-468FC8543875}" type="datetimeFigureOut">
               <a:rPr lang="en-US" smtClean="0"/>
-              <a:t>12/18/2020</a:t>
+              <a:t>12/22/2020</a:t>
             </a:fld>
             <a:endParaRPr lang="en-US"/>
           </a:p>
@@ -2908,7 +2914,7 @@
           <a:p>
             <a:fld id="{CC67A971-E35D-4E90-B6B4-468FC8543875}" type="datetimeFigureOut">
               <a:rPr lang="en-US" smtClean="0"/>
-              <a:t>12/18/2020</a:t>
+              <a:t>12/22/2020</a:t>
             </a:fld>
             <a:endParaRPr lang="en-US"/>
           </a:p>
@@ -3616,27 +3622,29 @@
         </p:nvSpPr>
         <p:spPr>
           <a:xfrm>
-            <a:off x="365760" y="182880"/>
-            <a:ext cx="8626968" cy="731520"/>
+            <a:off x="125695" y="-26807"/>
+            <a:ext cx="8626968" cy="525297"/>
           </a:xfrm>
         </p:spPr>
         <p:txBody>
-          <a:bodyPr/>
+          <a:bodyPr>
+            <a:normAutofit fontScale="90000"/>
+          </a:bodyPr>
           <a:lstStyle/>
           <a:p>
             <a:r>
-              <a:rPr lang="de-DE" dirty="0"/>
+              <a:rPr lang="de-DE" sz="3200" dirty="0"/>
               <a:t>Data </a:t>
             </a:r>
             <a:r>
-              <a:rPr lang="de-DE" dirty="0" err="1"/>
+              <a:rPr lang="de-DE" sz="3200" dirty="0" err="1"/>
               <a:t>Object</a:t>
             </a:r>
             <a:r>
-              <a:rPr lang="de-DE" dirty="0"/>
+              <a:rPr lang="de-DE" sz="3200" dirty="0"/>
               <a:t> Model</a:t>
             </a:r>
-            <a:endParaRPr lang="en-US" dirty="0"/>
+            <a:endParaRPr lang="en-US" sz="3200" dirty="0"/>
           </a:p>
         </p:txBody>
       </p:sp>
@@ -3856,7 +3864,7 @@
         </p:nvSpPr>
         <p:spPr>
           <a:xfrm>
-            <a:off x="538997" y="1119653"/>
+            <a:off x="533687" y="680845"/>
             <a:ext cx="1019664" cy="433738"/>
           </a:xfrm>
           <a:prstGeom prst="rect">
@@ -4748,7 +4756,7 @@
         </p:nvSpPr>
         <p:spPr>
           <a:xfrm>
-            <a:off x="3154501" y="5573553"/>
+            <a:off x="3154501" y="6064769"/>
             <a:ext cx="1284678" cy="383600"/>
           </a:xfrm>
           <a:prstGeom prst="roundRect">
@@ -5158,55 +5166,6 @@
           </a:fontRef>
         </p:style>
       </p:cxnSp>
-      <p:cxnSp>
-        <p:nvCxnSpPr>
-          <p:cNvPr id="66" name="Verbinder: gewinkelt 21">
-            <a:extLst>
-              <a:ext uri="{FF2B5EF4-FFF2-40B4-BE49-F238E27FC236}">
-                <a16:creationId xmlns:a16="http://schemas.microsoft.com/office/drawing/2014/main" id="{D5EB281B-D7C6-4493-A635-B6458B4031D7}"/>
-              </a:ext>
-            </a:extLst>
-          </p:cNvPr>
-          <p:cNvCxnSpPr>
-            <a:cxnSpLocks/>
-            <a:stCxn id="24" idx="1"/>
-            <a:endCxn id="27" idx="1"/>
-          </p:cNvCxnSpPr>
-          <p:nvPr/>
-        </p:nvCxnSpPr>
-        <p:spPr>
-          <a:xfrm rot="10800000">
-            <a:off x="538997" y="1336522"/>
-            <a:ext cx="701470" cy="1183640"/>
-          </a:xfrm>
-          <a:prstGeom prst="bentConnector3">
-            <a:avLst>
-              <a:gd name="adj1" fmla="val 132589"/>
-            </a:avLst>
-          </a:prstGeom>
-          <a:ln>
-            <a:solidFill>
-              <a:srgbClr val="0070C0"/>
-            </a:solidFill>
-            <a:prstDash val="dash"/>
-            <a:tailEnd type="triangle"/>
-          </a:ln>
-        </p:spPr>
-        <p:style>
-          <a:lnRef idx="1">
-            <a:schemeClr val="accent1"/>
-          </a:lnRef>
-          <a:fillRef idx="0">
-            <a:schemeClr val="accent1"/>
-          </a:fillRef>
-          <a:effectRef idx="0">
-            <a:schemeClr val="accent1"/>
-          </a:effectRef>
-          <a:fontRef idx="minor">
-            <a:schemeClr val="tx1"/>
-          </a:fontRef>
-        </p:style>
-      </p:cxnSp>
       <p:sp>
         <p:nvSpPr>
           <p:cNvPr id="70" name="Rechteck: abgerundete Ecken 98">
@@ -5381,8 +5340,8 @@
         </p:nvCxnSpPr>
         <p:spPr>
           <a:xfrm rot="16200000" flipH="1">
-            <a:off x="2595486" y="5206337"/>
-            <a:ext cx="948125" cy="169906"/>
+            <a:off x="2349878" y="5451945"/>
+            <a:ext cx="1439341" cy="169906"/>
           </a:xfrm>
           <a:prstGeom prst="bentConnector2">
             <a:avLst/>
@@ -5633,7 +5592,7 @@
         </p:nvSpPr>
         <p:spPr>
           <a:xfrm>
-            <a:off x="1533480" y="4594479"/>
+            <a:off x="1518141" y="4388030"/>
             <a:ext cx="1021433" cy="461665"/>
           </a:xfrm>
           <a:prstGeom prst="rect">
@@ -5755,7 +5714,7 @@
         </p:nvSpPr>
         <p:spPr>
           <a:xfrm>
-            <a:off x="5131754" y="1382095"/>
+            <a:off x="6784622" y="957162"/>
             <a:ext cx="1019664" cy="433738"/>
           </a:xfrm>
           <a:prstGeom prst="rect">
@@ -5831,120 +5790,6 @@
       </p:sp>
       <p:sp>
         <p:nvSpPr>
-          <p:cNvPr id="111" name="Callout: Bent Line 110">
-            <a:extLst>
-              <a:ext uri="{FF2B5EF4-FFF2-40B4-BE49-F238E27FC236}">
-                <a16:creationId xmlns:a16="http://schemas.microsoft.com/office/drawing/2014/main" id="{C033C562-4352-45B7-8FF7-14A1990E0E4D}"/>
-              </a:ext>
-            </a:extLst>
-          </p:cNvPr>
-          <p:cNvSpPr/>
-          <p:nvPr/>
-        </p:nvSpPr>
-        <p:spPr>
-          <a:xfrm flipH="1">
-            <a:off x="170290" y="4090622"/>
-            <a:ext cx="972034" cy="1100728"/>
-          </a:xfrm>
-          <a:prstGeom prst="borderCallout2">
-            <a:avLst>
-              <a:gd name="adj1" fmla="val 18750"/>
-              <a:gd name="adj2" fmla="val -8333"/>
-              <a:gd name="adj3" fmla="val 18750"/>
-              <a:gd name="adj4" fmla="val -16667"/>
-              <a:gd name="adj5" fmla="val 57627"/>
-              <a:gd name="adj6" fmla="val -148632"/>
-            </a:avLst>
-          </a:prstGeom>
-          <a:solidFill>
-            <a:schemeClr val="bg1"/>
-          </a:solidFill>
-          <a:ln>
-            <a:solidFill>
-              <a:schemeClr val="accent1">
-                <a:lumMod val="40000"/>
-                <a:lumOff val="60000"/>
-              </a:schemeClr>
-            </a:solidFill>
-          </a:ln>
-        </p:spPr>
-        <p:style>
-          <a:lnRef idx="2">
-            <a:schemeClr val="accent1">
-              <a:shade val="50000"/>
-            </a:schemeClr>
-          </a:lnRef>
-          <a:fillRef idx="1">
-            <a:schemeClr val="accent1"/>
-          </a:fillRef>
-          <a:effectRef idx="0">
-            <a:schemeClr val="accent1"/>
-          </a:effectRef>
-          <a:fontRef idx="minor">
-            <a:schemeClr val="lt1"/>
-          </a:fontRef>
-        </p:style>
-        <p:txBody>
-          <a:bodyPr rtlCol="0" anchor="t"/>
-          <a:lstStyle/>
-          <a:p>
-            <a:r>
-              <a:rPr lang="en-US" sz="600" dirty="0">
-                <a:solidFill>
-                  <a:schemeClr val="bg2">
-                    <a:lumMod val="50000"/>
-                  </a:schemeClr>
-                </a:solidFill>
-              </a:rPr>
-              <a:t>-Software v hardware</a:t>
-            </a:r>
-          </a:p>
-          <a:p>
-            <a:endParaRPr lang="en-US" sz="600" dirty="0">
-              <a:solidFill>
-                <a:schemeClr val="bg2">
-                  <a:lumMod val="50000"/>
-                </a:schemeClr>
-              </a:solidFill>
-            </a:endParaRPr>
-          </a:p>
-          <a:p>
-            <a:r>
-              <a:rPr lang="en-US" sz="600" dirty="0">
-                <a:solidFill>
-                  <a:schemeClr val="bg2">
-                    <a:lumMod val="50000"/>
-                  </a:schemeClr>
-                </a:solidFill>
-              </a:rPr>
-              <a:t>-Virtual v physical</a:t>
-            </a:r>
-          </a:p>
-          <a:p>
-            <a:endParaRPr lang="en-US" sz="600" dirty="0">
-              <a:solidFill>
-                <a:schemeClr val="bg2">
-                  <a:lumMod val="50000"/>
-                </a:schemeClr>
-              </a:solidFill>
-            </a:endParaRPr>
-          </a:p>
-          <a:p>
-            <a:r>
-              <a:rPr lang="en-US" sz="600" dirty="0">
-                <a:solidFill>
-                  <a:schemeClr val="bg2">
-                    <a:lumMod val="50000"/>
-                  </a:schemeClr>
-                </a:solidFill>
-              </a:rPr>
-              <a:t>-Manual v automated</a:t>
-            </a:r>
-          </a:p>
-        </p:txBody>
-      </p:sp>
-      <p:sp>
-        <p:nvSpPr>
           <p:cNvPr id="113" name="Rechteck 114">
             <a:extLst>
               <a:ext uri="{FF2B5EF4-FFF2-40B4-BE49-F238E27FC236}">
@@ -5957,7 +5802,7 @@
         </p:nvSpPr>
         <p:spPr>
           <a:xfrm>
-            <a:off x="5745921" y="5486125"/>
+            <a:off x="5470903" y="623012"/>
             <a:ext cx="1019664" cy="433738"/>
           </a:xfrm>
           <a:prstGeom prst="rect">
@@ -6062,20 +5907,18 @@
           </p:cNvPr>
           <p:cNvCxnSpPr>
             <a:cxnSpLocks/>
-            <a:stCxn id="28" idx="3"/>
-            <a:endCxn id="113" idx="1"/>
+            <a:stCxn id="133" idx="3"/>
+            <a:endCxn id="102" idx="2"/>
           </p:cNvCxnSpPr>
           <p:nvPr/>
         </p:nvCxnSpPr>
         <p:spPr>
-          <a:xfrm>
-            <a:off x="3494427" y="4600359"/>
-            <a:ext cx="2251494" cy="1102635"/>
-          </a:xfrm>
-          <a:prstGeom prst="bentConnector3">
-            <a:avLst>
-              <a:gd name="adj1" fmla="val 75337"/>
-            </a:avLst>
+          <a:xfrm flipV="1">
+            <a:off x="3514417" y="1072389"/>
+            <a:ext cx="682347" cy="3459182"/>
+          </a:xfrm>
+          <a:prstGeom prst="bentConnector2">
+            <a:avLst/>
           </a:prstGeom>
           <a:ln>
             <a:solidFill>
@@ -6114,7 +5957,7 @@
         </p:nvSpPr>
         <p:spPr>
           <a:xfrm>
-            <a:off x="4356219" y="5793053"/>
+            <a:off x="4356219" y="6284269"/>
             <a:ext cx="526173" cy="341459"/>
           </a:xfrm>
           <a:prstGeom prst="foldedCorner">
@@ -6299,8 +6142,8 @@
         </p:nvSpPr>
         <p:spPr>
           <a:xfrm>
-            <a:off x="1183746" y="1626584"/>
-            <a:ext cx="1284678" cy="383600"/>
+            <a:off x="1178435" y="1187776"/>
+            <a:ext cx="1376477" cy="383600"/>
           </a:xfrm>
           <a:prstGeom prst="roundRect">
             <a:avLst>
@@ -6410,8 +6253,8 @@
         </p:nvCxnSpPr>
         <p:spPr>
           <a:xfrm rot="16200000" flipH="1">
-            <a:off x="983791" y="1618428"/>
-            <a:ext cx="264993" cy="134917"/>
+            <a:off x="978481" y="1179621"/>
+            <a:ext cx="264993" cy="134916"/>
           </a:xfrm>
           <a:prstGeom prst="bentConnector2">
             <a:avLst/>
@@ -6778,18 +6621,20 @@
           </p:cNvPr>
           <p:cNvCxnSpPr>
             <a:cxnSpLocks/>
-            <a:stCxn id="100" idx="2"/>
-            <a:endCxn id="113" idx="1"/>
+            <a:stCxn id="100" idx="1"/>
+            <a:endCxn id="113" idx="3"/>
           </p:cNvCxnSpPr>
           <p:nvPr/>
         </p:nvCxnSpPr>
         <p:spPr>
-          <a:xfrm rot="16200000" flipH="1">
-            <a:off x="3750173" y="3707245"/>
-            <a:ext cx="3887161" cy="104335"/>
-          </a:xfrm>
-          <a:prstGeom prst="bentConnector2">
-            <a:avLst/>
+          <a:xfrm rot="10800000">
+            <a:off x="6490568" y="839881"/>
+            <a:ext cx="294055" cy="334150"/>
+          </a:xfrm>
+          <a:prstGeom prst="bentConnector3">
+            <a:avLst>
+              <a:gd name="adj1" fmla="val 50000"/>
+            </a:avLst>
           </a:prstGeom>
           <a:ln>
             <a:solidFill>
@@ -6828,7 +6673,7 @@
         </p:nvGrpSpPr>
         <p:grpSpPr>
           <a:xfrm>
-            <a:off x="1473073" y="998624"/>
+            <a:off x="1414482" y="514601"/>
             <a:ext cx="554450" cy="203116"/>
             <a:chOff x="3405154" y="1182384"/>
             <a:chExt cx="856162" cy="314082"/>
@@ -7727,7 +7572,7 @@
         </p:nvSpPr>
         <p:spPr>
           <a:xfrm>
-            <a:off x="3154501" y="6177588"/>
+            <a:off x="3154501" y="5502477"/>
             <a:ext cx="1284678" cy="383600"/>
           </a:xfrm>
           <a:prstGeom prst="roundRect">
@@ -7834,7 +7679,7 @@
         </p:nvGrpSpPr>
         <p:grpSpPr>
           <a:xfrm>
-            <a:off x="4356219" y="6225172"/>
+            <a:off x="4356219" y="5550061"/>
             <a:ext cx="554450" cy="203116"/>
             <a:chOff x="3405154" y="1182384"/>
             <a:chExt cx="856162" cy="314082"/>
@@ -8069,8 +7914,8 @@
         </p:nvCxnSpPr>
         <p:spPr>
           <a:xfrm rot="16200000" flipH="1">
-            <a:off x="2293468" y="5508355"/>
-            <a:ext cx="1552160" cy="169906"/>
+            <a:off x="2631024" y="5170799"/>
+            <a:ext cx="877049" cy="169906"/>
           </a:xfrm>
           <a:prstGeom prst="bentConnector2">
             <a:avLst/>
@@ -8160,19 +8005,19 @@
           </p:cNvPr>
           <p:cNvCxnSpPr>
             <a:cxnSpLocks/>
-            <a:stCxn id="24" idx="3"/>
+            <a:stCxn id="131" idx="3"/>
             <a:endCxn id="113" idx="1"/>
           </p:cNvCxnSpPr>
           <p:nvPr/>
         </p:nvCxnSpPr>
         <p:spPr>
-          <a:xfrm>
-            <a:off x="2260131" y="2520162"/>
-            <a:ext cx="3485790" cy="3182832"/>
+          <a:xfrm flipV="1">
+            <a:off x="2293628" y="839881"/>
+            <a:ext cx="3177275" cy="1773466"/>
           </a:xfrm>
           <a:prstGeom prst="bentConnector3">
             <a:avLst>
-              <a:gd name="adj1" fmla="val 84174"/>
+              <a:gd name="adj1" fmla="val 80458"/>
             </a:avLst>
           </a:prstGeom>
           <a:ln>
@@ -8212,7 +8057,7 @@
         </p:nvSpPr>
         <p:spPr>
           <a:xfrm>
-            <a:off x="3647558" y="1040479"/>
+            <a:off x="3686932" y="638651"/>
             <a:ext cx="1019664" cy="433738"/>
           </a:xfrm>
           <a:prstGeom prst="rect">
@@ -8297,15 +8142,15 @@
           </p:cNvPr>
           <p:cNvCxnSpPr>
             <a:cxnSpLocks/>
-            <a:stCxn id="24" idx="3"/>
+            <a:stCxn id="130" idx="3"/>
             <a:endCxn id="102" idx="2"/>
           </p:cNvCxnSpPr>
           <p:nvPr/>
         </p:nvCxnSpPr>
         <p:spPr>
           <a:xfrm flipV="1">
-            <a:off x="2260131" y="1474217"/>
-            <a:ext cx="1897259" cy="1045945"/>
+            <a:off x="2283305" y="1072389"/>
+            <a:ext cx="1913459" cy="1388504"/>
           </a:xfrm>
           <a:prstGeom prst="bentConnector2">
             <a:avLst/>
@@ -8347,7 +8192,7 @@
         </p:nvSpPr>
         <p:spPr>
           <a:xfrm>
-            <a:off x="251612" y="2605014"/>
+            <a:off x="335365" y="2547364"/>
             <a:ext cx="1021433" cy="461665"/>
           </a:xfrm>
           <a:prstGeom prst="rect">
@@ -8560,10 +8405,10 @@
       </p:cxnSp>
       <p:sp>
         <p:nvSpPr>
-          <p:cNvPr id="5" name="Rectangle: Rounded Corners 4">
-            <a:extLst>
-              <a:ext uri="{FF2B5EF4-FFF2-40B4-BE49-F238E27FC236}">
-                <a16:creationId xmlns:a16="http://schemas.microsoft.com/office/drawing/2014/main" id="{58BF900A-365E-4FDA-9BE0-5C45B5D3ECDB}"/>
+          <p:cNvPr id="84" name="Rechteck: abgerundete Ecken 98">
+            <a:extLst>
+              <a:ext uri="{FF2B5EF4-FFF2-40B4-BE49-F238E27FC236}">
+                <a16:creationId xmlns:a16="http://schemas.microsoft.com/office/drawing/2014/main" id="{719F81CB-2563-4B7B-BB48-57F1C8282DD1}"/>
               </a:ext>
             </a:extLst>
           </p:cNvPr>
@@ -8572,14 +8417,1047 @@
         </p:nvSpPr>
         <p:spPr>
           <a:xfrm>
-            <a:off x="2095175" y="2618995"/>
-            <a:ext cx="1152042" cy="157413"/>
+            <a:off x="6153398" y="1910956"/>
+            <a:ext cx="1380975" cy="383600"/>
           </a:xfrm>
           <a:prstGeom prst="roundRect">
+            <a:avLst>
+              <a:gd name="adj" fmla="val 41879"/>
+            </a:avLst>
+          </a:prstGeom>
+          <a:solidFill>
+            <a:schemeClr val="bg1"/>
+          </a:solidFill>
+          <a:ln>
+            <a:solidFill>
+              <a:schemeClr val="bg2">
+                <a:lumMod val="50000"/>
+              </a:schemeClr>
+            </a:solidFill>
+          </a:ln>
+        </p:spPr>
+        <p:style>
+          <a:lnRef idx="2">
+            <a:schemeClr val="accent1">
+              <a:shade val="50000"/>
+            </a:schemeClr>
+          </a:lnRef>
+          <a:fillRef idx="1">
+            <a:schemeClr val="accent1"/>
+          </a:fillRef>
+          <a:effectRef idx="0">
+            <a:schemeClr val="accent1"/>
+          </a:effectRef>
+          <a:fontRef idx="minor">
+            <a:schemeClr val="lt1"/>
+          </a:fontRef>
+        </p:style>
+        <p:txBody>
+          <a:bodyPr rtlCol="0" anchor="ctr"/>
+          <a:lstStyle/>
+          <a:p>
+            <a:pPr algn="ctr"/>
+            <a:r>
+              <a:rPr lang="en-US" sz="600" dirty="0">
+                <a:solidFill>
+                  <a:schemeClr val="bg2">
+                    <a:lumMod val="50000"/>
+                  </a:schemeClr>
+                </a:solidFill>
+              </a:rPr>
+              <a:t>&lt;&lt;</a:t>
+            </a:r>
+            <a:r>
+              <a:rPr lang="en-US" sz="600" dirty="0" err="1">
+                <a:solidFill>
+                  <a:schemeClr val="bg2">
+                    <a:lumMod val="50000"/>
+                  </a:schemeClr>
+                </a:solidFill>
+              </a:rPr>
+              <a:t>RelationshipType</a:t>
+            </a:r>
+            <a:r>
+              <a:rPr lang="en-US" sz="600" dirty="0">
+                <a:solidFill>
+                  <a:schemeClr val="bg2">
+                    <a:lumMod val="50000"/>
+                  </a:schemeClr>
+                </a:solidFill>
+              </a:rPr>
+              <a:t>&gt;&gt;</a:t>
+            </a:r>
+          </a:p>
+          <a:p>
+            <a:pPr algn="ctr"/>
+            <a:r>
+              <a:rPr lang="en-US" sz="600" dirty="0" err="1">
+                <a:solidFill>
+                  <a:schemeClr val="bg2">
+                    <a:lumMod val="50000"/>
+                  </a:schemeClr>
+                </a:solidFill>
+              </a:rPr>
+              <a:t>vt_sm_Task_ReqToValidate</a:t>
+            </a:r>
+            <a:endParaRPr lang="en-US" sz="600" dirty="0">
+              <a:solidFill>
+                <a:schemeClr val="bg2">
+                  <a:lumMod val="50000"/>
+                </a:schemeClr>
+              </a:solidFill>
+            </a:endParaRPr>
+          </a:p>
+        </p:txBody>
+      </p:sp>
+      <p:cxnSp>
+        <p:nvCxnSpPr>
+          <p:cNvPr id="87" name="Verbinder: gewinkelt 21">
+            <a:extLst>
+              <a:ext uri="{FF2B5EF4-FFF2-40B4-BE49-F238E27FC236}">
+                <a16:creationId xmlns:a16="http://schemas.microsoft.com/office/drawing/2014/main" id="{49BDF5BE-338B-40FF-90FD-9A1A59471D47}"/>
+              </a:ext>
+            </a:extLst>
+          </p:cNvPr>
+          <p:cNvCxnSpPr>
+            <a:cxnSpLocks/>
+            <a:stCxn id="100" idx="2"/>
+            <a:endCxn id="84" idx="0"/>
+          </p:cNvCxnSpPr>
+          <p:nvPr/>
+        </p:nvCxnSpPr>
+        <p:spPr>
+          <a:xfrm rot="5400000">
+            <a:off x="6809142" y="1425644"/>
+            <a:ext cx="520056" cy="450568"/>
+          </a:xfrm>
+          <a:prstGeom prst="bentConnector3">
+            <a:avLst>
+              <a:gd name="adj1" fmla="val 50000"/>
+            </a:avLst>
+          </a:prstGeom>
+          <a:ln>
+            <a:solidFill>
+              <a:schemeClr val="bg2">
+                <a:lumMod val="50000"/>
+              </a:schemeClr>
+            </a:solidFill>
+            <a:prstDash val="solid"/>
+            <a:tailEnd type="triangle"/>
+          </a:ln>
+        </p:spPr>
+        <p:style>
+          <a:lnRef idx="1">
+            <a:schemeClr val="accent1"/>
+          </a:lnRef>
+          <a:fillRef idx="0">
+            <a:schemeClr val="accent1"/>
+          </a:fillRef>
+          <a:effectRef idx="0">
+            <a:schemeClr val="accent1"/>
+          </a:effectRef>
+          <a:fontRef idx="minor">
+            <a:schemeClr val="tx1"/>
+          </a:fontRef>
+        </p:style>
+      </p:cxnSp>
+      <p:cxnSp>
+        <p:nvCxnSpPr>
+          <p:cNvPr id="90" name="Verbinder: gewinkelt 21">
+            <a:extLst>
+              <a:ext uri="{FF2B5EF4-FFF2-40B4-BE49-F238E27FC236}">
+                <a16:creationId xmlns:a16="http://schemas.microsoft.com/office/drawing/2014/main" id="{29220638-A325-47B4-81A0-037AC17E7B98}"/>
+              </a:ext>
+            </a:extLst>
+          </p:cNvPr>
+          <p:cNvCxnSpPr>
+            <a:cxnSpLocks/>
+            <a:stCxn id="84" idx="3"/>
+            <a:endCxn id="31" idx="0"/>
+          </p:cNvCxnSpPr>
+          <p:nvPr/>
+        </p:nvCxnSpPr>
+        <p:spPr>
+          <a:xfrm>
+            <a:off x="7534373" y="2102756"/>
+            <a:ext cx="306183" cy="2154632"/>
+          </a:xfrm>
+          <a:prstGeom prst="bentConnector2">
+            <a:avLst/>
+          </a:prstGeom>
+          <a:ln>
+            <a:solidFill>
+              <a:schemeClr val="bg2">
+                <a:lumMod val="50000"/>
+              </a:schemeClr>
+            </a:solidFill>
+            <a:prstDash val="solid"/>
+            <a:tailEnd type="triangle"/>
+          </a:ln>
+        </p:spPr>
+        <p:style>
+          <a:lnRef idx="1">
+            <a:schemeClr val="accent1"/>
+          </a:lnRef>
+          <a:fillRef idx="0">
+            <a:schemeClr val="accent1"/>
+          </a:fillRef>
+          <a:effectRef idx="0">
+            <a:schemeClr val="accent1"/>
+          </a:effectRef>
+          <a:fontRef idx="minor">
+            <a:schemeClr val="tx1"/>
+          </a:fontRef>
+        </p:style>
+      </p:cxnSp>
+      <p:sp>
+        <p:nvSpPr>
+          <p:cNvPr id="85" name="Rechteck 114">
+            <a:extLst>
+              <a:ext uri="{FF2B5EF4-FFF2-40B4-BE49-F238E27FC236}">
+                <a16:creationId xmlns:a16="http://schemas.microsoft.com/office/drawing/2014/main" id="{CA6D615F-3EBC-43B8-BC56-4E5648EBBB9A}"/>
+              </a:ext>
+            </a:extLst>
+          </p:cNvPr>
+          <p:cNvSpPr/>
+          <p:nvPr/>
+        </p:nvSpPr>
+        <p:spPr>
+          <a:xfrm>
+            <a:off x="306709" y="5700590"/>
+            <a:ext cx="1019664" cy="433738"/>
+          </a:xfrm>
+          <a:prstGeom prst="rect">
             <a:avLst/>
           </a:prstGeom>
           <a:solidFill>
-            <a:srgbClr val="FFFF00"/>
+            <a:schemeClr val="bg1"/>
+          </a:solidFill>
+          <a:ln>
+            <a:solidFill>
+              <a:schemeClr val="bg2">
+                <a:lumMod val="50000"/>
+              </a:schemeClr>
+            </a:solidFill>
+          </a:ln>
+        </p:spPr>
+        <p:style>
+          <a:lnRef idx="2">
+            <a:schemeClr val="accent1">
+              <a:shade val="50000"/>
+            </a:schemeClr>
+          </a:lnRef>
+          <a:fillRef idx="1">
+            <a:schemeClr val="accent1"/>
+          </a:fillRef>
+          <a:effectRef idx="0">
+            <a:schemeClr val="accent1"/>
+          </a:effectRef>
+          <a:fontRef idx="minor">
+            <a:schemeClr val="lt1"/>
+          </a:fontRef>
+        </p:style>
+        <p:txBody>
+          <a:bodyPr rtlCol="0" anchor="ctr"/>
+          <a:lstStyle/>
+          <a:p>
+            <a:pPr algn="ctr"/>
+            <a:r>
+              <a:rPr lang="en-US" sz="600" dirty="0">
+                <a:solidFill>
+                  <a:schemeClr val="bg2">
+                    <a:lumMod val="50000"/>
+                  </a:schemeClr>
+                </a:solidFill>
+              </a:rPr>
+              <a:t>&lt;&lt;ItemType&gt;&gt;</a:t>
+            </a:r>
+          </a:p>
+          <a:p>
+            <a:pPr algn="ctr"/>
+            <a:r>
+              <a:rPr lang="en-US" sz="600" dirty="0" err="1">
+                <a:solidFill>
+                  <a:schemeClr val="bg2">
+                    <a:lumMod val="50000"/>
+                  </a:schemeClr>
+                </a:solidFill>
+              </a:rPr>
+              <a:t>vt_TestProcedure</a:t>
+            </a:r>
+            <a:endParaRPr lang="en-US" sz="600" dirty="0">
+              <a:solidFill>
+                <a:schemeClr val="bg2">
+                  <a:lumMod val="50000"/>
+                </a:schemeClr>
+              </a:solidFill>
+            </a:endParaRPr>
+          </a:p>
+        </p:txBody>
+      </p:sp>
+      <p:grpSp>
+        <p:nvGrpSpPr>
+          <p:cNvPr id="86" name="Group 85">
+            <a:extLst>
+              <a:ext uri="{FF2B5EF4-FFF2-40B4-BE49-F238E27FC236}">
+                <a16:creationId xmlns:a16="http://schemas.microsoft.com/office/drawing/2014/main" id="{EE438312-1BDC-49CB-BE5E-7BA126737BF3}"/>
+              </a:ext>
+            </a:extLst>
+          </p:cNvPr>
+          <p:cNvGrpSpPr/>
+          <p:nvPr/>
+        </p:nvGrpSpPr>
+        <p:grpSpPr>
+          <a:xfrm>
+            <a:off x="1109689" y="5534333"/>
+            <a:ext cx="554450" cy="203116"/>
+            <a:chOff x="3405154" y="1182384"/>
+            <a:chExt cx="856162" cy="314082"/>
+          </a:xfrm>
+        </p:grpSpPr>
+        <p:sp>
+          <p:nvSpPr>
+            <p:cNvPr id="88" name="Arrow: Pentagon 87">
+              <a:extLst>
+                <a:ext uri="{FF2B5EF4-FFF2-40B4-BE49-F238E27FC236}">
+                  <a16:creationId xmlns:a16="http://schemas.microsoft.com/office/drawing/2014/main" id="{9E9CD2DA-3025-4791-A13E-5D970BDB364B}"/>
+                </a:ext>
+              </a:extLst>
+            </p:cNvPr>
+            <p:cNvSpPr/>
+            <p:nvPr/>
+          </p:nvSpPr>
+          <p:spPr>
+            <a:xfrm>
+              <a:off x="3494427" y="1336522"/>
+              <a:ext cx="255452" cy="159944"/>
+            </a:xfrm>
+            <a:prstGeom prst="homePlate">
+              <a:avLst/>
+            </a:prstGeom>
+            <a:solidFill>
+              <a:schemeClr val="bg1">
+                <a:lumMod val="75000"/>
+              </a:schemeClr>
+            </a:solidFill>
+            <a:ln>
+              <a:noFill/>
+            </a:ln>
+          </p:spPr>
+          <p:style>
+            <a:lnRef idx="2">
+              <a:schemeClr val="accent1">
+                <a:shade val="50000"/>
+              </a:schemeClr>
+            </a:lnRef>
+            <a:fillRef idx="1">
+              <a:schemeClr val="accent1"/>
+            </a:fillRef>
+            <a:effectRef idx="0">
+              <a:schemeClr val="accent1"/>
+            </a:effectRef>
+            <a:fontRef idx="minor">
+              <a:schemeClr val="lt1"/>
+            </a:fontRef>
+          </p:style>
+          <p:txBody>
+            <a:bodyPr rtlCol="0" anchor="ctr"/>
+            <a:lstStyle/>
+            <a:p>
+              <a:pPr algn="ctr"/>
+              <a:endParaRPr lang="en-US"/>
+            </a:p>
+          </p:txBody>
+        </p:sp>
+        <p:sp>
+          <p:nvSpPr>
+            <p:cNvPr id="98" name="Arrow: Pentagon 97">
+              <a:extLst>
+                <a:ext uri="{FF2B5EF4-FFF2-40B4-BE49-F238E27FC236}">
+                  <a16:creationId xmlns:a16="http://schemas.microsoft.com/office/drawing/2014/main" id="{CFFB0E37-DE11-4296-BF88-74EB067E68DF}"/>
+                </a:ext>
+              </a:extLst>
+            </p:cNvPr>
+            <p:cNvSpPr/>
+            <p:nvPr/>
+          </p:nvSpPr>
+          <p:spPr>
+            <a:xfrm>
+              <a:off x="3749879" y="1336522"/>
+              <a:ext cx="255452" cy="159944"/>
+            </a:xfrm>
+            <a:prstGeom prst="homePlate">
+              <a:avLst/>
+            </a:prstGeom>
+            <a:solidFill>
+              <a:schemeClr val="bg1">
+                <a:lumMod val="75000"/>
+              </a:schemeClr>
+            </a:solidFill>
+            <a:ln>
+              <a:noFill/>
+            </a:ln>
+          </p:spPr>
+          <p:style>
+            <a:lnRef idx="2">
+              <a:schemeClr val="accent1">
+                <a:shade val="50000"/>
+              </a:schemeClr>
+            </a:lnRef>
+            <a:fillRef idx="1">
+              <a:schemeClr val="accent1"/>
+            </a:fillRef>
+            <a:effectRef idx="0">
+              <a:schemeClr val="accent1"/>
+            </a:effectRef>
+            <a:fontRef idx="minor">
+              <a:schemeClr val="lt1"/>
+            </a:fontRef>
+          </p:style>
+          <p:txBody>
+            <a:bodyPr rtlCol="0" anchor="ctr"/>
+            <a:lstStyle/>
+            <a:p>
+              <a:pPr algn="ctr"/>
+              <a:endParaRPr lang="en-US"/>
+            </a:p>
+          </p:txBody>
+        </p:sp>
+        <p:sp>
+          <p:nvSpPr>
+            <p:cNvPr id="103" name="Arrow: Pentagon 102">
+              <a:extLst>
+                <a:ext uri="{FF2B5EF4-FFF2-40B4-BE49-F238E27FC236}">
+                  <a16:creationId xmlns:a16="http://schemas.microsoft.com/office/drawing/2014/main" id="{F236B3E1-2867-4A7C-BA22-2F8EC5D45DAC}"/>
+                </a:ext>
+              </a:extLst>
+            </p:cNvPr>
+            <p:cNvSpPr/>
+            <p:nvPr/>
+          </p:nvSpPr>
+          <p:spPr>
+            <a:xfrm>
+              <a:off x="4005864" y="1335024"/>
+              <a:ext cx="255452" cy="159944"/>
+            </a:xfrm>
+            <a:prstGeom prst="homePlate">
+              <a:avLst/>
+            </a:prstGeom>
+            <a:solidFill>
+              <a:schemeClr val="bg1">
+                <a:lumMod val="75000"/>
+              </a:schemeClr>
+            </a:solidFill>
+            <a:ln>
+              <a:noFill/>
+            </a:ln>
+          </p:spPr>
+          <p:style>
+            <a:lnRef idx="2">
+              <a:schemeClr val="accent1">
+                <a:shade val="50000"/>
+              </a:schemeClr>
+            </a:lnRef>
+            <a:fillRef idx="1">
+              <a:schemeClr val="accent1"/>
+            </a:fillRef>
+            <a:effectRef idx="0">
+              <a:schemeClr val="accent1"/>
+            </a:effectRef>
+            <a:fontRef idx="minor">
+              <a:schemeClr val="lt1"/>
+            </a:fontRef>
+          </p:style>
+          <p:txBody>
+            <a:bodyPr rtlCol="0" anchor="ctr"/>
+            <a:lstStyle/>
+            <a:p>
+              <a:pPr algn="ctr"/>
+              <a:endParaRPr lang="en-US"/>
+            </a:p>
+          </p:txBody>
+        </p:sp>
+        <p:sp>
+          <p:nvSpPr>
+            <p:cNvPr id="106" name="TextBox 105">
+              <a:extLst>
+                <a:ext uri="{FF2B5EF4-FFF2-40B4-BE49-F238E27FC236}">
+                  <a16:creationId xmlns:a16="http://schemas.microsoft.com/office/drawing/2014/main" id="{E3C32CEA-1D82-40C5-8BF9-A1454A18BE6F}"/>
+                </a:ext>
+              </a:extLst>
+            </p:cNvPr>
+            <p:cNvSpPr txBox="1"/>
+            <p:nvPr/>
+          </p:nvSpPr>
+          <p:spPr>
+            <a:xfrm>
+              <a:off x="3405154" y="1182384"/>
+              <a:ext cx="503664" cy="184666"/>
+            </a:xfrm>
+            <a:prstGeom prst="rect">
+              <a:avLst/>
+            </a:prstGeom>
+            <a:noFill/>
+          </p:spPr>
+          <p:txBody>
+            <a:bodyPr wrap="none" rtlCol="0" anchor="ctr">
+              <a:spAutoFit/>
+            </a:bodyPr>
+            <a:lstStyle/>
+            <a:p>
+              <a:r>
+                <a:rPr lang="de-DE" sz="600" dirty="0">
+                  <a:solidFill>
+                    <a:schemeClr val="tx1">
+                      <a:lumMod val="50000"/>
+                    </a:schemeClr>
+                  </a:solidFill>
+                </a:rPr>
+                <a:t>LifeCycle</a:t>
+              </a:r>
+              <a:endParaRPr lang="en-US" sz="600" dirty="0">
+                <a:solidFill>
+                  <a:schemeClr val="tx1">
+                    <a:lumMod val="50000"/>
+                  </a:schemeClr>
+                </a:solidFill>
+              </a:endParaRPr>
+            </a:p>
+          </p:txBody>
+        </p:sp>
+      </p:grpSp>
+      <p:sp>
+        <p:nvSpPr>
+          <p:cNvPr id="107" name="Rechteck: abgerundete Ecken 98">
+            <a:extLst>
+              <a:ext uri="{FF2B5EF4-FFF2-40B4-BE49-F238E27FC236}">
+                <a16:creationId xmlns:a16="http://schemas.microsoft.com/office/drawing/2014/main" id="{2C714AA8-F23A-46E7-AEB3-EAD02AFBEC7A}"/>
+              </a:ext>
+            </a:extLst>
+          </p:cNvPr>
+          <p:cNvSpPr/>
+          <p:nvPr/>
+        </p:nvSpPr>
+        <p:spPr>
+          <a:xfrm>
+            <a:off x="1386518" y="6324458"/>
+            <a:ext cx="1284678" cy="383600"/>
+          </a:xfrm>
+          <a:prstGeom prst="roundRect">
+            <a:avLst>
+              <a:gd name="adj" fmla="val 41879"/>
+            </a:avLst>
+          </a:prstGeom>
+          <a:solidFill>
+            <a:schemeClr val="bg1"/>
+          </a:solidFill>
+          <a:ln>
+            <a:solidFill>
+              <a:schemeClr val="bg2">
+                <a:lumMod val="50000"/>
+              </a:schemeClr>
+            </a:solidFill>
+          </a:ln>
+        </p:spPr>
+        <p:style>
+          <a:lnRef idx="2">
+            <a:schemeClr val="accent1">
+              <a:shade val="50000"/>
+            </a:schemeClr>
+          </a:lnRef>
+          <a:fillRef idx="1">
+            <a:schemeClr val="accent1"/>
+          </a:fillRef>
+          <a:effectRef idx="0">
+            <a:schemeClr val="accent1"/>
+          </a:effectRef>
+          <a:fontRef idx="minor">
+            <a:schemeClr val="lt1"/>
+          </a:fontRef>
+        </p:style>
+        <p:txBody>
+          <a:bodyPr rtlCol="0" anchor="ctr"/>
+          <a:lstStyle/>
+          <a:p>
+            <a:pPr algn="ctr"/>
+            <a:r>
+              <a:rPr lang="en-US" sz="600" dirty="0">
+                <a:solidFill>
+                  <a:schemeClr val="bg2">
+                    <a:lumMod val="50000"/>
+                  </a:schemeClr>
+                </a:solidFill>
+              </a:rPr>
+              <a:t>&lt;&lt;</a:t>
+            </a:r>
+            <a:r>
+              <a:rPr lang="en-US" sz="600" dirty="0" err="1">
+                <a:solidFill>
+                  <a:schemeClr val="bg2">
+                    <a:lumMod val="50000"/>
+                  </a:schemeClr>
+                </a:solidFill>
+              </a:rPr>
+              <a:t>RelationshipType</a:t>
+            </a:r>
+            <a:r>
+              <a:rPr lang="en-US" sz="600" dirty="0">
+                <a:solidFill>
+                  <a:schemeClr val="bg2">
+                    <a:lumMod val="50000"/>
+                  </a:schemeClr>
+                </a:solidFill>
+              </a:rPr>
+              <a:t>&gt;&gt;</a:t>
+            </a:r>
+          </a:p>
+          <a:p>
+            <a:pPr algn="ctr"/>
+            <a:r>
+              <a:rPr lang="en-US" sz="600" dirty="0" err="1">
+                <a:solidFill>
+                  <a:schemeClr val="bg2">
+                    <a:lumMod val="50000"/>
+                  </a:schemeClr>
+                </a:solidFill>
+              </a:rPr>
+              <a:t>vt_TestRun_SatisfiedProcedure</a:t>
+            </a:r>
+            <a:endParaRPr lang="en-US" sz="600" dirty="0">
+              <a:solidFill>
+                <a:schemeClr val="bg2">
+                  <a:lumMod val="50000"/>
+                </a:schemeClr>
+              </a:solidFill>
+            </a:endParaRPr>
+          </a:p>
+        </p:txBody>
+      </p:sp>
+      <p:cxnSp>
+        <p:nvCxnSpPr>
+          <p:cNvPr id="110" name="Verbinder: gewinkelt 21">
+            <a:extLst>
+              <a:ext uri="{FF2B5EF4-FFF2-40B4-BE49-F238E27FC236}">
+                <a16:creationId xmlns:a16="http://schemas.microsoft.com/office/drawing/2014/main" id="{5ECCA6A0-BB88-478F-B13C-A18379063D4E}"/>
+              </a:ext>
+            </a:extLst>
+          </p:cNvPr>
+          <p:cNvCxnSpPr>
+            <a:cxnSpLocks/>
+            <a:stCxn id="28" idx="2"/>
+            <a:endCxn id="107" idx="3"/>
+          </p:cNvCxnSpPr>
+          <p:nvPr/>
+        </p:nvCxnSpPr>
+        <p:spPr>
+          <a:xfrm rot="5400000">
+            <a:off x="1978381" y="5510044"/>
+            <a:ext cx="1699030" cy="313399"/>
+          </a:xfrm>
+          <a:prstGeom prst="bentConnector2">
+            <a:avLst/>
+          </a:prstGeom>
+          <a:ln>
+            <a:solidFill>
+              <a:schemeClr val="bg2">
+                <a:lumMod val="50000"/>
+              </a:schemeClr>
+            </a:solidFill>
+            <a:prstDash val="solid"/>
+            <a:tailEnd type="triangle"/>
+          </a:ln>
+        </p:spPr>
+        <p:style>
+          <a:lnRef idx="1">
+            <a:schemeClr val="accent1"/>
+          </a:lnRef>
+          <a:fillRef idx="0">
+            <a:schemeClr val="accent1"/>
+          </a:fillRef>
+          <a:effectRef idx="0">
+            <a:schemeClr val="accent1"/>
+          </a:effectRef>
+          <a:fontRef idx="minor">
+            <a:schemeClr val="tx1"/>
+          </a:fontRef>
+        </p:style>
+      </p:cxnSp>
+      <p:cxnSp>
+        <p:nvCxnSpPr>
+          <p:cNvPr id="112" name="Verbinder: gewinkelt 21">
+            <a:extLst>
+              <a:ext uri="{FF2B5EF4-FFF2-40B4-BE49-F238E27FC236}">
+                <a16:creationId xmlns:a16="http://schemas.microsoft.com/office/drawing/2014/main" id="{D627A912-E609-44EC-A255-2F7F213787DE}"/>
+              </a:ext>
+            </a:extLst>
+          </p:cNvPr>
+          <p:cNvCxnSpPr>
+            <a:cxnSpLocks/>
+            <a:stCxn id="107" idx="1"/>
+            <a:endCxn id="85" idx="2"/>
+          </p:cNvCxnSpPr>
+          <p:nvPr/>
+        </p:nvCxnSpPr>
+        <p:spPr>
+          <a:xfrm rot="10800000">
+            <a:off x="816542" y="6134328"/>
+            <a:ext cx="569977" cy="381930"/>
+          </a:xfrm>
+          <a:prstGeom prst="bentConnector2">
+            <a:avLst/>
+          </a:prstGeom>
+          <a:ln>
+            <a:solidFill>
+              <a:schemeClr val="bg2">
+                <a:lumMod val="50000"/>
+              </a:schemeClr>
+            </a:solidFill>
+            <a:prstDash val="solid"/>
+            <a:tailEnd type="triangle"/>
+          </a:ln>
+        </p:spPr>
+        <p:style>
+          <a:lnRef idx="1">
+            <a:schemeClr val="accent1"/>
+          </a:lnRef>
+          <a:fillRef idx="0">
+            <a:schemeClr val="accent1"/>
+          </a:fillRef>
+          <a:effectRef idx="0">
+            <a:schemeClr val="accent1"/>
+          </a:effectRef>
+          <a:fontRef idx="minor">
+            <a:schemeClr val="tx1"/>
+          </a:fontRef>
+        </p:style>
+      </p:cxnSp>
+      <p:sp>
+        <p:nvSpPr>
+          <p:cNvPr id="115" name="TextBox 114">
+            <a:extLst>
+              <a:ext uri="{FF2B5EF4-FFF2-40B4-BE49-F238E27FC236}">
+                <a16:creationId xmlns:a16="http://schemas.microsoft.com/office/drawing/2014/main" id="{2E7F887A-D845-4508-B668-8C659795B0E5}"/>
+              </a:ext>
+            </a:extLst>
+          </p:cNvPr>
+          <p:cNvSpPr txBox="1"/>
+          <p:nvPr/>
+        </p:nvSpPr>
+        <p:spPr>
+          <a:xfrm>
+            <a:off x="682769" y="6498467"/>
+            <a:ext cx="636713" cy="215444"/>
+          </a:xfrm>
+          <a:prstGeom prst="rect">
+            <a:avLst/>
+          </a:prstGeom>
+          <a:noFill/>
+        </p:spPr>
+        <p:txBody>
+          <a:bodyPr wrap="none" rtlCol="0" anchor="ctr">
+            <a:spAutoFit/>
+          </a:bodyPr>
+          <a:lstStyle/>
+          <a:p>
+            <a:r>
+              <a:rPr lang="de-DE" sz="800" dirty="0" err="1">
+                <a:solidFill>
+                  <a:schemeClr val="tx1">
+                    <a:lumMod val="50000"/>
+                  </a:schemeClr>
+                </a:solidFill>
+              </a:rPr>
+              <a:t>hard_fixed</a:t>
+            </a:r>
+            <a:endParaRPr lang="en-US" sz="800" dirty="0">
+              <a:solidFill>
+                <a:schemeClr val="tx1">
+                  <a:lumMod val="50000"/>
+                </a:schemeClr>
+              </a:solidFill>
+            </a:endParaRPr>
+          </a:p>
+        </p:txBody>
+      </p:sp>
+      <p:sp>
+        <p:nvSpPr>
+          <p:cNvPr id="116" name="Rechteck: abgerundete Ecken 98">
+            <a:extLst>
+              <a:ext uri="{FF2B5EF4-FFF2-40B4-BE49-F238E27FC236}">
+                <a16:creationId xmlns:a16="http://schemas.microsoft.com/office/drawing/2014/main" id="{7512AE24-1C47-4E46-89D9-D1C34F5FA13C}"/>
+              </a:ext>
+            </a:extLst>
+          </p:cNvPr>
+          <p:cNvSpPr/>
+          <p:nvPr/>
+        </p:nvSpPr>
+        <p:spPr>
+          <a:xfrm>
+            <a:off x="1664139" y="1644172"/>
+            <a:ext cx="1376477" cy="383600"/>
+          </a:xfrm>
+          <a:prstGeom prst="roundRect">
+            <a:avLst>
+              <a:gd name="adj" fmla="val 41879"/>
+            </a:avLst>
+          </a:prstGeom>
+          <a:solidFill>
+            <a:schemeClr val="bg1"/>
+          </a:solidFill>
+          <a:ln>
+            <a:solidFill>
+              <a:schemeClr val="bg2">
+                <a:lumMod val="50000"/>
+              </a:schemeClr>
+            </a:solidFill>
+          </a:ln>
+        </p:spPr>
+        <p:style>
+          <a:lnRef idx="2">
+            <a:schemeClr val="accent1">
+              <a:shade val="50000"/>
+            </a:schemeClr>
+          </a:lnRef>
+          <a:fillRef idx="1">
+            <a:schemeClr val="accent1"/>
+          </a:fillRef>
+          <a:effectRef idx="0">
+            <a:schemeClr val="accent1"/>
+          </a:effectRef>
+          <a:fontRef idx="minor">
+            <a:schemeClr val="lt1"/>
+          </a:fontRef>
+        </p:style>
+        <p:txBody>
+          <a:bodyPr rtlCol="0" anchor="ctr"/>
+          <a:lstStyle/>
+          <a:p>
+            <a:pPr algn="ctr"/>
+            <a:r>
+              <a:rPr lang="en-US" sz="600" dirty="0">
+                <a:solidFill>
+                  <a:schemeClr val="bg2">
+                    <a:lumMod val="50000"/>
+                  </a:schemeClr>
+                </a:solidFill>
+              </a:rPr>
+              <a:t>&lt;&lt;</a:t>
+            </a:r>
+            <a:r>
+              <a:rPr lang="en-US" sz="600" dirty="0" err="1">
+                <a:solidFill>
+                  <a:schemeClr val="bg2">
+                    <a:lumMod val="50000"/>
+                  </a:schemeClr>
+                </a:solidFill>
+              </a:rPr>
+              <a:t>RelationshipType</a:t>
+            </a:r>
+            <a:r>
+              <a:rPr lang="en-US" sz="600" dirty="0">
+                <a:solidFill>
+                  <a:schemeClr val="bg2">
+                    <a:lumMod val="50000"/>
+                  </a:schemeClr>
+                </a:solidFill>
+              </a:rPr>
+              <a:t>&gt;&gt;</a:t>
+            </a:r>
+          </a:p>
+          <a:p>
+            <a:pPr algn="ctr"/>
+            <a:r>
+              <a:rPr lang="en-US" sz="600" dirty="0" err="1">
+                <a:solidFill>
+                  <a:schemeClr val="bg2">
+                    <a:lumMod val="50000"/>
+                  </a:schemeClr>
+                </a:solidFill>
+              </a:rPr>
+              <a:t>vt_TestPlanTempl_RunProcedure</a:t>
+            </a:r>
+            <a:endParaRPr lang="en-US" sz="600" dirty="0">
+              <a:solidFill>
+                <a:schemeClr val="bg2">
+                  <a:lumMod val="50000"/>
+                </a:schemeClr>
+              </a:solidFill>
+            </a:endParaRPr>
+          </a:p>
+        </p:txBody>
+      </p:sp>
+      <p:cxnSp>
+        <p:nvCxnSpPr>
+          <p:cNvPr id="117" name="Verbinder: gewinkelt 21">
+            <a:extLst>
+              <a:ext uri="{FF2B5EF4-FFF2-40B4-BE49-F238E27FC236}">
+                <a16:creationId xmlns:a16="http://schemas.microsoft.com/office/drawing/2014/main" id="{F05DE8EB-BDA9-4A3D-B4FC-2B32CAF2AE1E}"/>
+              </a:ext>
+            </a:extLst>
+          </p:cNvPr>
+          <p:cNvCxnSpPr>
+            <a:cxnSpLocks/>
+            <a:stCxn id="122" idx="3"/>
+            <a:endCxn id="116" idx="3"/>
+          </p:cNvCxnSpPr>
+          <p:nvPr/>
+        </p:nvCxnSpPr>
+        <p:spPr>
+          <a:xfrm>
+            <a:off x="2554912" y="1379576"/>
+            <a:ext cx="485704" cy="456396"/>
+          </a:xfrm>
+          <a:prstGeom prst="bentConnector3">
+            <a:avLst>
+              <a:gd name="adj1" fmla="val 147066"/>
+            </a:avLst>
+          </a:prstGeom>
+          <a:ln>
+            <a:solidFill>
+              <a:schemeClr val="bg2">
+                <a:lumMod val="50000"/>
+              </a:schemeClr>
+            </a:solidFill>
+            <a:prstDash val="solid"/>
+            <a:tailEnd type="triangle"/>
+          </a:ln>
+        </p:spPr>
+        <p:style>
+          <a:lnRef idx="1">
+            <a:schemeClr val="accent1"/>
+          </a:lnRef>
+          <a:fillRef idx="0">
+            <a:schemeClr val="accent1"/>
+          </a:fillRef>
+          <a:effectRef idx="0">
+            <a:schemeClr val="accent1"/>
+          </a:effectRef>
+          <a:fontRef idx="minor">
+            <a:schemeClr val="tx1"/>
+          </a:fontRef>
+        </p:style>
+      </p:cxnSp>
+      <p:cxnSp>
+        <p:nvCxnSpPr>
+          <p:cNvPr id="118" name="Verbinder: gewinkelt 21">
+            <a:extLst>
+              <a:ext uri="{FF2B5EF4-FFF2-40B4-BE49-F238E27FC236}">
+                <a16:creationId xmlns:a16="http://schemas.microsoft.com/office/drawing/2014/main" id="{7DAA195E-EDC1-4D64-B391-4B75821B5431}"/>
+              </a:ext>
+            </a:extLst>
+          </p:cNvPr>
+          <p:cNvCxnSpPr>
+            <a:cxnSpLocks/>
+            <a:stCxn id="116" idx="1"/>
+            <a:endCxn id="85" idx="1"/>
+          </p:cNvCxnSpPr>
+          <p:nvPr/>
+        </p:nvCxnSpPr>
+        <p:spPr>
+          <a:xfrm rot="10800000" flipV="1">
+            <a:off x="306709" y="1835971"/>
+            <a:ext cx="1357430" cy="4081487"/>
+          </a:xfrm>
+          <a:prstGeom prst="bentConnector3">
+            <a:avLst>
+              <a:gd name="adj1" fmla="val 116841"/>
+            </a:avLst>
+          </a:prstGeom>
+          <a:ln>
+            <a:solidFill>
+              <a:schemeClr val="bg2">
+                <a:lumMod val="50000"/>
+              </a:schemeClr>
+            </a:solidFill>
+            <a:prstDash val="solid"/>
+            <a:tailEnd type="triangle"/>
+          </a:ln>
+        </p:spPr>
+        <p:style>
+          <a:lnRef idx="1">
+            <a:schemeClr val="accent1"/>
+          </a:lnRef>
+          <a:fillRef idx="0">
+            <a:schemeClr val="accent1"/>
+          </a:fillRef>
+          <a:effectRef idx="0">
+            <a:schemeClr val="accent1"/>
+          </a:effectRef>
+          <a:fontRef idx="minor">
+            <a:schemeClr val="tx1"/>
+          </a:fontRef>
+        </p:style>
+      </p:cxnSp>
+      <p:sp>
+        <p:nvSpPr>
+          <p:cNvPr id="123" name="TextBox 122">
+            <a:extLst>
+              <a:ext uri="{FF2B5EF4-FFF2-40B4-BE49-F238E27FC236}">
+                <a16:creationId xmlns:a16="http://schemas.microsoft.com/office/drawing/2014/main" id="{626CE844-81BA-432D-BEC0-B5E5BC01AD35}"/>
+              </a:ext>
+            </a:extLst>
+          </p:cNvPr>
+          <p:cNvSpPr txBox="1"/>
+          <p:nvPr/>
+        </p:nvSpPr>
+        <p:spPr>
+          <a:xfrm>
+            <a:off x="1035852" y="1653784"/>
+            <a:ext cx="378630" cy="215444"/>
+          </a:xfrm>
+          <a:prstGeom prst="rect">
+            <a:avLst/>
+          </a:prstGeom>
+          <a:noFill/>
+        </p:spPr>
+        <p:txBody>
+          <a:bodyPr wrap="none" rtlCol="0" anchor="ctr">
+            <a:spAutoFit/>
+          </a:bodyPr>
+          <a:lstStyle/>
+          <a:p>
+            <a:r>
+              <a:rPr lang="de-DE" sz="800" dirty="0" err="1">
+                <a:solidFill>
+                  <a:schemeClr val="tx1">
+                    <a:lumMod val="50000"/>
+                  </a:schemeClr>
+                </a:solidFill>
+              </a:rPr>
+              <a:t>float</a:t>
+            </a:r>
+            <a:endParaRPr lang="en-US" sz="800" dirty="0">
+              <a:solidFill>
+                <a:schemeClr val="tx1">
+                  <a:lumMod val="50000"/>
+                </a:schemeClr>
+              </a:solidFill>
+            </a:endParaRPr>
+          </a:p>
+        </p:txBody>
+      </p:sp>
+      <p:sp>
+        <p:nvSpPr>
+          <p:cNvPr id="130" name="Rectangle 129">
+            <a:extLst>
+              <a:ext uri="{FF2B5EF4-FFF2-40B4-BE49-F238E27FC236}">
+                <a16:creationId xmlns:a16="http://schemas.microsoft.com/office/drawing/2014/main" id="{B3B38B7D-21B4-403B-A076-2B846EE278D2}"/>
+              </a:ext>
+            </a:extLst>
+          </p:cNvPr>
+          <p:cNvSpPr/>
+          <p:nvPr/>
+        </p:nvSpPr>
+        <p:spPr>
+          <a:xfrm>
+            <a:off x="2201181" y="2420713"/>
+            <a:ext cx="82124" cy="80360"/>
+          </a:xfrm>
+          <a:prstGeom prst="rect">
+            <a:avLst/>
+          </a:prstGeom>
+          <a:solidFill>
+            <a:schemeClr val="tx1"/>
           </a:solidFill>
           <a:ln>
             <a:noFill/>
@@ -8606,44 +9484,16 @@
           <a:lstStyle/>
           <a:p>
             <a:pPr algn="ctr"/>
-            <a:r>
-              <a:rPr lang="de-DE" sz="700" dirty="0">
-                <a:solidFill>
-                  <a:srgbClr val="FF0000"/>
-                </a:solidFill>
-              </a:rPr>
-              <a:t>Test Plan </a:t>
-            </a:r>
-            <a:r>
-              <a:rPr lang="de-DE" sz="700" dirty="0" err="1">
-                <a:solidFill>
-                  <a:srgbClr val="FF0000"/>
-                </a:solidFill>
-              </a:rPr>
-              <a:t>Execution</a:t>
-            </a:r>
-            <a:r>
-              <a:rPr lang="de-DE" sz="700" dirty="0">
-                <a:solidFill>
-                  <a:srgbClr val="FF0000"/>
-                </a:solidFill>
-              </a:rPr>
-              <a:t> ??</a:t>
-            </a:r>
-            <a:endParaRPr lang="en-US" sz="700" dirty="0">
-              <a:solidFill>
-                <a:srgbClr val="FF0000"/>
-              </a:solidFill>
-            </a:endParaRPr>
+            <a:endParaRPr lang="en-US"/>
           </a:p>
         </p:txBody>
       </p:sp>
       <p:sp>
         <p:nvSpPr>
-          <p:cNvPr id="80" name="Rectangle: Rounded Corners 79">
-            <a:extLst>
-              <a:ext uri="{FF2B5EF4-FFF2-40B4-BE49-F238E27FC236}">
-                <a16:creationId xmlns:a16="http://schemas.microsoft.com/office/drawing/2014/main" id="{233AC455-E0EA-4B23-8AD6-DAB1A34764F5}"/>
+          <p:cNvPr id="131" name="Rectangle 130">
+            <a:extLst>
+              <a:ext uri="{FF2B5EF4-FFF2-40B4-BE49-F238E27FC236}">
+                <a16:creationId xmlns:a16="http://schemas.microsoft.com/office/drawing/2014/main" id="{70BC87E9-3A59-4A6A-BC9E-291B13EDBD97}"/>
               </a:ext>
             </a:extLst>
           </p:cNvPr>
@@ -8652,14 +9502,14 @@
         </p:nvSpPr>
         <p:spPr>
           <a:xfrm>
-            <a:off x="1418514" y="1419270"/>
-            <a:ext cx="1152042" cy="157413"/>
-          </a:xfrm>
-          <a:prstGeom prst="roundRect">
+            <a:off x="2211504" y="2573167"/>
+            <a:ext cx="82124" cy="80360"/>
+          </a:xfrm>
+          <a:prstGeom prst="rect">
             <a:avLst/>
           </a:prstGeom>
           <a:solidFill>
-            <a:srgbClr val="FFFF00"/>
+            <a:schemeClr val="tx1"/>
           </a:solidFill>
           <a:ln>
             <a:noFill/>
@@ -8686,28 +9536,16 @@
           <a:lstStyle/>
           <a:p>
             <a:pPr algn="ctr"/>
-            <a:r>
-              <a:rPr lang="de-DE" sz="700" dirty="0">
-                <a:solidFill>
-                  <a:srgbClr val="FF0000"/>
-                </a:solidFill>
-              </a:rPr>
-              <a:t>Test Plan ??</a:t>
-            </a:r>
-            <a:endParaRPr lang="en-US" sz="700" dirty="0">
-              <a:solidFill>
-                <a:srgbClr val="FF0000"/>
-              </a:solidFill>
-            </a:endParaRPr>
+            <a:endParaRPr lang="en-US"/>
           </a:p>
         </p:txBody>
       </p:sp>
       <p:sp>
         <p:nvSpPr>
-          <p:cNvPr id="83" name="Rectangle: Rounded Corners 82">
-            <a:extLst>
-              <a:ext uri="{FF2B5EF4-FFF2-40B4-BE49-F238E27FC236}">
-                <a16:creationId xmlns:a16="http://schemas.microsoft.com/office/drawing/2014/main" id="{E7981CDD-B4F8-4FE0-BDBB-6C9558612BA5}"/>
+          <p:cNvPr id="133" name="Rectangle 132">
+            <a:extLst>
+              <a:ext uri="{FF2B5EF4-FFF2-40B4-BE49-F238E27FC236}">
+                <a16:creationId xmlns:a16="http://schemas.microsoft.com/office/drawing/2014/main" id="{8FA2D05C-8D8B-4828-AAA9-75A20A420480}"/>
               </a:ext>
             </a:extLst>
           </p:cNvPr>
@@ -8716,14 +9554,14 @@
         </p:nvSpPr>
         <p:spPr>
           <a:xfrm>
-            <a:off x="3311837" y="4691966"/>
-            <a:ext cx="1152042" cy="157413"/>
-          </a:xfrm>
-          <a:prstGeom prst="roundRect">
+            <a:off x="3432293" y="4491391"/>
+            <a:ext cx="82124" cy="80360"/>
+          </a:xfrm>
+          <a:prstGeom prst="rect">
             <a:avLst/>
           </a:prstGeom>
           <a:solidFill>
-            <a:srgbClr val="FFFF00"/>
+            <a:schemeClr val="tx1"/>
           </a:solidFill>
           <a:ln>
             <a:noFill/>
@@ -8750,44 +9588,16 @@
           <a:lstStyle/>
           <a:p>
             <a:pPr algn="ctr"/>
-            <a:r>
-              <a:rPr lang="de-DE" sz="700" dirty="0">
-                <a:solidFill>
-                  <a:srgbClr val="FF0000"/>
-                </a:solidFill>
-              </a:rPr>
-              <a:t>Test Plan </a:t>
-            </a:r>
-            <a:r>
-              <a:rPr lang="de-DE" sz="700" dirty="0" err="1">
-                <a:solidFill>
-                  <a:srgbClr val="FF0000"/>
-                </a:solidFill>
-              </a:rPr>
-              <a:t>Execution</a:t>
-            </a:r>
-            <a:r>
-              <a:rPr lang="de-DE" sz="700" dirty="0">
-                <a:solidFill>
-                  <a:srgbClr val="FF0000"/>
-                </a:solidFill>
-              </a:rPr>
-              <a:t> ??</a:t>
-            </a:r>
-            <a:endParaRPr lang="en-US" sz="700" dirty="0">
-              <a:solidFill>
-                <a:srgbClr val="FF0000"/>
-              </a:solidFill>
-            </a:endParaRPr>
+            <a:endParaRPr lang="en-US"/>
           </a:p>
         </p:txBody>
       </p:sp>
       <p:sp>
         <p:nvSpPr>
-          <p:cNvPr id="84" name="Rechteck: abgerundete Ecken 98">
-            <a:extLst>
-              <a:ext uri="{FF2B5EF4-FFF2-40B4-BE49-F238E27FC236}">
-                <a16:creationId xmlns:a16="http://schemas.microsoft.com/office/drawing/2014/main" id="{719F81CB-2563-4B7B-BB48-57F1C8282DD1}"/>
+          <p:cNvPr id="134" name="Rectangle 133">
+            <a:extLst>
+              <a:ext uri="{FF2B5EF4-FFF2-40B4-BE49-F238E27FC236}">
+                <a16:creationId xmlns:a16="http://schemas.microsoft.com/office/drawing/2014/main" id="{5D332BF9-B252-4971-92EB-55D4496960EE}"/>
               </a:ext>
             </a:extLst>
           </p:cNvPr>
@@ -8796,23 +9606,17 @@
         </p:nvSpPr>
         <p:spPr>
           <a:xfrm>
-            <a:off x="5847735" y="1890981"/>
-            <a:ext cx="1380975" cy="383600"/>
-          </a:xfrm>
-          <a:prstGeom prst="roundRect">
-            <a:avLst>
-              <a:gd name="adj" fmla="val 41879"/>
-            </a:avLst>
+            <a:off x="3442616" y="4643845"/>
+            <a:ext cx="82124" cy="80360"/>
+          </a:xfrm>
+          <a:prstGeom prst="rect">
+            <a:avLst/>
           </a:prstGeom>
           <a:solidFill>
-            <a:schemeClr val="bg1"/>
+            <a:schemeClr val="tx1"/>
           </a:solidFill>
           <a:ln>
-            <a:solidFill>
-              <a:schemeClr val="bg2">
-                <a:lumMod val="50000"/>
-              </a:schemeClr>
-            </a:solidFill>
+            <a:noFill/>
           </a:ln>
         </p:spPr>
         <p:style>
@@ -8836,90 +9640,41 @@
           <a:lstStyle/>
           <a:p>
             <a:pPr algn="ctr"/>
-            <a:r>
-              <a:rPr lang="en-US" sz="600" dirty="0">
-                <a:solidFill>
-                  <a:schemeClr val="bg2">
-                    <a:lumMod val="50000"/>
-                  </a:schemeClr>
-                </a:solidFill>
-              </a:rPr>
-              <a:t>&lt;&lt;</a:t>
-            </a:r>
-            <a:r>
-              <a:rPr lang="en-US" sz="600" dirty="0" err="1">
-                <a:solidFill>
-                  <a:schemeClr val="bg2">
-                    <a:lumMod val="50000"/>
-                  </a:schemeClr>
-                </a:solidFill>
-              </a:rPr>
-              <a:t>RelationshipType</a:t>
-            </a:r>
-            <a:r>
-              <a:rPr lang="en-US" sz="600" dirty="0">
-                <a:solidFill>
-                  <a:schemeClr val="bg2">
-                    <a:lumMod val="50000"/>
-                  </a:schemeClr>
-                </a:solidFill>
-              </a:rPr>
-              <a:t>&gt;&gt;</a:t>
-            </a:r>
-          </a:p>
-          <a:p>
-            <a:pPr algn="ctr"/>
-            <a:r>
-              <a:rPr lang="en-US" sz="600" dirty="0" err="1">
-                <a:solidFill>
-                  <a:schemeClr val="bg2">
-                    <a:lumMod val="50000"/>
-                  </a:schemeClr>
-                </a:solidFill>
-              </a:rPr>
-              <a:t>vt_sm_Task_ReqToValidate</a:t>
-            </a:r>
-            <a:endParaRPr lang="en-US" sz="600" dirty="0">
-              <a:solidFill>
-                <a:schemeClr val="bg2">
-                  <a:lumMod val="50000"/>
-                </a:schemeClr>
-              </a:solidFill>
-            </a:endParaRPr>
+            <a:endParaRPr lang="en-US"/>
           </a:p>
         </p:txBody>
       </p:sp>
       <p:cxnSp>
         <p:nvCxnSpPr>
-          <p:cNvPr id="87" name="Verbinder: gewinkelt 21">
-            <a:extLst>
-              <a:ext uri="{FF2B5EF4-FFF2-40B4-BE49-F238E27FC236}">
-                <a16:creationId xmlns:a16="http://schemas.microsoft.com/office/drawing/2014/main" id="{49BDF5BE-338B-40FF-90FD-9A1A59471D47}"/>
+          <p:cNvPr id="135" name="Verbinder: gewinkelt 21">
+            <a:extLst>
+              <a:ext uri="{FF2B5EF4-FFF2-40B4-BE49-F238E27FC236}">
+                <a16:creationId xmlns:a16="http://schemas.microsoft.com/office/drawing/2014/main" id="{D6C7EE80-C87E-42C7-8DF0-504D3B930CF3}"/>
               </a:ext>
             </a:extLst>
           </p:cNvPr>
           <p:cNvCxnSpPr>
             <a:cxnSpLocks/>
-            <a:stCxn id="100" idx="3"/>
-            <a:endCxn id="84" idx="0"/>
+            <a:stCxn id="134" idx="3"/>
+            <a:endCxn id="113" idx="1"/>
           </p:cNvCxnSpPr>
           <p:nvPr/>
         </p:nvCxnSpPr>
         <p:spPr>
-          <a:xfrm>
-            <a:off x="6151418" y="1598964"/>
-            <a:ext cx="386805" cy="292017"/>
-          </a:xfrm>
-          <a:prstGeom prst="bentConnector2">
-            <a:avLst/>
+          <a:xfrm flipV="1">
+            <a:off x="3524740" y="839881"/>
+            <a:ext cx="1946163" cy="3844144"/>
+          </a:xfrm>
+          <a:prstGeom prst="bentConnector3">
+            <a:avLst>
+              <a:gd name="adj1" fmla="val 79366"/>
+            </a:avLst>
           </a:prstGeom>
           <a:ln>
             <a:solidFill>
-              <a:schemeClr val="bg2">
-                <a:lumMod val="50000"/>
-              </a:schemeClr>
+              <a:srgbClr val="0070C0"/>
             </a:solidFill>
-            <a:prstDash val="solid"/>
+            <a:prstDash val="dash"/>
             <a:tailEnd type="triangle"/>
           </a:ln>
         </p:spPr>
@@ -8938,37 +9693,152 @@
           </a:fontRef>
         </p:style>
       </p:cxnSp>
+      <p:sp>
+        <p:nvSpPr>
+          <p:cNvPr id="147" name="TextBox 146">
+            <a:extLst>
+              <a:ext uri="{FF2B5EF4-FFF2-40B4-BE49-F238E27FC236}">
+                <a16:creationId xmlns:a16="http://schemas.microsoft.com/office/drawing/2014/main" id="{950C9417-EBF3-4E8E-8BA0-68FF4414836B}"/>
+              </a:ext>
+            </a:extLst>
+          </p:cNvPr>
+          <p:cNvSpPr txBox="1"/>
+          <p:nvPr/>
+        </p:nvSpPr>
+        <p:spPr>
+          <a:xfrm>
+            <a:off x="163936" y="5086293"/>
+            <a:ext cx="946093" cy="584775"/>
+          </a:xfrm>
+          <a:prstGeom prst="rect">
+            <a:avLst/>
+          </a:prstGeom>
+          <a:noFill/>
+        </p:spPr>
+        <p:txBody>
+          <a:bodyPr wrap="none" rtlCol="0" anchor="ctr">
+            <a:spAutoFit/>
+          </a:bodyPr>
+          <a:lstStyle/>
+          <a:p>
+            <a:r>
+              <a:rPr lang="de-DE" sz="800" dirty="0" err="1">
+                <a:solidFill>
+                  <a:schemeClr val="tx1">
+                    <a:lumMod val="50000"/>
+                  </a:schemeClr>
+                </a:solidFill>
+              </a:rPr>
+              <a:t>Procedure</a:t>
+            </a:r>
+            <a:r>
+              <a:rPr lang="de-DE" sz="800" dirty="0">
+                <a:solidFill>
+                  <a:schemeClr val="tx1">
+                    <a:lumMod val="50000"/>
+                  </a:schemeClr>
+                </a:solidFill>
+              </a:rPr>
+              <a:t> </a:t>
+            </a:r>
+            <a:r>
+              <a:rPr lang="de-DE" sz="800" dirty="0" err="1">
+                <a:solidFill>
+                  <a:schemeClr val="tx1">
+                    <a:lumMod val="50000"/>
+                  </a:schemeClr>
+                </a:solidFill>
+              </a:rPr>
+              <a:t>Types</a:t>
+            </a:r>
+            <a:r>
+              <a:rPr lang="de-DE" sz="800" dirty="0">
+                <a:solidFill>
+                  <a:schemeClr val="tx1">
+                    <a:lumMod val="50000"/>
+                  </a:schemeClr>
+                </a:solidFill>
+              </a:rPr>
+              <a:t>:</a:t>
+            </a:r>
+          </a:p>
+          <a:p>
+            <a:r>
+              <a:rPr lang="de-DE" sz="800" dirty="0">
+                <a:solidFill>
+                  <a:schemeClr val="tx1">
+                    <a:lumMod val="50000"/>
+                  </a:schemeClr>
+                </a:solidFill>
+              </a:rPr>
+              <a:t>-General</a:t>
+            </a:r>
+          </a:p>
+          <a:p>
+            <a:r>
+              <a:rPr lang="de-DE" sz="800" dirty="0">
+                <a:solidFill>
+                  <a:schemeClr val="tx1">
+                    <a:lumMod val="50000"/>
+                  </a:schemeClr>
+                </a:solidFill>
+              </a:rPr>
+              <a:t>-Internal Standard</a:t>
+            </a:r>
+          </a:p>
+          <a:p>
+            <a:r>
+              <a:rPr lang="de-DE" sz="800" dirty="0">
+                <a:solidFill>
+                  <a:schemeClr val="tx1">
+                    <a:lumMod val="50000"/>
+                  </a:schemeClr>
+                </a:solidFill>
+              </a:rPr>
+              <a:t>-ISO Standard</a:t>
+            </a:r>
+            <a:endParaRPr lang="en-US" sz="800" dirty="0">
+              <a:solidFill>
+                <a:schemeClr val="tx1">
+                  <a:lumMod val="50000"/>
+                </a:schemeClr>
+              </a:solidFill>
+            </a:endParaRPr>
+          </a:p>
+        </p:txBody>
+      </p:sp>
       <p:cxnSp>
         <p:nvCxnSpPr>
-          <p:cNvPr id="90" name="Verbinder: gewinkelt 21">
-            <a:extLst>
-              <a:ext uri="{FF2B5EF4-FFF2-40B4-BE49-F238E27FC236}">
-                <a16:creationId xmlns:a16="http://schemas.microsoft.com/office/drawing/2014/main" id="{29220638-A325-47B4-81A0-037AC17E7B98}"/>
+          <p:cNvPr id="148" name="Verbinder: gewinkelt 21">
+            <a:extLst>
+              <a:ext uri="{FF2B5EF4-FFF2-40B4-BE49-F238E27FC236}">
+                <a16:creationId xmlns:a16="http://schemas.microsoft.com/office/drawing/2014/main" id="{CAEEC70B-9002-4AC0-9A34-415DDF9067C4}"/>
               </a:ext>
             </a:extLst>
           </p:cNvPr>
           <p:cNvCxnSpPr>
             <a:cxnSpLocks/>
-            <a:stCxn id="84" idx="3"/>
-            <a:endCxn id="31" idx="0"/>
+            <a:stCxn id="85" idx="3"/>
+            <a:endCxn id="119" idx="2"/>
           </p:cNvCxnSpPr>
           <p:nvPr/>
         </p:nvCxnSpPr>
         <p:spPr>
           <a:xfrm>
-            <a:off x="7228710" y="2082781"/>
-            <a:ext cx="611846" cy="2174607"/>
-          </a:xfrm>
-          <a:prstGeom prst="bentConnector2">
-            <a:avLst/>
+            <a:off x="1326373" y="5917459"/>
+            <a:ext cx="3292933" cy="708269"/>
+          </a:xfrm>
+          <a:prstGeom prst="bentConnector4">
+            <a:avLst>
+              <a:gd name="adj1" fmla="val 46005"/>
+              <a:gd name="adj2" fmla="val 132276"/>
+            </a:avLst>
           </a:prstGeom>
           <a:ln>
             <a:solidFill>
-              <a:schemeClr val="bg2">
-                <a:lumMod val="50000"/>
-              </a:schemeClr>
+              <a:srgbClr val="0070C0"/>
             </a:solidFill>
-            <a:prstDash val="solid"/>
+            <a:prstDash val="dash"/>
             <a:tailEnd type="triangle"/>
           </a:ln>
         </p:spPr>
@@ -8987,6 +9857,148 @@
           </a:fontRef>
         </p:style>
       </p:cxnSp>
+      <p:sp>
+        <p:nvSpPr>
+          <p:cNvPr id="152" name="TextBox 151">
+            <a:extLst>
+              <a:ext uri="{FF2B5EF4-FFF2-40B4-BE49-F238E27FC236}">
+                <a16:creationId xmlns:a16="http://schemas.microsoft.com/office/drawing/2014/main" id="{D0A247B7-2E8D-49D7-854E-287E36529294}"/>
+              </a:ext>
+            </a:extLst>
+          </p:cNvPr>
+          <p:cNvSpPr txBox="1"/>
+          <p:nvPr/>
+        </p:nvSpPr>
+        <p:spPr>
+          <a:xfrm>
+            <a:off x="1935735" y="506884"/>
+            <a:ext cx="1138453" cy="461665"/>
+          </a:xfrm>
+          <a:prstGeom prst="rect">
+            <a:avLst/>
+          </a:prstGeom>
+          <a:noFill/>
+        </p:spPr>
+        <p:txBody>
+          <a:bodyPr wrap="none" rtlCol="0" anchor="ctr">
+            <a:spAutoFit/>
+          </a:bodyPr>
+          <a:lstStyle/>
+          <a:p>
+            <a:r>
+              <a:rPr lang="de-DE" sz="800" dirty="0">
+                <a:solidFill>
+                  <a:schemeClr val="tx1">
+                    <a:lumMod val="50000"/>
+                  </a:schemeClr>
+                </a:solidFill>
+              </a:rPr>
+              <a:t>Test Plan </a:t>
+            </a:r>
+            <a:r>
+              <a:rPr lang="de-DE" sz="800" dirty="0" err="1">
+                <a:solidFill>
+                  <a:schemeClr val="tx1">
+                    <a:lumMod val="50000"/>
+                  </a:schemeClr>
+                </a:solidFill>
+              </a:rPr>
+              <a:t>Templ</a:t>
+            </a:r>
+            <a:r>
+              <a:rPr lang="de-DE" sz="800" dirty="0">
+                <a:solidFill>
+                  <a:schemeClr val="tx1">
+                    <a:lumMod val="50000"/>
+                  </a:schemeClr>
+                </a:solidFill>
+              </a:rPr>
+              <a:t> </a:t>
+            </a:r>
+            <a:r>
+              <a:rPr lang="de-DE" sz="800" dirty="0" err="1">
+                <a:solidFill>
+                  <a:schemeClr val="tx1">
+                    <a:lumMod val="50000"/>
+                  </a:schemeClr>
+                </a:solidFill>
+              </a:rPr>
+              <a:t>Types</a:t>
+            </a:r>
+            <a:r>
+              <a:rPr lang="de-DE" sz="800" dirty="0">
+                <a:solidFill>
+                  <a:schemeClr val="tx1">
+                    <a:lumMod val="50000"/>
+                  </a:schemeClr>
+                </a:solidFill>
+              </a:rPr>
+              <a:t>:</a:t>
+            </a:r>
+          </a:p>
+          <a:p>
+            <a:r>
+              <a:rPr lang="de-DE" sz="800" dirty="0">
+                <a:solidFill>
+                  <a:schemeClr val="tx1">
+                    <a:lumMod val="50000"/>
+                  </a:schemeClr>
+                </a:solidFill>
+              </a:rPr>
+              <a:t>-Design Validation</a:t>
+            </a:r>
+          </a:p>
+          <a:p>
+            <a:r>
+              <a:rPr lang="de-DE" sz="800" dirty="0">
+                <a:solidFill>
+                  <a:schemeClr val="tx1">
+                    <a:lumMod val="50000"/>
+                  </a:schemeClr>
+                </a:solidFill>
+              </a:rPr>
+              <a:t>-</a:t>
+            </a:r>
+            <a:r>
+              <a:rPr lang="de-DE" sz="800" dirty="0" err="1">
+                <a:solidFill>
+                  <a:schemeClr val="tx1">
+                    <a:lumMod val="50000"/>
+                  </a:schemeClr>
+                </a:solidFill>
+              </a:rPr>
+              <a:t>Physical</a:t>
+            </a:r>
+            <a:r>
+              <a:rPr lang="de-DE" sz="800" dirty="0">
+                <a:solidFill>
+                  <a:schemeClr val="tx1">
+                    <a:lumMod val="50000"/>
+                  </a:schemeClr>
+                </a:solidFill>
+              </a:rPr>
+              <a:t> </a:t>
+            </a:r>
+            <a:r>
+              <a:rPr lang="de-DE" sz="800" dirty="0" err="1">
+                <a:solidFill>
+                  <a:schemeClr val="tx1">
+                    <a:lumMod val="50000"/>
+                  </a:schemeClr>
+                </a:solidFill>
+              </a:rPr>
+              <a:t>Testing</a:t>
+            </a:r>
+            <a:endParaRPr lang="en-US" sz="800" dirty="0">
+              <a:solidFill>
+                <a:schemeClr val="tx1">
+                  <a:lumMod val="50000"/>
+                </a:schemeClr>
+              </a:solidFill>
+            </a:endParaRPr>
+          </a:p>
+        </p:txBody>
+      </p:sp>
     </p:spTree>
     <p:extLst>
       <p:ext uri="{BB962C8B-B14F-4D97-AF65-F5344CB8AC3E}">
@@ -9017,98 +10029,4632 @@
           <a:chExt cx="0" cy="0"/>
         </a:xfrm>
       </p:grpSpPr>
-      <p:pic>
-        <p:nvPicPr>
-          <p:cNvPr id="5" name="Picture 4">
-            <a:extLst>
-              <a:ext uri="{FF2B5EF4-FFF2-40B4-BE49-F238E27FC236}">
-                <a16:creationId xmlns:a16="http://schemas.microsoft.com/office/drawing/2014/main" id="{0AA50BC1-D2FE-446D-A6F8-BCCC220A343E}"/>
-              </a:ext>
-            </a:extLst>
-          </p:cNvPr>
-          <p:cNvPicPr>
-            <a:picLocks noChangeAspect="1"/>
-          </p:cNvPicPr>
-          <p:nvPr/>
-        </p:nvPicPr>
-        <p:blipFill>
-          <a:blip r:embed="rId2"/>
-          <a:stretch>
-            <a:fillRect/>
-          </a:stretch>
-        </p:blipFill>
+      <p:sp>
+        <p:nvSpPr>
+          <p:cNvPr id="2" name="Title 1">
+            <a:extLst>
+              <a:ext uri="{FF2B5EF4-FFF2-40B4-BE49-F238E27FC236}">
+                <a16:creationId xmlns:a16="http://schemas.microsoft.com/office/drawing/2014/main" id="{2C38EBE5-C26F-4A8F-9615-0B3C913809DA}"/>
+              </a:ext>
+            </a:extLst>
+          </p:cNvPr>
+          <p:cNvSpPr>
+            <a:spLocks noGrp="1"/>
+          </p:cNvSpPr>
+          <p:nvPr>
+            <p:ph type="title"/>
+          </p:nvPr>
+        </p:nvSpPr>
         <p:spPr>
           <a:xfrm>
-            <a:off x="378039" y="373225"/>
-            <a:ext cx="9061429" cy="4946734"/>
+            <a:off x="125695" y="-26807"/>
+            <a:ext cx="8626968" cy="525297"/>
+          </a:xfrm>
+        </p:spPr>
+        <p:txBody>
+          <a:bodyPr>
+            <a:normAutofit fontScale="90000"/>
+          </a:bodyPr>
+          <a:lstStyle/>
+          <a:p>
+            <a:r>
+              <a:rPr lang="de-DE" sz="3200" dirty="0"/>
+              <a:t>Data </a:t>
+            </a:r>
+            <a:r>
+              <a:rPr lang="de-DE" sz="3200" dirty="0" err="1"/>
+              <a:t>Object</a:t>
+            </a:r>
+            <a:r>
+              <a:rPr lang="de-DE" sz="3200" dirty="0"/>
+              <a:t> Model – </a:t>
+            </a:r>
+            <a:r>
+              <a:rPr lang="de-DE" sz="3200" dirty="0" err="1"/>
+              <a:t>Adding</a:t>
+            </a:r>
+            <a:r>
+              <a:rPr lang="de-DE" sz="3200" dirty="0"/>
+              <a:t> </a:t>
+            </a:r>
+            <a:r>
+              <a:rPr lang="de-DE" sz="3200" dirty="0" err="1"/>
+              <a:t>Templating</a:t>
+            </a:r>
+            <a:endParaRPr lang="en-US" sz="3200" dirty="0"/>
+          </a:p>
+        </p:txBody>
+      </p:sp>
+      <p:sp>
+        <p:nvSpPr>
+          <p:cNvPr id="24" name="Rechteck 114">
+            <a:extLst>
+              <a:ext uri="{FF2B5EF4-FFF2-40B4-BE49-F238E27FC236}">
+                <a16:creationId xmlns:a16="http://schemas.microsoft.com/office/drawing/2014/main" id="{7A41530A-5CCD-446A-AB31-77B730F97CB7}"/>
+              </a:ext>
+            </a:extLst>
+          </p:cNvPr>
+          <p:cNvSpPr/>
+          <p:nvPr/>
+        </p:nvSpPr>
+        <p:spPr>
+          <a:xfrm>
+            <a:off x="7154278" y="1543086"/>
+            <a:ext cx="1019664" cy="433738"/>
           </a:xfrm>
           <a:prstGeom prst="rect">
+            <a:avLst/>
+          </a:prstGeom>
+          <a:solidFill>
+            <a:schemeClr val="bg1"/>
+          </a:solidFill>
+          <a:ln>
+            <a:solidFill>
+              <a:schemeClr val="bg2">
+                <a:lumMod val="50000"/>
+              </a:schemeClr>
+            </a:solidFill>
+          </a:ln>
+        </p:spPr>
+        <p:style>
+          <a:lnRef idx="2">
+            <a:schemeClr val="accent1">
+              <a:shade val="50000"/>
+            </a:schemeClr>
+          </a:lnRef>
+          <a:fillRef idx="1">
+            <a:schemeClr val="accent1"/>
+          </a:fillRef>
+          <a:effectRef idx="0">
+            <a:schemeClr val="accent1"/>
+          </a:effectRef>
+          <a:fontRef idx="minor">
+            <a:schemeClr val="lt1"/>
+          </a:fontRef>
+        </p:style>
+        <p:txBody>
+          <a:bodyPr rtlCol="0" anchor="ctr"/>
+          <a:lstStyle/>
+          <a:p>
+            <a:pPr algn="ctr"/>
+            <a:r>
+              <a:rPr lang="en-US" sz="600" dirty="0">
+                <a:solidFill>
+                  <a:schemeClr val="bg2">
+                    <a:lumMod val="50000"/>
+                  </a:schemeClr>
+                </a:solidFill>
+              </a:rPr>
+              <a:t>&lt;&lt;ItemType&gt;&gt;</a:t>
+            </a:r>
+          </a:p>
+          <a:p>
+            <a:pPr algn="ctr"/>
+            <a:r>
+              <a:rPr lang="en-US" sz="600" dirty="0" err="1">
+                <a:solidFill>
+                  <a:schemeClr val="bg2">
+                    <a:lumMod val="50000"/>
+                  </a:schemeClr>
+                </a:solidFill>
+              </a:rPr>
+              <a:t>vt_TestPlan</a:t>
+            </a:r>
+            <a:endParaRPr lang="en-US" sz="600" dirty="0">
+              <a:solidFill>
+                <a:schemeClr val="bg2">
+                  <a:lumMod val="50000"/>
+                </a:schemeClr>
+              </a:solidFill>
+            </a:endParaRPr>
+          </a:p>
+        </p:txBody>
+      </p:sp>
+      <p:sp>
+        <p:nvSpPr>
+          <p:cNvPr id="25" name="TextBox 24">
+            <a:extLst>
+              <a:ext uri="{FF2B5EF4-FFF2-40B4-BE49-F238E27FC236}">
+                <a16:creationId xmlns:a16="http://schemas.microsoft.com/office/drawing/2014/main" id="{79530DB0-3AEF-4A6E-9CC2-5F4DFC05C78F}"/>
+              </a:ext>
+            </a:extLst>
+          </p:cNvPr>
+          <p:cNvSpPr txBox="1"/>
+          <p:nvPr/>
+        </p:nvSpPr>
+        <p:spPr>
+          <a:xfrm>
+            <a:off x="9670327" y="249423"/>
+            <a:ext cx="2319866" cy="253916"/>
+          </a:xfrm>
+          <a:prstGeom prst="rect">
+            <a:avLst/>
+          </a:prstGeom>
+          <a:noFill/>
+        </p:spPr>
+        <p:txBody>
+          <a:bodyPr wrap="none" rtlCol="0" anchor="ctr">
+            <a:spAutoFit/>
+          </a:bodyPr>
+          <a:lstStyle/>
+          <a:p>
+            <a:r>
+              <a:rPr lang="de-DE" sz="1050" dirty="0" err="1"/>
+              <a:t>Prefix</a:t>
+            </a:r>
+            <a:r>
+              <a:rPr lang="de-DE" sz="1050" dirty="0"/>
+              <a:t>:  </a:t>
+            </a:r>
+            <a:r>
+              <a:rPr lang="de-DE" sz="1050" dirty="0" err="1">
+                <a:solidFill>
+                  <a:srgbClr val="FF0000"/>
+                </a:solidFill>
+              </a:rPr>
+              <a:t>vt</a:t>
+            </a:r>
+            <a:r>
+              <a:rPr lang="de-DE" sz="1050" dirty="0">
+                <a:solidFill>
+                  <a:srgbClr val="FF0000"/>
+                </a:solidFill>
+              </a:rPr>
+              <a:t>_  </a:t>
+            </a:r>
+            <a:r>
+              <a:rPr lang="de-DE" sz="1050" dirty="0"/>
+              <a:t>(Validation and </a:t>
+            </a:r>
+            <a:r>
+              <a:rPr lang="de-DE" sz="1050" dirty="0" err="1"/>
+              <a:t>Testing</a:t>
+            </a:r>
+            <a:r>
+              <a:rPr lang="de-DE" sz="1050" dirty="0"/>
+              <a:t>)</a:t>
+            </a:r>
+            <a:endParaRPr lang="en-US" sz="1050" dirty="0"/>
+          </a:p>
+        </p:txBody>
+      </p:sp>
+      <p:sp>
+        <p:nvSpPr>
+          <p:cNvPr id="27" name="Rechteck 114">
+            <a:extLst>
+              <a:ext uri="{FF2B5EF4-FFF2-40B4-BE49-F238E27FC236}">
+                <a16:creationId xmlns:a16="http://schemas.microsoft.com/office/drawing/2014/main" id="{7A995A3F-5002-4620-9976-8D06A993D4A5}"/>
+              </a:ext>
+            </a:extLst>
+          </p:cNvPr>
+          <p:cNvSpPr/>
+          <p:nvPr/>
+        </p:nvSpPr>
+        <p:spPr>
+          <a:xfrm>
+            <a:off x="428912" y="1543087"/>
+            <a:ext cx="1019664" cy="433738"/>
+          </a:xfrm>
+          <a:prstGeom prst="rect">
+            <a:avLst/>
+          </a:prstGeom>
+          <a:solidFill>
+            <a:schemeClr val="bg1"/>
+          </a:solidFill>
+          <a:ln>
+            <a:solidFill>
+              <a:schemeClr val="bg2">
+                <a:lumMod val="50000"/>
+              </a:schemeClr>
+            </a:solidFill>
+          </a:ln>
+        </p:spPr>
+        <p:style>
+          <a:lnRef idx="2">
+            <a:schemeClr val="accent1">
+              <a:shade val="50000"/>
+            </a:schemeClr>
+          </a:lnRef>
+          <a:fillRef idx="1">
+            <a:schemeClr val="accent1"/>
+          </a:fillRef>
+          <a:effectRef idx="0">
+            <a:schemeClr val="accent1"/>
+          </a:effectRef>
+          <a:fontRef idx="minor">
+            <a:schemeClr val="lt1"/>
+          </a:fontRef>
+        </p:style>
+        <p:txBody>
+          <a:bodyPr rtlCol="0" anchor="ctr"/>
+          <a:lstStyle/>
+          <a:p>
+            <a:pPr algn="ctr"/>
+            <a:r>
+              <a:rPr lang="en-US" sz="600" dirty="0">
+                <a:solidFill>
+                  <a:schemeClr val="bg2">
+                    <a:lumMod val="50000"/>
+                  </a:schemeClr>
+                </a:solidFill>
+              </a:rPr>
+              <a:t>&lt;&lt;ItemType&gt;&gt;</a:t>
+            </a:r>
+          </a:p>
+          <a:p>
+            <a:pPr algn="ctr"/>
+            <a:r>
+              <a:rPr lang="en-US" sz="600" dirty="0" err="1">
+                <a:solidFill>
+                  <a:schemeClr val="bg2">
+                    <a:lumMod val="50000"/>
+                  </a:schemeClr>
+                </a:solidFill>
+              </a:rPr>
+              <a:t>vt_TestPlanTemplate</a:t>
+            </a:r>
+            <a:endParaRPr lang="en-US" sz="600" dirty="0">
+              <a:solidFill>
+                <a:schemeClr val="bg2">
+                  <a:lumMod val="50000"/>
+                </a:schemeClr>
+              </a:solidFill>
+            </a:endParaRPr>
+          </a:p>
+        </p:txBody>
+      </p:sp>
+      <p:sp>
+        <p:nvSpPr>
+          <p:cNvPr id="28" name="Rechteck 114">
+            <a:extLst>
+              <a:ext uri="{FF2B5EF4-FFF2-40B4-BE49-F238E27FC236}">
+                <a16:creationId xmlns:a16="http://schemas.microsoft.com/office/drawing/2014/main" id="{8C926F92-1F35-4482-83A9-69DC634BC976}"/>
+              </a:ext>
+            </a:extLst>
+          </p:cNvPr>
+          <p:cNvSpPr/>
+          <p:nvPr/>
+        </p:nvSpPr>
+        <p:spPr>
+          <a:xfrm>
+            <a:off x="8388574" y="3623283"/>
+            <a:ext cx="1019664" cy="433738"/>
+          </a:xfrm>
+          <a:prstGeom prst="rect">
+            <a:avLst/>
+          </a:prstGeom>
+          <a:solidFill>
+            <a:schemeClr val="bg1"/>
+          </a:solidFill>
+          <a:ln>
+            <a:solidFill>
+              <a:schemeClr val="bg2">
+                <a:lumMod val="50000"/>
+              </a:schemeClr>
+            </a:solidFill>
+          </a:ln>
+        </p:spPr>
+        <p:style>
+          <a:lnRef idx="2">
+            <a:schemeClr val="accent1">
+              <a:shade val="50000"/>
+            </a:schemeClr>
+          </a:lnRef>
+          <a:fillRef idx="1">
+            <a:schemeClr val="accent1"/>
+          </a:fillRef>
+          <a:effectRef idx="0">
+            <a:schemeClr val="accent1"/>
+          </a:effectRef>
+          <a:fontRef idx="minor">
+            <a:schemeClr val="lt1"/>
+          </a:fontRef>
+        </p:style>
+        <p:txBody>
+          <a:bodyPr rtlCol="0" anchor="ctr"/>
+          <a:lstStyle/>
+          <a:p>
+            <a:pPr algn="ctr"/>
+            <a:r>
+              <a:rPr lang="en-US" sz="600" dirty="0">
+                <a:solidFill>
+                  <a:schemeClr val="bg2">
+                    <a:lumMod val="50000"/>
+                  </a:schemeClr>
+                </a:solidFill>
+              </a:rPr>
+              <a:t>&lt;&lt;ItemType&gt;&gt;</a:t>
+            </a:r>
+          </a:p>
+          <a:p>
+            <a:pPr algn="ctr"/>
+            <a:r>
+              <a:rPr lang="en-US" sz="600" dirty="0" err="1">
+                <a:solidFill>
+                  <a:schemeClr val="bg2">
+                    <a:lumMod val="50000"/>
+                  </a:schemeClr>
+                </a:solidFill>
+              </a:rPr>
+              <a:t>vt_TestRun</a:t>
+            </a:r>
+            <a:endParaRPr lang="en-US" sz="600" dirty="0">
+              <a:solidFill>
+                <a:schemeClr val="bg2">
+                  <a:lumMod val="50000"/>
+                </a:schemeClr>
+              </a:solidFill>
+            </a:endParaRPr>
+          </a:p>
+        </p:txBody>
+      </p:sp>
+      <p:sp>
+        <p:nvSpPr>
+          <p:cNvPr id="47" name="Rechteck: abgerundete Ecken 98">
+            <a:extLst>
+              <a:ext uri="{FF2B5EF4-FFF2-40B4-BE49-F238E27FC236}">
+                <a16:creationId xmlns:a16="http://schemas.microsoft.com/office/drawing/2014/main" id="{A9071C28-769C-43CC-B7CD-20C26F8E052A}"/>
+              </a:ext>
+            </a:extLst>
+          </p:cNvPr>
+          <p:cNvSpPr/>
+          <p:nvPr/>
+        </p:nvSpPr>
+        <p:spPr>
+          <a:xfrm>
+            <a:off x="9068312" y="5304562"/>
+            <a:ext cx="1284678" cy="383600"/>
+          </a:xfrm>
+          <a:prstGeom prst="roundRect">
+            <a:avLst>
+              <a:gd name="adj" fmla="val 41879"/>
+            </a:avLst>
+          </a:prstGeom>
+          <a:solidFill>
+            <a:schemeClr val="bg1"/>
+          </a:solidFill>
+          <a:ln>
+            <a:solidFill>
+              <a:schemeClr val="bg2">
+                <a:lumMod val="50000"/>
+              </a:schemeClr>
+            </a:solidFill>
+          </a:ln>
+        </p:spPr>
+        <p:style>
+          <a:lnRef idx="2">
+            <a:schemeClr val="accent1">
+              <a:shade val="50000"/>
+            </a:schemeClr>
+          </a:lnRef>
+          <a:fillRef idx="1">
+            <a:schemeClr val="accent1"/>
+          </a:fillRef>
+          <a:effectRef idx="0">
+            <a:schemeClr val="accent1"/>
+          </a:effectRef>
+          <a:fontRef idx="minor">
+            <a:schemeClr val="lt1"/>
+          </a:fontRef>
+        </p:style>
+        <p:txBody>
+          <a:bodyPr rtlCol="0" anchor="ctr"/>
+          <a:lstStyle/>
+          <a:p>
+            <a:pPr algn="ctr"/>
+            <a:r>
+              <a:rPr lang="en-US" sz="600" dirty="0">
+                <a:solidFill>
+                  <a:schemeClr val="bg2">
+                    <a:lumMod val="50000"/>
+                  </a:schemeClr>
+                </a:solidFill>
+              </a:rPr>
+              <a:t>&lt;&lt;</a:t>
+            </a:r>
+            <a:r>
+              <a:rPr lang="en-US" sz="600" dirty="0" err="1">
+                <a:solidFill>
+                  <a:schemeClr val="bg2">
+                    <a:lumMod val="50000"/>
+                  </a:schemeClr>
+                </a:solidFill>
+              </a:rPr>
+              <a:t>RelationshipType</a:t>
+            </a:r>
+            <a:r>
+              <a:rPr lang="en-US" sz="600" dirty="0">
+                <a:solidFill>
+                  <a:schemeClr val="bg2">
+                    <a:lumMod val="50000"/>
+                  </a:schemeClr>
+                </a:solidFill>
+              </a:rPr>
+              <a:t>&gt;&gt;</a:t>
+            </a:r>
+          </a:p>
+          <a:p>
+            <a:pPr algn="ctr"/>
+            <a:r>
+              <a:rPr lang="en-US" sz="600" dirty="0" err="1">
+                <a:solidFill>
+                  <a:schemeClr val="bg2">
+                    <a:lumMod val="50000"/>
+                  </a:schemeClr>
+                </a:solidFill>
+              </a:rPr>
+              <a:t>vt_TestRun_Result</a:t>
+            </a:r>
+            <a:r>
+              <a:rPr lang="en-US" sz="600" dirty="0">
+                <a:solidFill>
+                  <a:schemeClr val="bg2">
+                    <a:lumMod val="50000"/>
+                  </a:schemeClr>
+                </a:solidFill>
+              </a:rPr>
+              <a:t> File</a:t>
+            </a:r>
+          </a:p>
+        </p:txBody>
+      </p:sp>
+      <p:sp>
+        <p:nvSpPr>
+          <p:cNvPr id="70" name="Rechteck: abgerundete Ecken 98">
+            <a:extLst>
+              <a:ext uri="{FF2B5EF4-FFF2-40B4-BE49-F238E27FC236}">
+                <a16:creationId xmlns:a16="http://schemas.microsoft.com/office/drawing/2014/main" id="{9FF98812-0875-45C7-B420-8FE6D471B670}"/>
+              </a:ext>
+            </a:extLst>
+          </p:cNvPr>
+          <p:cNvSpPr/>
+          <p:nvPr/>
+        </p:nvSpPr>
+        <p:spPr>
+          <a:xfrm>
+            <a:off x="7488193" y="2196051"/>
+            <a:ext cx="1284678" cy="383600"/>
+          </a:xfrm>
+          <a:prstGeom prst="roundRect">
+            <a:avLst>
+              <a:gd name="adj" fmla="val 41879"/>
+            </a:avLst>
+          </a:prstGeom>
+          <a:solidFill>
+            <a:schemeClr val="bg1"/>
+          </a:solidFill>
+          <a:ln>
+            <a:solidFill>
+              <a:schemeClr val="bg2">
+                <a:lumMod val="50000"/>
+              </a:schemeClr>
+            </a:solidFill>
+          </a:ln>
+        </p:spPr>
+        <p:style>
+          <a:lnRef idx="2">
+            <a:schemeClr val="accent1">
+              <a:shade val="50000"/>
+            </a:schemeClr>
+          </a:lnRef>
+          <a:fillRef idx="1">
+            <a:schemeClr val="accent1"/>
+          </a:fillRef>
+          <a:effectRef idx="0">
+            <a:schemeClr val="accent1"/>
+          </a:effectRef>
+          <a:fontRef idx="minor">
+            <a:schemeClr val="lt1"/>
+          </a:fontRef>
+        </p:style>
+        <p:txBody>
+          <a:bodyPr rtlCol="0" anchor="ctr"/>
+          <a:lstStyle/>
+          <a:p>
+            <a:pPr algn="ctr"/>
+            <a:r>
+              <a:rPr lang="en-US" sz="600" dirty="0">
+                <a:solidFill>
+                  <a:schemeClr val="bg2">
+                    <a:lumMod val="50000"/>
+                  </a:schemeClr>
+                </a:solidFill>
+              </a:rPr>
+              <a:t>&lt;&lt;</a:t>
+            </a:r>
+            <a:r>
+              <a:rPr lang="en-US" sz="600" dirty="0" err="1">
+                <a:solidFill>
+                  <a:schemeClr val="bg2">
+                    <a:lumMod val="50000"/>
+                  </a:schemeClr>
+                </a:solidFill>
+              </a:rPr>
+              <a:t>RelationshipType</a:t>
+            </a:r>
+            <a:r>
+              <a:rPr lang="en-US" sz="600" dirty="0">
+                <a:solidFill>
+                  <a:schemeClr val="bg2">
+                    <a:lumMod val="50000"/>
+                  </a:schemeClr>
+                </a:solidFill>
+              </a:rPr>
+              <a:t>&gt;&gt;</a:t>
+            </a:r>
+          </a:p>
+          <a:p>
+            <a:pPr algn="ctr"/>
+            <a:r>
+              <a:rPr lang="en-US" sz="600" dirty="0" err="1">
+                <a:solidFill>
+                  <a:schemeClr val="bg2">
+                    <a:lumMod val="50000"/>
+                  </a:schemeClr>
+                </a:solidFill>
+              </a:rPr>
+              <a:t>vt_TestPlan_Run</a:t>
+            </a:r>
+            <a:endParaRPr lang="en-US" sz="600" dirty="0">
+              <a:solidFill>
+                <a:schemeClr val="bg2">
+                  <a:lumMod val="50000"/>
+                </a:schemeClr>
+              </a:solidFill>
+            </a:endParaRPr>
+          </a:p>
+        </p:txBody>
+      </p:sp>
+      <p:cxnSp>
+        <p:nvCxnSpPr>
+          <p:cNvPr id="75" name="Verbinder: gewinkelt 21">
+            <a:extLst>
+              <a:ext uri="{FF2B5EF4-FFF2-40B4-BE49-F238E27FC236}">
+                <a16:creationId xmlns:a16="http://schemas.microsoft.com/office/drawing/2014/main" id="{E4D3011C-0BEB-4323-BFF6-C071176F5996}"/>
+              </a:ext>
+            </a:extLst>
+          </p:cNvPr>
+          <p:cNvCxnSpPr>
+            <a:cxnSpLocks/>
+            <a:stCxn id="70" idx="3"/>
+            <a:endCxn id="62" idx="0"/>
+          </p:cNvCxnSpPr>
+          <p:nvPr/>
+        </p:nvCxnSpPr>
+        <p:spPr>
+          <a:xfrm>
+            <a:off x="8772871" y="2387851"/>
+            <a:ext cx="1054107" cy="325996"/>
+          </a:xfrm>
+          <a:prstGeom prst="bentConnector2">
             <a:avLst/>
           </a:prstGeom>
           <a:ln>
             <a:solidFill>
-              <a:schemeClr val="bg1">
-                <a:lumMod val="75000"/>
+              <a:schemeClr val="bg2">
+                <a:lumMod val="50000"/>
               </a:schemeClr>
             </a:solidFill>
+            <a:prstDash val="solid"/>
+            <a:tailEnd type="triangle"/>
           </a:ln>
-          <a:effectLst>
-            <a:outerShdw blurRad="50800" dist="38100" dir="2700000" algn="tl" rotWithShape="0">
-              <a:prstClr val="black">
-                <a:alpha val="40000"/>
-              </a:prstClr>
-            </a:outerShdw>
-          </a:effectLst>
         </p:spPr>
-      </p:pic>
-      <p:pic>
-        <p:nvPicPr>
-          <p:cNvPr id="7" name="Picture 6">
-            <a:extLst>
-              <a:ext uri="{FF2B5EF4-FFF2-40B4-BE49-F238E27FC236}">
-                <a16:creationId xmlns:a16="http://schemas.microsoft.com/office/drawing/2014/main" id="{B6305C15-5794-4738-ABEB-E3ED39CA091D}"/>
-              </a:ext>
-            </a:extLst>
-          </p:cNvPr>
-          <p:cNvPicPr>
-            <a:picLocks noChangeAspect="1"/>
-          </p:cNvPicPr>
+        <p:style>
+          <a:lnRef idx="1">
+            <a:schemeClr val="accent1"/>
+          </a:lnRef>
+          <a:fillRef idx="0">
+            <a:schemeClr val="accent1"/>
+          </a:fillRef>
+          <a:effectRef idx="0">
+            <a:schemeClr val="accent1"/>
+          </a:effectRef>
+          <a:fontRef idx="minor">
+            <a:schemeClr val="tx1"/>
+          </a:fontRef>
+        </p:style>
+      </p:cxnSp>
+      <p:cxnSp>
+        <p:nvCxnSpPr>
+          <p:cNvPr id="78" name="Verbinder: gewinkelt 21">
+            <a:extLst>
+              <a:ext uri="{FF2B5EF4-FFF2-40B4-BE49-F238E27FC236}">
+                <a16:creationId xmlns:a16="http://schemas.microsoft.com/office/drawing/2014/main" id="{39495086-0CC7-446A-BECF-9BCEA8846B3B}"/>
+              </a:ext>
+            </a:extLst>
+          </p:cNvPr>
+          <p:cNvCxnSpPr>
+            <a:cxnSpLocks/>
+            <a:stCxn id="28" idx="2"/>
+            <a:endCxn id="47" idx="1"/>
+          </p:cNvCxnSpPr>
           <p:nvPr/>
-        </p:nvPicPr>
-        <p:blipFill>
-          <a:blip r:embed="rId3"/>
-          <a:stretch>
-            <a:fillRect/>
-          </a:stretch>
-        </p:blipFill>
+        </p:nvCxnSpPr>
         <p:spPr>
-          <a:xfrm>
-            <a:off x="2491275" y="2108717"/>
-            <a:ext cx="8606523" cy="4014371"/>
-          </a:xfrm>
-          <a:prstGeom prst="rect">
+          <a:xfrm rot="16200000" flipH="1">
+            <a:off x="8263689" y="4691738"/>
+            <a:ext cx="1439341" cy="169906"/>
+          </a:xfrm>
+          <a:prstGeom prst="bentConnector2">
             <a:avLst/>
           </a:prstGeom>
           <a:ln>
             <a:solidFill>
+              <a:schemeClr val="bg2">
+                <a:lumMod val="50000"/>
+              </a:schemeClr>
+            </a:solidFill>
+            <a:prstDash val="solid"/>
+            <a:tailEnd type="triangle"/>
+          </a:ln>
+        </p:spPr>
+        <p:style>
+          <a:lnRef idx="1">
+            <a:schemeClr val="accent1"/>
+          </a:lnRef>
+          <a:fillRef idx="0">
+            <a:schemeClr val="accent1"/>
+          </a:fillRef>
+          <a:effectRef idx="0">
+            <a:schemeClr val="accent1"/>
+          </a:effectRef>
+          <a:fontRef idx="minor">
+            <a:schemeClr val="tx1"/>
+          </a:fontRef>
+        </p:style>
+      </p:cxnSp>
+      <p:cxnSp>
+        <p:nvCxnSpPr>
+          <p:cNvPr id="81" name="Verbinder: gewinkelt 21">
+            <a:extLst>
+              <a:ext uri="{FF2B5EF4-FFF2-40B4-BE49-F238E27FC236}">
+                <a16:creationId xmlns:a16="http://schemas.microsoft.com/office/drawing/2014/main" id="{91E418D7-3BFF-47F3-9BA7-BE1DD0DA9108}"/>
+              </a:ext>
+            </a:extLst>
+          </p:cNvPr>
+          <p:cNvCxnSpPr>
+            <a:cxnSpLocks/>
+            <a:stCxn id="24" idx="2"/>
+            <a:endCxn id="70" idx="0"/>
+          </p:cNvCxnSpPr>
+          <p:nvPr/>
+        </p:nvCxnSpPr>
+        <p:spPr>
+          <a:xfrm rot="16200000" flipH="1">
+            <a:off x="7787708" y="1853226"/>
+            <a:ext cx="219227" cy="466422"/>
+          </a:xfrm>
+          <a:prstGeom prst="bentConnector3">
+            <a:avLst>
+              <a:gd name="adj1" fmla="val 50000"/>
+            </a:avLst>
+          </a:prstGeom>
+          <a:ln>
+            <a:solidFill>
+              <a:schemeClr val="bg2">
+                <a:lumMod val="50000"/>
+              </a:schemeClr>
+            </a:solidFill>
+            <a:prstDash val="solid"/>
+            <a:tailEnd type="triangle"/>
+          </a:ln>
+        </p:spPr>
+        <p:style>
+          <a:lnRef idx="1">
+            <a:schemeClr val="accent1"/>
+          </a:lnRef>
+          <a:fillRef idx="0">
+            <a:schemeClr val="accent1"/>
+          </a:fillRef>
+          <a:effectRef idx="0">
+            <a:schemeClr val="accent1"/>
+          </a:effectRef>
+          <a:fontRef idx="minor">
+            <a:schemeClr val="tx1"/>
+          </a:fontRef>
+        </p:style>
+      </p:cxnSp>
+      <p:sp>
+        <p:nvSpPr>
+          <p:cNvPr id="89" name="Rechteck: abgerundete Ecken 98">
+            <a:extLst>
+              <a:ext uri="{FF2B5EF4-FFF2-40B4-BE49-F238E27FC236}">
+                <a16:creationId xmlns:a16="http://schemas.microsoft.com/office/drawing/2014/main" id="{60F38525-8056-4871-8098-41B529A94C85}"/>
+              </a:ext>
+            </a:extLst>
+          </p:cNvPr>
+          <p:cNvSpPr/>
+          <p:nvPr/>
+        </p:nvSpPr>
+        <p:spPr>
+          <a:xfrm>
+            <a:off x="9091413" y="4199669"/>
+            <a:ext cx="1284678" cy="383600"/>
+          </a:xfrm>
+          <a:prstGeom prst="roundRect">
+            <a:avLst>
+              <a:gd name="adj" fmla="val 41879"/>
+            </a:avLst>
+          </a:prstGeom>
+          <a:solidFill>
+            <a:schemeClr val="bg1"/>
+          </a:solidFill>
+          <a:ln>
+            <a:solidFill>
+              <a:schemeClr val="bg2">
+                <a:lumMod val="50000"/>
+              </a:schemeClr>
+            </a:solidFill>
+          </a:ln>
+        </p:spPr>
+        <p:style>
+          <a:lnRef idx="2">
+            <a:schemeClr val="accent1">
+              <a:shade val="50000"/>
+            </a:schemeClr>
+          </a:lnRef>
+          <a:fillRef idx="1">
+            <a:schemeClr val="accent1"/>
+          </a:fillRef>
+          <a:effectRef idx="0">
+            <a:schemeClr val="accent1"/>
+          </a:effectRef>
+          <a:fontRef idx="minor">
+            <a:schemeClr val="lt1"/>
+          </a:fontRef>
+        </p:style>
+        <p:txBody>
+          <a:bodyPr rtlCol="0" anchor="ctr"/>
+          <a:lstStyle/>
+          <a:p>
+            <a:pPr algn="ctr"/>
+            <a:r>
+              <a:rPr lang="en-US" sz="600" dirty="0">
+                <a:solidFill>
+                  <a:schemeClr val="bg2">
+                    <a:lumMod val="50000"/>
+                  </a:schemeClr>
+                </a:solidFill>
+              </a:rPr>
+              <a:t>&lt;&lt;</a:t>
+            </a:r>
+            <a:r>
+              <a:rPr lang="en-US" sz="600" dirty="0" err="1">
+                <a:solidFill>
+                  <a:schemeClr val="bg2">
+                    <a:lumMod val="50000"/>
+                  </a:schemeClr>
+                </a:solidFill>
+              </a:rPr>
+              <a:t>RelationshipType</a:t>
+            </a:r>
+            <a:r>
+              <a:rPr lang="en-US" sz="600" dirty="0">
+                <a:solidFill>
+                  <a:schemeClr val="bg2">
+                    <a:lumMod val="50000"/>
+                  </a:schemeClr>
+                </a:solidFill>
+              </a:rPr>
+              <a:t>&gt;&gt;</a:t>
+            </a:r>
+          </a:p>
+          <a:p>
+            <a:pPr algn="ctr"/>
+            <a:r>
+              <a:rPr lang="en-US" sz="600" dirty="0" err="1">
+                <a:solidFill>
+                  <a:schemeClr val="bg2">
+                    <a:lumMod val="50000"/>
+                  </a:schemeClr>
+                </a:solidFill>
+              </a:rPr>
+              <a:t>vt_TestRun_ReqToValidate</a:t>
+            </a:r>
+            <a:endParaRPr lang="en-US" sz="600" dirty="0">
+              <a:solidFill>
+                <a:schemeClr val="bg2">
+                  <a:lumMod val="50000"/>
+                </a:schemeClr>
+              </a:solidFill>
+            </a:endParaRPr>
+          </a:p>
+        </p:txBody>
+      </p:sp>
+      <p:cxnSp>
+        <p:nvCxnSpPr>
+          <p:cNvPr id="91" name="Verbinder: gewinkelt 21">
+            <a:extLst>
+              <a:ext uri="{FF2B5EF4-FFF2-40B4-BE49-F238E27FC236}">
+                <a16:creationId xmlns:a16="http://schemas.microsoft.com/office/drawing/2014/main" id="{5E6B69F5-A32B-4391-A2D0-6789AE792AFD}"/>
+              </a:ext>
+            </a:extLst>
+          </p:cNvPr>
+          <p:cNvCxnSpPr>
+            <a:cxnSpLocks/>
+            <a:stCxn id="28" idx="2"/>
+            <a:endCxn id="89" idx="1"/>
+          </p:cNvCxnSpPr>
+          <p:nvPr/>
+        </p:nvCxnSpPr>
+        <p:spPr>
+          <a:xfrm rot="16200000" flipH="1">
+            <a:off x="8827685" y="4127741"/>
+            <a:ext cx="334448" cy="193007"/>
+          </a:xfrm>
+          <a:prstGeom prst="bentConnector2">
+            <a:avLst/>
+          </a:prstGeom>
+          <a:ln>
+            <a:solidFill>
+              <a:schemeClr val="bg2">
+                <a:lumMod val="50000"/>
+              </a:schemeClr>
+            </a:solidFill>
+            <a:prstDash val="solid"/>
+            <a:tailEnd type="triangle"/>
+          </a:ln>
+        </p:spPr>
+        <p:style>
+          <a:lnRef idx="1">
+            <a:schemeClr val="accent1"/>
+          </a:lnRef>
+          <a:fillRef idx="0">
+            <a:schemeClr val="accent1"/>
+          </a:fillRef>
+          <a:effectRef idx="0">
+            <a:schemeClr val="accent1"/>
+          </a:effectRef>
+          <a:fontRef idx="minor">
+            <a:schemeClr val="tx1"/>
+          </a:fontRef>
+        </p:style>
+      </p:cxnSp>
+      <p:sp>
+        <p:nvSpPr>
+          <p:cNvPr id="97" name="TextBox 96">
+            <a:extLst>
+              <a:ext uri="{FF2B5EF4-FFF2-40B4-BE49-F238E27FC236}">
+                <a16:creationId xmlns:a16="http://schemas.microsoft.com/office/drawing/2014/main" id="{5FD8AAC7-1F56-4C72-9516-8A3F630A78BD}"/>
+              </a:ext>
+            </a:extLst>
+          </p:cNvPr>
+          <p:cNvSpPr txBox="1"/>
+          <p:nvPr/>
+        </p:nvSpPr>
+        <p:spPr>
+          <a:xfrm>
+            <a:off x="7431952" y="3627823"/>
+            <a:ext cx="1021433" cy="461665"/>
+          </a:xfrm>
+          <a:prstGeom prst="rect">
+            <a:avLst/>
+          </a:prstGeom>
+          <a:noFill/>
+        </p:spPr>
+        <p:txBody>
+          <a:bodyPr wrap="none" rtlCol="0" anchor="ctr">
+            <a:spAutoFit/>
+          </a:bodyPr>
+          <a:lstStyle/>
+          <a:p>
+            <a:r>
+              <a:rPr lang="de-DE" sz="800" dirty="0">
+                <a:solidFill>
+                  <a:schemeClr val="tx1">
+                    <a:lumMod val="50000"/>
+                  </a:schemeClr>
+                </a:solidFill>
+              </a:rPr>
+              <a:t>Test Run </a:t>
+            </a:r>
+            <a:r>
+              <a:rPr lang="de-DE" sz="800" dirty="0" err="1">
+                <a:solidFill>
+                  <a:schemeClr val="tx1">
+                    <a:lumMod val="50000"/>
+                  </a:schemeClr>
+                </a:solidFill>
+              </a:rPr>
+              <a:t>Types</a:t>
+            </a:r>
+            <a:r>
+              <a:rPr lang="de-DE" sz="800" dirty="0">
+                <a:solidFill>
+                  <a:schemeClr val="tx1">
+                    <a:lumMod val="50000"/>
+                  </a:schemeClr>
+                </a:solidFill>
+              </a:rPr>
+              <a:t>:</a:t>
+            </a:r>
+          </a:p>
+          <a:p>
+            <a:r>
+              <a:rPr lang="de-DE" sz="800" dirty="0">
+                <a:solidFill>
+                  <a:schemeClr val="tx1">
+                    <a:lumMod val="50000"/>
+                  </a:schemeClr>
+                </a:solidFill>
+              </a:rPr>
+              <a:t>-Design Validation</a:t>
+            </a:r>
+          </a:p>
+          <a:p>
+            <a:r>
+              <a:rPr lang="de-DE" sz="800" dirty="0">
+                <a:solidFill>
+                  <a:schemeClr val="tx1">
+                    <a:lumMod val="50000"/>
+                  </a:schemeClr>
+                </a:solidFill>
+              </a:rPr>
+              <a:t>-</a:t>
+            </a:r>
+            <a:r>
+              <a:rPr lang="de-DE" sz="800" dirty="0" err="1">
+                <a:solidFill>
+                  <a:schemeClr val="tx1">
+                    <a:lumMod val="50000"/>
+                  </a:schemeClr>
+                </a:solidFill>
+              </a:rPr>
+              <a:t>Physical</a:t>
+            </a:r>
+            <a:r>
+              <a:rPr lang="de-DE" sz="800" dirty="0">
+                <a:solidFill>
+                  <a:schemeClr val="tx1">
+                    <a:lumMod val="50000"/>
+                  </a:schemeClr>
+                </a:solidFill>
+              </a:rPr>
+              <a:t> </a:t>
+            </a:r>
+            <a:r>
+              <a:rPr lang="de-DE" sz="800" dirty="0" err="1">
+                <a:solidFill>
+                  <a:schemeClr val="tx1">
+                    <a:lumMod val="50000"/>
+                  </a:schemeClr>
+                </a:solidFill>
+              </a:rPr>
+              <a:t>Testing</a:t>
+            </a:r>
+            <a:endParaRPr lang="en-US" sz="800" dirty="0">
+              <a:solidFill>
+                <a:schemeClr val="tx1">
+                  <a:lumMod val="50000"/>
+                </a:schemeClr>
+              </a:solidFill>
+            </a:endParaRPr>
+          </a:p>
+        </p:txBody>
+      </p:sp>
+      <p:sp>
+        <p:nvSpPr>
+          <p:cNvPr id="119" name="Rectangle: Folded Corner 118">
+            <a:extLst>
+              <a:ext uri="{FF2B5EF4-FFF2-40B4-BE49-F238E27FC236}">
+                <a16:creationId xmlns:a16="http://schemas.microsoft.com/office/drawing/2014/main" id="{36D97143-E5F4-4DE4-BED5-F01C900DC27B}"/>
+              </a:ext>
+            </a:extLst>
+          </p:cNvPr>
+          <p:cNvSpPr/>
+          <p:nvPr/>
+        </p:nvSpPr>
+        <p:spPr>
+          <a:xfrm>
+            <a:off x="10270030" y="5524062"/>
+            <a:ext cx="526173" cy="341459"/>
+          </a:xfrm>
+          <a:prstGeom prst="foldedCorner">
+            <a:avLst/>
+          </a:prstGeom>
+          <a:solidFill>
+            <a:schemeClr val="bg1"/>
+          </a:solidFill>
+          <a:ln>
+            <a:solidFill>
+              <a:schemeClr val="bg2">
+                <a:lumMod val="50000"/>
+              </a:schemeClr>
+            </a:solidFill>
+          </a:ln>
+        </p:spPr>
+        <p:style>
+          <a:lnRef idx="2">
+            <a:schemeClr val="accent1">
+              <a:shade val="50000"/>
+            </a:schemeClr>
+          </a:lnRef>
+          <a:fillRef idx="1">
+            <a:schemeClr val="accent1"/>
+          </a:fillRef>
+          <a:effectRef idx="0">
+            <a:schemeClr val="accent1"/>
+          </a:effectRef>
+          <a:fontRef idx="minor">
+            <a:schemeClr val="lt1"/>
+          </a:fontRef>
+        </p:style>
+        <p:txBody>
+          <a:bodyPr rtlCol="0" anchor="ctr"/>
+          <a:lstStyle/>
+          <a:p>
+            <a:pPr algn="ctr"/>
+            <a:r>
+              <a:rPr lang="de-DE" sz="600" dirty="0">
+                <a:solidFill>
+                  <a:schemeClr val="bg2">
+                    <a:lumMod val="50000"/>
+                  </a:schemeClr>
+                </a:solidFill>
+              </a:rPr>
+              <a:t>&lt;&lt;File&gt;&gt;</a:t>
+            </a:r>
+            <a:endParaRPr lang="en-US" sz="600" dirty="0">
+              <a:solidFill>
+                <a:schemeClr val="bg2">
+                  <a:lumMod val="50000"/>
+                </a:schemeClr>
+              </a:solidFill>
+            </a:endParaRPr>
+          </a:p>
+        </p:txBody>
+      </p:sp>
+      <p:sp>
+        <p:nvSpPr>
+          <p:cNvPr id="122" name="Rechteck: abgerundete Ecken 98">
+            <a:extLst>
+              <a:ext uri="{FF2B5EF4-FFF2-40B4-BE49-F238E27FC236}">
+                <a16:creationId xmlns:a16="http://schemas.microsoft.com/office/drawing/2014/main" id="{5094D249-2451-4CFD-94A4-0E5149D010DB}"/>
+              </a:ext>
+            </a:extLst>
+          </p:cNvPr>
+          <p:cNvSpPr/>
+          <p:nvPr/>
+        </p:nvSpPr>
+        <p:spPr>
+          <a:xfrm>
+            <a:off x="1073660" y="2050018"/>
+            <a:ext cx="1376477" cy="383600"/>
+          </a:xfrm>
+          <a:prstGeom prst="roundRect">
+            <a:avLst>
+              <a:gd name="adj" fmla="val 41879"/>
+            </a:avLst>
+          </a:prstGeom>
+          <a:solidFill>
+            <a:schemeClr val="bg1"/>
+          </a:solidFill>
+          <a:ln>
+            <a:solidFill>
+              <a:schemeClr val="bg2">
+                <a:lumMod val="50000"/>
+              </a:schemeClr>
+            </a:solidFill>
+          </a:ln>
+        </p:spPr>
+        <p:style>
+          <a:lnRef idx="2">
+            <a:schemeClr val="accent1">
+              <a:shade val="50000"/>
+            </a:schemeClr>
+          </a:lnRef>
+          <a:fillRef idx="1">
+            <a:schemeClr val="accent1"/>
+          </a:fillRef>
+          <a:effectRef idx="0">
+            <a:schemeClr val="accent1"/>
+          </a:effectRef>
+          <a:fontRef idx="minor">
+            <a:schemeClr val="lt1"/>
+          </a:fontRef>
+        </p:style>
+        <p:txBody>
+          <a:bodyPr rtlCol="0" anchor="ctr"/>
+          <a:lstStyle/>
+          <a:p>
+            <a:pPr algn="ctr"/>
+            <a:r>
+              <a:rPr lang="en-US" sz="600" dirty="0">
+                <a:solidFill>
+                  <a:schemeClr val="bg2">
+                    <a:lumMod val="50000"/>
+                  </a:schemeClr>
+                </a:solidFill>
+              </a:rPr>
+              <a:t>&lt;&lt;</a:t>
+            </a:r>
+            <a:r>
+              <a:rPr lang="en-US" sz="600" dirty="0" err="1">
+                <a:solidFill>
+                  <a:schemeClr val="bg2">
+                    <a:lumMod val="50000"/>
+                  </a:schemeClr>
+                </a:solidFill>
+              </a:rPr>
+              <a:t>RelationshipType</a:t>
+            </a:r>
+            <a:r>
+              <a:rPr lang="en-US" sz="600" dirty="0">
+                <a:solidFill>
+                  <a:schemeClr val="bg2">
+                    <a:lumMod val="50000"/>
+                  </a:schemeClr>
+                </a:solidFill>
+              </a:rPr>
+              <a:t>&gt;&gt;</a:t>
+            </a:r>
+          </a:p>
+          <a:p>
+            <a:pPr algn="ctr"/>
+            <a:r>
+              <a:rPr lang="en-US" sz="600" dirty="0" err="1">
+                <a:solidFill>
+                  <a:schemeClr val="bg2">
+                    <a:lumMod val="50000"/>
+                  </a:schemeClr>
+                </a:solidFill>
+              </a:rPr>
+              <a:t>vt_TestPlanTempl_Run</a:t>
+            </a:r>
+            <a:endParaRPr lang="en-US" sz="600" dirty="0">
+              <a:solidFill>
+                <a:schemeClr val="bg2">
+                  <a:lumMod val="50000"/>
+                </a:schemeClr>
+              </a:solidFill>
+            </a:endParaRPr>
+          </a:p>
+        </p:txBody>
+      </p:sp>
+      <p:cxnSp>
+        <p:nvCxnSpPr>
+          <p:cNvPr id="125" name="Verbinder: gewinkelt 21">
+            <a:extLst>
+              <a:ext uri="{FF2B5EF4-FFF2-40B4-BE49-F238E27FC236}">
+                <a16:creationId xmlns:a16="http://schemas.microsoft.com/office/drawing/2014/main" id="{4CE1AA51-2873-40D2-8DC7-3083A66EB713}"/>
+              </a:ext>
+            </a:extLst>
+          </p:cNvPr>
+          <p:cNvCxnSpPr>
+            <a:cxnSpLocks/>
+            <a:stCxn id="27" idx="2"/>
+            <a:endCxn id="122" idx="1"/>
+          </p:cNvCxnSpPr>
+          <p:nvPr/>
+        </p:nvCxnSpPr>
+        <p:spPr>
+          <a:xfrm rot="16200000" flipH="1">
+            <a:off x="873706" y="2041863"/>
+            <a:ext cx="264993" cy="134916"/>
+          </a:xfrm>
+          <a:prstGeom prst="bentConnector2">
+            <a:avLst/>
+          </a:prstGeom>
+          <a:ln>
+            <a:solidFill>
+              <a:schemeClr val="bg2">
+                <a:lumMod val="50000"/>
+              </a:schemeClr>
+            </a:solidFill>
+            <a:prstDash val="solid"/>
+            <a:tailEnd type="triangle"/>
+          </a:ln>
+        </p:spPr>
+        <p:style>
+          <a:lnRef idx="1">
+            <a:schemeClr val="accent1"/>
+          </a:lnRef>
+          <a:fillRef idx="0">
+            <a:schemeClr val="accent1"/>
+          </a:fillRef>
+          <a:effectRef idx="0">
+            <a:schemeClr val="accent1"/>
+          </a:effectRef>
+          <a:fontRef idx="minor">
+            <a:schemeClr val="tx1"/>
+          </a:fontRef>
+        </p:style>
+      </p:cxnSp>
+      <p:grpSp>
+        <p:nvGrpSpPr>
+          <p:cNvPr id="4" name="Group 3">
+            <a:extLst>
+              <a:ext uri="{FF2B5EF4-FFF2-40B4-BE49-F238E27FC236}">
+                <a16:creationId xmlns:a16="http://schemas.microsoft.com/office/drawing/2014/main" id="{7B0B303F-15D5-416E-933E-C39EF27A14B4}"/>
+              </a:ext>
+            </a:extLst>
+          </p:cNvPr>
+          <p:cNvGrpSpPr/>
+          <p:nvPr/>
+        </p:nvGrpSpPr>
+        <p:grpSpPr>
+          <a:xfrm>
+            <a:off x="1309707" y="1376843"/>
+            <a:ext cx="554450" cy="203116"/>
+            <a:chOff x="3405154" y="1182384"/>
+            <a:chExt cx="856162" cy="314082"/>
+          </a:xfrm>
+        </p:grpSpPr>
+        <p:sp>
+          <p:nvSpPr>
+            <p:cNvPr id="3" name="Arrow: Pentagon 2">
+              <a:extLst>
+                <a:ext uri="{FF2B5EF4-FFF2-40B4-BE49-F238E27FC236}">
+                  <a16:creationId xmlns:a16="http://schemas.microsoft.com/office/drawing/2014/main" id="{E8501267-EF8D-41D1-9C46-6ABFEF43046D}"/>
+                </a:ext>
+              </a:extLst>
+            </p:cNvPr>
+            <p:cNvSpPr/>
+            <p:nvPr/>
+          </p:nvSpPr>
+          <p:spPr>
+            <a:xfrm>
+              <a:off x="3494427" y="1336522"/>
+              <a:ext cx="255452" cy="159944"/>
+            </a:xfrm>
+            <a:prstGeom prst="homePlate">
+              <a:avLst/>
+            </a:prstGeom>
+            <a:solidFill>
               <a:schemeClr val="bg1">
                 <a:lumMod val="75000"/>
               </a:schemeClr>
             </a:solidFill>
+            <a:ln>
+              <a:noFill/>
+            </a:ln>
+          </p:spPr>
+          <p:style>
+            <a:lnRef idx="2">
+              <a:schemeClr val="accent1">
+                <a:shade val="50000"/>
+              </a:schemeClr>
+            </a:lnRef>
+            <a:fillRef idx="1">
+              <a:schemeClr val="accent1"/>
+            </a:fillRef>
+            <a:effectRef idx="0">
+              <a:schemeClr val="accent1"/>
+            </a:effectRef>
+            <a:fontRef idx="minor">
+              <a:schemeClr val="lt1"/>
+            </a:fontRef>
+          </p:style>
+          <p:txBody>
+            <a:bodyPr rtlCol="0" anchor="ctr"/>
+            <a:lstStyle/>
+            <a:p>
+              <a:pPr algn="ctr"/>
+              <a:endParaRPr lang="en-US"/>
+            </a:p>
+          </p:txBody>
+        </p:sp>
+        <p:sp>
+          <p:nvSpPr>
+            <p:cNvPr id="50" name="Arrow: Pentagon 49">
+              <a:extLst>
+                <a:ext uri="{FF2B5EF4-FFF2-40B4-BE49-F238E27FC236}">
+                  <a16:creationId xmlns:a16="http://schemas.microsoft.com/office/drawing/2014/main" id="{F56888AD-1A89-45B5-A224-572AF99FF0C1}"/>
+                </a:ext>
+              </a:extLst>
+            </p:cNvPr>
+            <p:cNvSpPr/>
+            <p:nvPr/>
+          </p:nvSpPr>
+          <p:spPr>
+            <a:xfrm>
+              <a:off x="3749879" y="1336522"/>
+              <a:ext cx="255452" cy="159944"/>
+            </a:xfrm>
+            <a:prstGeom prst="homePlate">
+              <a:avLst/>
+            </a:prstGeom>
+            <a:solidFill>
+              <a:schemeClr val="bg1">
+                <a:lumMod val="75000"/>
+              </a:schemeClr>
+            </a:solidFill>
+            <a:ln>
+              <a:noFill/>
+            </a:ln>
+          </p:spPr>
+          <p:style>
+            <a:lnRef idx="2">
+              <a:schemeClr val="accent1">
+                <a:shade val="50000"/>
+              </a:schemeClr>
+            </a:lnRef>
+            <a:fillRef idx="1">
+              <a:schemeClr val="accent1"/>
+            </a:fillRef>
+            <a:effectRef idx="0">
+              <a:schemeClr val="accent1"/>
+            </a:effectRef>
+            <a:fontRef idx="minor">
+              <a:schemeClr val="lt1"/>
+            </a:fontRef>
+          </p:style>
+          <p:txBody>
+            <a:bodyPr rtlCol="0" anchor="ctr"/>
+            <a:lstStyle/>
+            <a:p>
+              <a:pPr algn="ctr"/>
+              <a:endParaRPr lang="en-US"/>
+            </a:p>
+          </p:txBody>
+        </p:sp>
+        <p:sp>
+          <p:nvSpPr>
+            <p:cNvPr id="51" name="Arrow: Pentagon 50">
+              <a:extLst>
+                <a:ext uri="{FF2B5EF4-FFF2-40B4-BE49-F238E27FC236}">
+                  <a16:creationId xmlns:a16="http://schemas.microsoft.com/office/drawing/2014/main" id="{820C3C61-14A5-4FF3-A392-CF0CC0AE946D}"/>
+                </a:ext>
+              </a:extLst>
+            </p:cNvPr>
+            <p:cNvSpPr/>
+            <p:nvPr/>
+          </p:nvSpPr>
+          <p:spPr>
+            <a:xfrm>
+              <a:off x="4005864" y="1335024"/>
+              <a:ext cx="255452" cy="159944"/>
+            </a:xfrm>
+            <a:prstGeom prst="homePlate">
+              <a:avLst/>
+            </a:prstGeom>
+            <a:solidFill>
+              <a:schemeClr val="bg1">
+                <a:lumMod val="75000"/>
+              </a:schemeClr>
+            </a:solidFill>
+            <a:ln>
+              <a:noFill/>
+            </a:ln>
+          </p:spPr>
+          <p:style>
+            <a:lnRef idx="2">
+              <a:schemeClr val="accent1">
+                <a:shade val="50000"/>
+              </a:schemeClr>
+            </a:lnRef>
+            <a:fillRef idx="1">
+              <a:schemeClr val="accent1"/>
+            </a:fillRef>
+            <a:effectRef idx="0">
+              <a:schemeClr val="accent1"/>
+            </a:effectRef>
+            <a:fontRef idx="minor">
+              <a:schemeClr val="lt1"/>
+            </a:fontRef>
+          </p:style>
+          <p:txBody>
+            <a:bodyPr rtlCol="0" anchor="ctr"/>
+            <a:lstStyle/>
+            <a:p>
+              <a:pPr algn="ctr"/>
+              <a:endParaRPr lang="en-US"/>
+            </a:p>
+          </p:txBody>
+        </p:sp>
+        <p:sp>
+          <p:nvSpPr>
+            <p:cNvPr id="52" name="TextBox 51">
+              <a:extLst>
+                <a:ext uri="{FF2B5EF4-FFF2-40B4-BE49-F238E27FC236}">
+                  <a16:creationId xmlns:a16="http://schemas.microsoft.com/office/drawing/2014/main" id="{47F5F5F3-E9FA-4E52-B2B5-52A80198CBEB}"/>
+                </a:ext>
+              </a:extLst>
+            </p:cNvPr>
+            <p:cNvSpPr txBox="1"/>
+            <p:nvPr/>
+          </p:nvSpPr>
+          <p:spPr>
+            <a:xfrm>
+              <a:off x="3405154" y="1182384"/>
+              <a:ext cx="503664" cy="184666"/>
+            </a:xfrm>
+            <a:prstGeom prst="rect">
+              <a:avLst/>
+            </a:prstGeom>
+            <a:noFill/>
+          </p:spPr>
+          <p:txBody>
+            <a:bodyPr wrap="none" rtlCol="0" anchor="ctr">
+              <a:spAutoFit/>
+            </a:bodyPr>
+            <a:lstStyle/>
+            <a:p>
+              <a:r>
+                <a:rPr lang="de-DE" sz="600" dirty="0">
+                  <a:solidFill>
+                    <a:schemeClr val="tx1">
+                      <a:lumMod val="50000"/>
+                    </a:schemeClr>
+                  </a:solidFill>
+                </a:rPr>
+                <a:t>LifeCycle</a:t>
+              </a:r>
+              <a:endParaRPr lang="en-US" sz="600" dirty="0">
+                <a:solidFill>
+                  <a:schemeClr val="tx1">
+                    <a:lumMod val="50000"/>
+                  </a:schemeClr>
+                </a:solidFill>
+              </a:endParaRPr>
+            </a:p>
+          </p:txBody>
+        </p:sp>
+      </p:grpSp>
+      <p:grpSp>
+        <p:nvGrpSpPr>
+          <p:cNvPr id="54" name="Group 53">
+            <a:extLst>
+              <a:ext uri="{FF2B5EF4-FFF2-40B4-BE49-F238E27FC236}">
+                <a16:creationId xmlns:a16="http://schemas.microsoft.com/office/drawing/2014/main" id="{D1039AF3-0B1A-4EFB-9D99-539F2FEC6F3D}"/>
+              </a:ext>
+            </a:extLst>
+          </p:cNvPr>
+          <p:cNvGrpSpPr/>
+          <p:nvPr/>
+        </p:nvGrpSpPr>
+        <p:grpSpPr>
+          <a:xfrm>
+            <a:off x="9235196" y="3466272"/>
+            <a:ext cx="554450" cy="203116"/>
+            <a:chOff x="3405154" y="1182384"/>
+            <a:chExt cx="856162" cy="314082"/>
+          </a:xfrm>
+        </p:grpSpPr>
+        <p:sp>
+          <p:nvSpPr>
+            <p:cNvPr id="57" name="Arrow: Pentagon 56">
+              <a:extLst>
+                <a:ext uri="{FF2B5EF4-FFF2-40B4-BE49-F238E27FC236}">
+                  <a16:creationId xmlns:a16="http://schemas.microsoft.com/office/drawing/2014/main" id="{61EA62EE-0D0A-4745-BC45-19509D6621C6}"/>
+                </a:ext>
+              </a:extLst>
+            </p:cNvPr>
+            <p:cNvSpPr/>
+            <p:nvPr/>
+          </p:nvSpPr>
+          <p:spPr>
+            <a:xfrm>
+              <a:off x="3494427" y="1336522"/>
+              <a:ext cx="255452" cy="159944"/>
+            </a:xfrm>
+            <a:prstGeom prst="homePlate">
+              <a:avLst/>
+            </a:prstGeom>
+            <a:solidFill>
+              <a:schemeClr val="bg1">
+                <a:lumMod val="75000"/>
+              </a:schemeClr>
+            </a:solidFill>
+            <a:ln>
+              <a:noFill/>
+            </a:ln>
+          </p:spPr>
+          <p:style>
+            <a:lnRef idx="2">
+              <a:schemeClr val="accent1">
+                <a:shade val="50000"/>
+              </a:schemeClr>
+            </a:lnRef>
+            <a:fillRef idx="1">
+              <a:schemeClr val="accent1"/>
+            </a:fillRef>
+            <a:effectRef idx="0">
+              <a:schemeClr val="accent1"/>
+            </a:effectRef>
+            <a:fontRef idx="minor">
+              <a:schemeClr val="lt1"/>
+            </a:fontRef>
+          </p:style>
+          <p:txBody>
+            <a:bodyPr rtlCol="0" anchor="ctr"/>
+            <a:lstStyle/>
+            <a:p>
+              <a:pPr algn="ctr"/>
+              <a:endParaRPr lang="en-US"/>
+            </a:p>
+          </p:txBody>
+        </p:sp>
+        <p:sp>
+          <p:nvSpPr>
+            <p:cNvPr id="58" name="Arrow: Pentagon 57">
+              <a:extLst>
+                <a:ext uri="{FF2B5EF4-FFF2-40B4-BE49-F238E27FC236}">
+                  <a16:creationId xmlns:a16="http://schemas.microsoft.com/office/drawing/2014/main" id="{331689C1-CACB-4009-B66A-495186A0A6DB}"/>
+                </a:ext>
+              </a:extLst>
+            </p:cNvPr>
+            <p:cNvSpPr/>
+            <p:nvPr/>
+          </p:nvSpPr>
+          <p:spPr>
+            <a:xfrm>
+              <a:off x="3749879" y="1336522"/>
+              <a:ext cx="255452" cy="159944"/>
+            </a:xfrm>
+            <a:prstGeom prst="homePlate">
+              <a:avLst/>
+            </a:prstGeom>
+            <a:solidFill>
+              <a:schemeClr val="bg1">
+                <a:lumMod val="75000"/>
+              </a:schemeClr>
+            </a:solidFill>
+            <a:ln>
+              <a:noFill/>
+            </a:ln>
+          </p:spPr>
+          <p:style>
+            <a:lnRef idx="2">
+              <a:schemeClr val="accent1">
+                <a:shade val="50000"/>
+              </a:schemeClr>
+            </a:lnRef>
+            <a:fillRef idx="1">
+              <a:schemeClr val="accent1"/>
+            </a:fillRef>
+            <a:effectRef idx="0">
+              <a:schemeClr val="accent1"/>
+            </a:effectRef>
+            <a:fontRef idx="minor">
+              <a:schemeClr val="lt1"/>
+            </a:fontRef>
+          </p:style>
+          <p:txBody>
+            <a:bodyPr rtlCol="0" anchor="ctr"/>
+            <a:lstStyle/>
+            <a:p>
+              <a:pPr algn="ctr"/>
+              <a:endParaRPr lang="en-US"/>
+            </a:p>
+          </p:txBody>
+        </p:sp>
+        <p:sp>
+          <p:nvSpPr>
+            <p:cNvPr id="60" name="Arrow: Pentagon 59">
+              <a:extLst>
+                <a:ext uri="{FF2B5EF4-FFF2-40B4-BE49-F238E27FC236}">
+                  <a16:creationId xmlns:a16="http://schemas.microsoft.com/office/drawing/2014/main" id="{C7BA7713-25F0-434D-9F69-C3BFCADF7E42}"/>
+                </a:ext>
+              </a:extLst>
+            </p:cNvPr>
+            <p:cNvSpPr/>
+            <p:nvPr/>
+          </p:nvSpPr>
+          <p:spPr>
+            <a:xfrm>
+              <a:off x="4005864" y="1335024"/>
+              <a:ext cx="255452" cy="159944"/>
+            </a:xfrm>
+            <a:prstGeom prst="homePlate">
+              <a:avLst/>
+            </a:prstGeom>
+            <a:solidFill>
+              <a:schemeClr val="bg1">
+                <a:lumMod val="75000"/>
+              </a:schemeClr>
+            </a:solidFill>
+            <a:ln>
+              <a:noFill/>
+            </a:ln>
+          </p:spPr>
+          <p:style>
+            <a:lnRef idx="2">
+              <a:schemeClr val="accent1">
+                <a:shade val="50000"/>
+              </a:schemeClr>
+            </a:lnRef>
+            <a:fillRef idx="1">
+              <a:schemeClr val="accent1"/>
+            </a:fillRef>
+            <a:effectRef idx="0">
+              <a:schemeClr val="accent1"/>
+            </a:effectRef>
+            <a:fontRef idx="minor">
+              <a:schemeClr val="lt1"/>
+            </a:fontRef>
+          </p:style>
+          <p:txBody>
+            <a:bodyPr rtlCol="0" anchor="ctr"/>
+            <a:lstStyle/>
+            <a:p>
+              <a:pPr algn="ctr"/>
+              <a:endParaRPr lang="en-US"/>
+            </a:p>
+          </p:txBody>
+        </p:sp>
+        <p:sp>
+          <p:nvSpPr>
+            <p:cNvPr id="61" name="TextBox 60">
+              <a:extLst>
+                <a:ext uri="{FF2B5EF4-FFF2-40B4-BE49-F238E27FC236}">
+                  <a16:creationId xmlns:a16="http://schemas.microsoft.com/office/drawing/2014/main" id="{CDF39B1E-9FB3-44BF-B267-79A57601B4FA}"/>
+                </a:ext>
+              </a:extLst>
+            </p:cNvPr>
+            <p:cNvSpPr txBox="1"/>
+            <p:nvPr/>
+          </p:nvSpPr>
+          <p:spPr>
+            <a:xfrm>
+              <a:off x="3405154" y="1182384"/>
+              <a:ext cx="503664" cy="184666"/>
+            </a:xfrm>
+            <a:prstGeom prst="rect">
+              <a:avLst/>
+            </a:prstGeom>
+            <a:noFill/>
+          </p:spPr>
+          <p:txBody>
+            <a:bodyPr wrap="none" rtlCol="0" anchor="ctr">
+              <a:spAutoFit/>
+            </a:bodyPr>
+            <a:lstStyle/>
+            <a:p>
+              <a:r>
+                <a:rPr lang="de-DE" sz="600" dirty="0">
+                  <a:solidFill>
+                    <a:schemeClr val="tx1">
+                      <a:lumMod val="50000"/>
+                    </a:schemeClr>
+                  </a:solidFill>
+                </a:rPr>
+                <a:t>LifeCycle</a:t>
+              </a:r>
+              <a:endParaRPr lang="en-US" sz="600" dirty="0">
+                <a:solidFill>
+                  <a:schemeClr val="tx1">
+                    <a:lumMod val="50000"/>
+                  </a:schemeClr>
+                </a:solidFill>
+              </a:endParaRPr>
+            </a:p>
+          </p:txBody>
+        </p:sp>
+      </p:grpSp>
+      <p:grpSp>
+        <p:nvGrpSpPr>
+          <p:cNvPr id="63" name="Group 62">
+            <a:extLst>
+              <a:ext uri="{FF2B5EF4-FFF2-40B4-BE49-F238E27FC236}">
+                <a16:creationId xmlns:a16="http://schemas.microsoft.com/office/drawing/2014/main" id="{2BA62A88-16B7-4C2B-8DE9-5866CAEC199F}"/>
+              </a:ext>
+            </a:extLst>
+          </p:cNvPr>
+          <p:cNvGrpSpPr/>
+          <p:nvPr/>
+        </p:nvGrpSpPr>
+        <p:grpSpPr>
+          <a:xfrm>
+            <a:off x="7994561" y="1407511"/>
+            <a:ext cx="554450" cy="203116"/>
+            <a:chOff x="3405154" y="1182384"/>
+            <a:chExt cx="856162" cy="314082"/>
+          </a:xfrm>
+        </p:grpSpPr>
+        <p:sp>
+          <p:nvSpPr>
+            <p:cNvPr id="64" name="Arrow: Pentagon 63">
+              <a:extLst>
+                <a:ext uri="{FF2B5EF4-FFF2-40B4-BE49-F238E27FC236}">
+                  <a16:creationId xmlns:a16="http://schemas.microsoft.com/office/drawing/2014/main" id="{0EDC416D-CA11-4C6D-9410-600ACC57A339}"/>
+                </a:ext>
+              </a:extLst>
+            </p:cNvPr>
+            <p:cNvSpPr/>
+            <p:nvPr/>
+          </p:nvSpPr>
+          <p:spPr>
+            <a:xfrm>
+              <a:off x="3494427" y="1336522"/>
+              <a:ext cx="255452" cy="159944"/>
+            </a:xfrm>
+            <a:prstGeom prst="homePlate">
+              <a:avLst/>
+            </a:prstGeom>
+            <a:solidFill>
+              <a:schemeClr val="bg1">
+                <a:lumMod val="75000"/>
+              </a:schemeClr>
+            </a:solidFill>
+            <a:ln>
+              <a:noFill/>
+            </a:ln>
+          </p:spPr>
+          <p:style>
+            <a:lnRef idx="2">
+              <a:schemeClr val="accent1">
+                <a:shade val="50000"/>
+              </a:schemeClr>
+            </a:lnRef>
+            <a:fillRef idx="1">
+              <a:schemeClr val="accent1"/>
+            </a:fillRef>
+            <a:effectRef idx="0">
+              <a:schemeClr val="accent1"/>
+            </a:effectRef>
+            <a:fontRef idx="minor">
+              <a:schemeClr val="lt1"/>
+            </a:fontRef>
+          </p:style>
+          <p:txBody>
+            <a:bodyPr rtlCol="0" anchor="ctr"/>
+            <a:lstStyle/>
+            <a:p>
+              <a:pPr algn="ctr"/>
+              <a:endParaRPr lang="en-US"/>
+            </a:p>
+          </p:txBody>
+        </p:sp>
+        <p:sp>
+          <p:nvSpPr>
+            <p:cNvPr id="68" name="Arrow: Pentagon 67">
+              <a:extLst>
+                <a:ext uri="{FF2B5EF4-FFF2-40B4-BE49-F238E27FC236}">
+                  <a16:creationId xmlns:a16="http://schemas.microsoft.com/office/drawing/2014/main" id="{53D0118B-09F4-4FBB-B85C-2BD7E3977E5D}"/>
+                </a:ext>
+              </a:extLst>
+            </p:cNvPr>
+            <p:cNvSpPr/>
+            <p:nvPr/>
+          </p:nvSpPr>
+          <p:spPr>
+            <a:xfrm>
+              <a:off x="3749879" y="1336522"/>
+              <a:ext cx="255452" cy="159944"/>
+            </a:xfrm>
+            <a:prstGeom prst="homePlate">
+              <a:avLst/>
+            </a:prstGeom>
+            <a:solidFill>
+              <a:schemeClr val="bg1">
+                <a:lumMod val="75000"/>
+              </a:schemeClr>
+            </a:solidFill>
+            <a:ln>
+              <a:noFill/>
+            </a:ln>
+          </p:spPr>
+          <p:style>
+            <a:lnRef idx="2">
+              <a:schemeClr val="accent1">
+                <a:shade val="50000"/>
+              </a:schemeClr>
+            </a:lnRef>
+            <a:fillRef idx="1">
+              <a:schemeClr val="accent1"/>
+            </a:fillRef>
+            <a:effectRef idx="0">
+              <a:schemeClr val="accent1"/>
+            </a:effectRef>
+            <a:fontRef idx="minor">
+              <a:schemeClr val="lt1"/>
+            </a:fontRef>
+          </p:style>
+          <p:txBody>
+            <a:bodyPr rtlCol="0" anchor="ctr"/>
+            <a:lstStyle/>
+            <a:p>
+              <a:pPr algn="ctr"/>
+              <a:endParaRPr lang="en-US"/>
+            </a:p>
+          </p:txBody>
+        </p:sp>
+        <p:sp>
+          <p:nvSpPr>
+            <p:cNvPr id="69" name="Arrow: Pentagon 68">
+              <a:extLst>
+                <a:ext uri="{FF2B5EF4-FFF2-40B4-BE49-F238E27FC236}">
+                  <a16:creationId xmlns:a16="http://schemas.microsoft.com/office/drawing/2014/main" id="{4C73BF0B-756E-4A01-8FE7-662CBF97A931}"/>
+                </a:ext>
+              </a:extLst>
+            </p:cNvPr>
+            <p:cNvSpPr/>
+            <p:nvPr/>
+          </p:nvSpPr>
+          <p:spPr>
+            <a:xfrm>
+              <a:off x="4005864" y="1335024"/>
+              <a:ext cx="255452" cy="159944"/>
+            </a:xfrm>
+            <a:prstGeom prst="homePlate">
+              <a:avLst/>
+            </a:prstGeom>
+            <a:solidFill>
+              <a:schemeClr val="bg1">
+                <a:lumMod val="75000"/>
+              </a:schemeClr>
+            </a:solidFill>
+            <a:ln>
+              <a:noFill/>
+            </a:ln>
+          </p:spPr>
+          <p:style>
+            <a:lnRef idx="2">
+              <a:schemeClr val="accent1">
+                <a:shade val="50000"/>
+              </a:schemeClr>
+            </a:lnRef>
+            <a:fillRef idx="1">
+              <a:schemeClr val="accent1"/>
+            </a:fillRef>
+            <a:effectRef idx="0">
+              <a:schemeClr val="accent1"/>
+            </a:effectRef>
+            <a:fontRef idx="minor">
+              <a:schemeClr val="lt1"/>
+            </a:fontRef>
+          </p:style>
+          <p:txBody>
+            <a:bodyPr rtlCol="0" anchor="ctr"/>
+            <a:lstStyle/>
+            <a:p>
+              <a:pPr algn="ctr"/>
+              <a:endParaRPr lang="en-US"/>
+            </a:p>
+          </p:txBody>
+        </p:sp>
+        <p:sp>
+          <p:nvSpPr>
+            <p:cNvPr id="71" name="TextBox 70">
+              <a:extLst>
+                <a:ext uri="{FF2B5EF4-FFF2-40B4-BE49-F238E27FC236}">
+                  <a16:creationId xmlns:a16="http://schemas.microsoft.com/office/drawing/2014/main" id="{BF904162-9DE5-4B3B-9DA3-0DB5F321D3AD}"/>
+                </a:ext>
+              </a:extLst>
+            </p:cNvPr>
+            <p:cNvSpPr txBox="1"/>
+            <p:nvPr/>
+          </p:nvSpPr>
+          <p:spPr>
+            <a:xfrm>
+              <a:off x="3405154" y="1182384"/>
+              <a:ext cx="503664" cy="184666"/>
+            </a:xfrm>
+            <a:prstGeom prst="rect">
+              <a:avLst/>
+            </a:prstGeom>
+            <a:noFill/>
+          </p:spPr>
+          <p:txBody>
+            <a:bodyPr wrap="none" rtlCol="0" anchor="ctr">
+              <a:spAutoFit/>
+            </a:bodyPr>
+            <a:lstStyle/>
+            <a:p>
+              <a:r>
+                <a:rPr lang="de-DE" sz="600" dirty="0">
+                  <a:solidFill>
+                    <a:schemeClr val="tx1">
+                      <a:lumMod val="50000"/>
+                    </a:schemeClr>
+                  </a:solidFill>
+                </a:rPr>
+                <a:t>LifeCycle</a:t>
+              </a:r>
+              <a:endParaRPr lang="en-US" sz="600" dirty="0">
+                <a:solidFill>
+                  <a:schemeClr val="tx1">
+                    <a:lumMod val="50000"/>
+                  </a:schemeClr>
+                </a:solidFill>
+              </a:endParaRPr>
+            </a:p>
+          </p:txBody>
+        </p:sp>
+      </p:grpSp>
+      <p:cxnSp>
+        <p:nvCxnSpPr>
+          <p:cNvPr id="72" name="Verbinder: gewinkelt 21">
+            <a:extLst>
+              <a:ext uri="{FF2B5EF4-FFF2-40B4-BE49-F238E27FC236}">
+                <a16:creationId xmlns:a16="http://schemas.microsoft.com/office/drawing/2014/main" id="{2832EE4C-2622-4B2B-BED5-E6D09BA5B98B}"/>
+              </a:ext>
+            </a:extLst>
+          </p:cNvPr>
+          <p:cNvCxnSpPr>
+            <a:cxnSpLocks/>
+            <a:stCxn id="73" idx="2"/>
+            <a:endCxn id="70" idx="1"/>
+          </p:cNvCxnSpPr>
+          <p:nvPr/>
+        </p:nvCxnSpPr>
+        <p:spPr>
+          <a:xfrm rot="5400000" flipH="1">
+            <a:off x="7893385" y="1982659"/>
+            <a:ext cx="651994" cy="1462378"/>
+          </a:xfrm>
+          <a:prstGeom prst="bentConnector4">
+            <a:avLst>
+              <a:gd name="adj1" fmla="val -35062"/>
+              <a:gd name="adj2" fmla="val 115632"/>
+            </a:avLst>
+          </a:prstGeom>
+          <a:ln>
+            <a:solidFill>
+              <a:srgbClr val="0070C0"/>
+            </a:solidFill>
+            <a:prstDash val="dash"/>
+            <a:tailEnd type="triangle"/>
           </a:ln>
-          <a:effectLst>
-            <a:outerShdw blurRad="50800" dist="38100" dir="2700000" algn="tl" rotWithShape="0">
-              <a:prstClr val="black">
-                <a:alpha val="40000"/>
-              </a:prstClr>
-            </a:outerShdw>
-          </a:effectLst>
         </p:spPr>
-      </p:pic>
+        <p:style>
+          <a:lnRef idx="1">
+            <a:schemeClr val="accent1"/>
+          </a:lnRef>
+          <a:fillRef idx="0">
+            <a:schemeClr val="accent1"/>
+          </a:fillRef>
+          <a:effectRef idx="0">
+            <a:schemeClr val="accent1"/>
+          </a:effectRef>
+          <a:fontRef idx="minor">
+            <a:schemeClr val="tx1"/>
+          </a:fontRef>
+        </p:style>
+      </p:cxnSp>
+      <p:sp>
+        <p:nvSpPr>
+          <p:cNvPr id="73" name="Rechteck: abgerundete Ecken 98">
+            <a:extLst>
+              <a:ext uri="{FF2B5EF4-FFF2-40B4-BE49-F238E27FC236}">
+                <a16:creationId xmlns:a16="http://schemas.microsoft.com/office/drawing/2014/main" id="{1310556F-4AFC-4F5F-8AB7-87B275BF5B23}"/>
+              </a:ext>
+            </a:extLst>
+          </p:cNvPr>
+          <p:cNvSpPr/>
+          <p:nvPr/>
+        </p:nvSpPr>
+        <p:spPr>
+          <a:xfrm>
+            <a:off x="8308232" y="2656245"/>
+            <a:ext cx="1284678" cy="383600"/>
+          </a:xfrm>
+          <a:prstGeom prst="roundRect">
+            <a:avLst>
+              <a:gd name="adj" fmla="val 41879"/>
+            </a:avLst>
+          </a:prstGeom>
+          <a:solidFill>
+            <a:schemeClr val="bg1"/>
+          </a:solidFill>
+          <a:ln>
+            <a:solidFill>
+              <a:schemeClr val="bg2">
+                <a:lumMod val="50000"/>
+              </a:schemeClr>
+            </a:solidFill>
+          </a:ln>
+        </p:spPr>
+        <p:style>
+          <a:lnRef idx="2">
+            <a:schemeClr val="accent1">
+              <a:shade val="50000"/>
+            </a:schemeClr>
+          </a:lnRef>
+          <a:fillRef idx="1">
+            <a:schemeClr val="accent1"/>
+          </a:fillRef>
+          <a:effectRef idx="0">
+            <a:schemeClr val="accent1"/>
+          </a:effectRef>
+          <a:fontRef idx="minor">
+            <a:schemeClr val="lt1"/>
+          </a:fontRef>
+        </p:style>
+        <p:txBody>
+          <a:bodyPr rtlCol="0" anchor="ctr"/>
+          <a:lstStyle/>
+          <a:p>
+            <a:pPr algn="ctr"/>
+            <a:r>
+              <a:rPr lang="en-US" sz="600" dirty="0">
+                <a:solidFill>
+                  <a:schemeClr val="bg2">
+                    <a:lumMod val="50000"/>
+                  </a:schemeClr>
+                </a:solidFill>
+              </a:rPr>
+              <a:t>&lt;&lt;</a:t>
+            </a:r>
+            <a:r>
+              <a:rPr lang="en-US" sz="600" dirty="0" err="1">
+                <a:solidFill>
+                  <a:schemeClr val="bg2">
+                    <a:lumMod val="50000"/>
+                  </a:schemeClr>
+                </a:solidFill>
+              </a:rPr>
+              <a:t>RelationshipType</a:t>
+            </a:r>
+            <a:r>
+              <a:rPr lang="en-US" sz="600" dirty="0">
+                <a:solidFill>
+                  <a:schemeClr val="bg2">
+                    <a:lumMod val="50000"/>
+                  </a:schemeClr>
+                </a:solidFill>
+              </a:rPr>
+              <a:t>&gt;&gt;</a:t>
+            </a:r>
+          </a:p>
+          <a:p>
+            <a:pPr algn="ctr"/>
+            <a:r>
+              <a:rPr lang="en-US" sz="600" dirty="0" err="1">
+                <a:solidFill>
+                  <a:schemeClr val="bg2">
+                    <a:lumMod val="50000"/>
+                  </a:schemeClr>
+                </a:solidFill>
+              </a:rPr>
+              <a:t>vt_TestPlan_DependsOnRun</a:t>
+            </a:r>
+            <a:endParaRPr lang="en-US" sz="600" dirty="0">
+              <a:solidFill>
+                <a:schemeClr val="bg2">
+                  <a:lumMod val="50000"/>
+                </a:schemeClr>
+              </a:solidFill>
+            </a:endParaRPr>
+          </a:p>
+        </p:txBody>
+      </p:sp>
+      <p:cxnSp>
+        <p:nvCxnSpPr>
+          <p:cNvPr id="74" name="Verbinder: gewinkelt 21">
+            <a:extLst>
+              <a:ext uri="{FF2B5EF4-FFF2-40B4-BE49-F238E27FC236}">
+                <a16:creationId xmlns:a16="http://schemas.microsoft.com/office/drawing/2014/main" id="{33EF66B0-F59E-4B39-9B7A-DD5797A8FE47}"/>
+              </a:ext>
+            </a:extLst>
+          </p:cNvPr>
+          <p:cNvCxnSpPr>
+            <a:cxnSpLocks/>
+            <a:stCxn id="70" idx="2"/>
+            <a:endCxn id="73" idx="1"/>
+          </p:cNvCxnSpPr>
+          <p:nvPr/>
+        </p:nvCxnSpPr>
+        <p:spPr>
+          <a:xfrm rot="16200000" flipH="1">
+            <a:off x="8085185" y="2624998"/>
+            <a:ext cx="268394" cy="177700"/>
+          </a:xfrm>
+          <a:prstGeom prst="bentConnector2">
+            <a:avLst/>
+          </a:prstGeom>
+          <a:ln>
+            <a:solidFill>
+              <a:schemeClr val="bg2">
+                <a:lumMod val="50000"/>
+              </a:schemeClr>
+            </a:solidFill>
+            <a:prstDash val="solid"/>
+            <a:tailEnd type="triangle"/>
+          </a:ln>
+        </p:spPr>
+        <p:style>
+          <a:lnRef idx="1">
+            <a:schemeClr val="accent1"/>
+          </a:lnRef>
+          <a:fillRef idx="0">
+            <a:schemeClr val="accent1"/>
+          </a:fillRef>
+          <a:effectRef idx="0">
+            <a:schemeClr val="accent1"/>
+          </a:effectRef>
+          <a:fontRef idx="minor">
+            <a:schemeClr val="tx1"/>
+          </a:fontRef>
+        </p:style>
+      </p:cxnSp>
+      <p:sp>
+        <p:nvSpPr>
+          <p:cNvPr id="92" name="Rechteck: abgerundete Ecken 98">
+            <a:extLst>
+              <a:ext uri="{FF2B5EF4-FFF2-40B4-BE49-F238E27FC236}">
+                <a16:creationId xmlns:a16="http://schemas.microsoft.com/office/drawing/2014/main" id="{9CADB0B1-113A-4BDA-9C77-44A4D5E8A373}"/>
+              </a:ext>
+            </a:extLst>
+          </p:cNvPr>
+          <p:cNvSpPr/>
+          <p:nvPr/>
+        </p:nvSpPr>
+        <p:spPr>
+          <a:xfrm>
+            <a:off x="9068312" y="4742270"/>
+            <a:ext cx="1284678" cy="383600"/>
+          </a:xfrm>
+          <a:prstGeom prst="roundRect">
+            <a:avLst>
+              <a:gd name="adj" fmla="val 41879"/>
+            </a:avLst>
+          </a:prstGeom>
+          <a:solidFill>
+            <a:schemeClr val="bg1"/>
+          </a:solidFill>
+          <a:ln>
+            <a:solidFill>
+              <a:schemeClr val="bg2">
+                <a:lumMod val="50000"/>
+              </a:schemeClr>
+            </a:solidFill>
+          </a:ln>
+        </p:spPr>
+        <p:style>
+          <a:lnRef idx="2">
+            <a:schemeClr val="accent1">
+              <a:shade val="50000"/>
+            </a:schemeClr>
+          </a:lnRef>
+          <a:fillRef idx="1">
+            <a:schemeClr val="accent1"/>
+          </a:fillRef>
+          <a:effectRef idx="0">
+            <a:schemeClr val="accent1"/>
+          </a:effectRef>
+          <a:fontRef idx="minor">
+            <a:schemeClr val="lt1"/>
+          </a:fontRef>
+        </p:style>
+        <p:txBody>
+          <a:bodyPr rtlCol="0" anchor="ctr"/>
+          <a:lstStyle/>
+          <a:p>
+            <a:pPr algn="ctr"/>
+            <a:r>
+              <a:rPr lang="en-US" sz="600" dirty="0">
+                <a:solidFill>
+                  <a:schemeClr val="bg2">
+                    <a:lumMod val="50000"/>
+                  </a:schemeClr>
+                </a:solidFill>
+              </a:rPr>
+              <a:t>&lt;&lt;</a:t>
+            </a:r>
+            <a:r>
+              <a:rPr lang="en-US" sz="600" dirty="0" err="1">
+                <a:solidFill>
+                  <a:schemeClr val="bg2">
+                    <a:lumMod val="50000"/>
+                  </a:schemeClr>
+                </a:solidFill>
+              </a:rPr>
+              <a:t>RelationshipType</a:t>
+            </a:r>
+            <a:r>
+              <a:rPr lang="en-US" sz="600" dirty="0">
+                <a:solidFill>
+                  <a:schemeClr val="bg2">
+                    <a:lumMod val="50000"/>
+                  </a:schemeClr>
+                </a:solidFill>
+              </a:rPr>
+              <a:t>&gt;&gt;</a:t>
+            </a:r>
+          </a:p>
+          <a:p>
+            <a:pPr algn="ctr"/>
+            <a:r>
+              <a:rPr lang="en-US" sz="600" dirty="0" err="1">
+                <a:solidFill>
+                  <a:schemeClr val="bg2">
+                    <a:lumMod val="50000"/>
+                  </a:schemeClr>
+                </a:solidFill>
+              </a:rPr>
+              <a:t>vt_TestRun_Step</a:t>
+            </a:r>
+            <a:endParaRPr lang="en-US" sz="600" dirty="0">
+              <a:solidFill>
+                <a:schemeClr val="bg2">
+                  <a:lumMod val="50000"/>
+                </a:schemeClr>
+              </a:solidFill>
+            </a:endParaRPr>
+          </a:p>
+        </p:txBody>
+      </p:sp>
+      <p:grpSp>
+        <p:nvGrpSpPr>
+          <p:cNvPr id="93" name="Group 92">
+            <a:extLst>
+              <a:ext uri="{FF2B5EF4-FFF2-40B4-BE49-F238E27FC236}">
+                <a16:creationId xmlns:a16="http://schemas.microsoft.com/office/drawing/2014/main" id="{4ED0E6F3-05FC-4370-A1EF-14E12BB416CA}"/>
+              </a:ext>
+            </a:extLst>
+          </p:cNvPr>
+          <p:cNvGrpSpPr/>
+          <p:nvPr/>
+        </p:nvGrpSpPr>
+        <p:grpSpPr>
+          <a:xfrm>
+            <a:off x="10270030" y="4789854"/>
+            <a:ext cx="554450" cy="203116"/>
+            <a:chOff x="3405154" y="1182384"/>
+            <a:chExt cx="856162" cy="314082"/>
+          </a:xfrm>
+        </p:grpSpPr>
+        <p:sp>
+          <p:nvSpPr>
+            <p:cNvPr id="95" name="Arrow: Pentagon 94">
+              <a:extLst>
+                <a:ext uri="{FF2B5EF4-FFF2-40B4-BE49-F238E27FC236}">
+                  <a16:creationId xmlns:a16="http://schemas.microsoft.com/office/drawing/2014/main" id="{8B405E25-F435-4C24-AC1B-E39EF3CF83CF}"/>
+                </a:ext>
+              </a:extLst>
+            </p:cNvPr>
+            <p:cNvSpPr/>
+            <p:nvPr/>
+          </p:nvSpPr>
+          <p:spPr>
+            <a:xfrm>
+              <a:off x="3494427" y="1336522"/>
+              <a:ext cx="255452" cy="159944"/>
+            </a:xfrm>
+            <a:prstGeom prst="homePlate">
+              <a:avLst/>
+            </a:prstGeom>
+            <a:solidFill>
+              <a:schemeClr val="bg1">
+                <a:lumMod val="75000"/>
+              </a:schemeClr>
+            </a:solidFill>
+            <a:ln>
+              <a:noFill/>
+            </a:ln>
+          </p:spPr>
+          <p:style>
+            <a:lnRef idx="2">
+              <a:schemeClr val="accent1">
+                <a:shade val="50000"/>
+              </a:schemeClr>
+            </a:lnRef>
+            <a:fillRef idx="1">
+              <a:schemeClr val="accent1"/>
+            </a:fillRef>
+            <a:effectRef idx="0">
+              <a:schemeClr val="accent1"/>
+            </a:effectRef>
+            <a:fontRef idx="minor">
+              <a:schemeClr val="lt1"/>
+            </a:fontRef>
+          </p:style>
+          <p:txBody>
+            <a:bodyPr rtlCol="0" anchor="ctr"/>
+            <a:lstStyle/>
+            <a:p>
+              <a:pPr algn="ctr"/>
+              <a:endParaRPr lang="en-US"/>
+            </a:p>
+          </p:txBody>
+        </p:sp>
+        <p:sp>
+          <p:nvSpPr>
+            <p:cNvPr id="96" name="Arrow: Pentagon 95">
+              <a:extLst>
+                <a:ext uri="{FF2B5EF4-FFF2-40B4-BE49-F238E27FC236}">
+                  <a16:creationId xmlns:a16="http://schemas.microsoft.com/office/drawing/2014/main" id="{074B3EC9-B1CE-4C49-9296-F22A4C7A682B}"/>
+                </a:ext>
+              </a:extLst>
+            </p:cNvPr>
+            <p:cNvSpPr/>
+            <p:nvPr/>
+          </p:nvSpPr>
+          <p:spPr>
+            <a:xfrm>
+              <a:off x="3749879" y="1336522"/>
+              <a:ext cx="255452" cy="159944"/>
+            </a:xfrm>
+            <a:prstGeom prst="homePlate">
+              <a:avLst/>
+            </a:prstGeom>
+            <a:solidFill>
+              <a:schemeClr val="bg1">
+                <a:lumMod val="75000"/>
+              </a:schemeClr>
+            </a:solidFill>
+            <a:ln>
+              <a:noFill/>
+            </a:ln>
+          </p:spPr>
+          <p:style>
+            <a:lnRef idx="2">
+              <a:schemeClr val="accent1">
+                <a:shade val="50000"/>
+              </a:schemeClr>
+            </a:lnRef>
+            <a:fillRef idx="1">
+              <a:schemeClr val="accent1"/>
+            </a:fillRef>
+            <a:effectRef idx="0">
+              <a:schemeClr val="accent1"/>
+            </a:effectRef>
+            <a:fontRef idx="minor">
+              <a:schemeClr val="lt1"/>
+            </a:fontRef>
+          </p:style>
+          <p:txBody>
+            <a:bodyPr rtlCol="0" anchor="ctr"/>
+            <a:lstStyle/>
+            <a:p>
+              <a:pPr algn="ctr"/>
+              <a:endParaRPr lang="en-US"/>
+            </a:p>
+          </p:txBody>
+        </p:sp>
+        <p:sp>
+          <p:nvSpPr>
+            <p:cNvPr id="99" name="Arrow: Pentagon 98">
+              <a:extLst>
+                <a:ext uri="{FF2B5EF4-FFF2-40B4-BE49-F238E27FC236}">
+                  <a16:creationId xmlns:a16="http://schemas.microsoft.com/office/drawing/2014/main" id="{B15A7153-C542-4469-824A-EEA165FECDE5}"/>
+                </a:ext>
+              </a:extLst>
+            </p:cNvPr>
+            <p:cNvSpPr/>
+            <p:nvPr/>
+          </p:nvSpPr>
+          <p:spPr>
+            <a:xfrm>
+              <a:off x="4005864" y="1335024"/>
+              <a:ext cx="255452" cy="159944"/>
+            </a:xfrm>
+            <a:prstGeom prst="homePlate">
+              <a:avLst/>
+            </a:prstGeom>
+            <a:solidFill>
+              <a:schemeClr val="bg1">
+                <a:lumMod val="75000"/>
+              </a:schemeClr>
+            </a:solidFill>
+            <a:ln>
+              <a:noFill/>
+            </a:ln>
+          </p:spPr>
+          <p:style>
+            <a:lnRef idx="2">
+              <a:schemeClr val="accent1">
+                <a:shade val="50000"/>
+              </a:schemeClr>
+            </a:lnRef>
+            <a:fillRef idx="1">
+              <a:schemeClr val="accent1"/>
+            </a:fillRef>
+            <a:effectRef idx="0">
+              <a:schemeClr val="accent1"/>
+            </a:effectRef>
+            <a:fontRef idx="minor">
+              <a:schemeClr val="lt1"/>
+            </a:fontRef>
+          </p:style>
+          <p:txBody>
+            <a:bodyPr rtlCol="0" anchor="ctr"/>
+            <a:lstStyle/>
+            <a:p>
+              <a:pPr algn="ctr"/>
+              <a:endParaRPr lang="en-US"/>
+            </a:p>
+          </p:txBody>
+        </p:sp>
+        <p:sp>
+          <p:nvSpPr>
+            <p:cNvPr id="101" name="TextBox 100">
+              <a:extLst>
+                <a:ext uri="{FF2B5EF4-FFF2-40B4-BE49-F238E27FC236}">
+                  <a16:creationId xmlns:a16="http://schemas.microsoft.com/office/drawing/2014/main" id="{445015E3-E5C8-4E3B-B363-FEB06DC16B67}"/>
+                </a:ext>
+              </a:extLst>
+            </p:cNvPr>
+            <p:cNvSpPr txBox="1"/>
+            <p:nvPr/>
+          </p:nvSpPr>
+          <p:spPr>
+            <a:xfrm>
+              <a:off x="3405154" y="1182384"/>
+              <a:ext cx="503664" cy="184666"/>
+            </a:xfrm>
+            <a:prstGeom prst="rect">
+              <a:avLst/>
+            </a:prstGeom>
+            <a:noFill/>
+          </p:spPr>
+          <p:txBody>
+            <a:bodyPr wrap="none" rtlCol="0" anchor="ctr">
+              <a:spAutoFit/>
+            </a:bodyPr>
+            <a:lstStyle/>
+            <a:p>
+              <a:r>
+                <a:rPr lang="de-DE" sz="600" dirty="0">
+                  <a:solidFill>
+                    <a:schemeClr val="tx1">
+                      <a:lumMod val="50000"/>
+                    </a:schemeClr>
+                  </a:solidFill>
+                </a:rPr>
+                <a:t>LifeCycle</a:t>
+              </a:r>
+              <a:endParaRPr lang="en-US" sz="600" dirty="0">
+                <a:solidFill>
+                  <a:schemeClr val="tx1">
+                    <a:lumMod val="50000"/>
+                  </a:schemeClr>
+                </a:solidFill>
+              </a:endParaRPr>
+            </a:p>
+          </p:txBody>
+        </p:sp>
+      </p:grpSp>
+      <p:cxnSp>
+        <p:nvCxnSpPr>
+          <p:cNvPr id="109" name="Verbinder: gewinkelt 21">
+            <a:extLst>
+              <a:ext uri="{FF2B5EF4-FFF2-40B4-BE49-F238E27FC236}">
+                <a16:creationId xmlns:a16="http://schemas.microsoft.com/office/drawing/2014/main" id="{47EF9C74-1122-44E0-B539-8741E7DB4E46}"/>
+              </a:ext>
+            </a:extLst>
+          </p:cNvPr>
+          <p:cNvCxnSpPr>
+            <a:cxnSpLocks/>
+            <a:stCxn id="28" idx="2"/>
+            <a:endCxn id="92" idx="1"/>
+          </p:cNvCxnSpPr>
+          <p:nvPr/>
+        </p:nvCxnSpPr>
+        <p:spPr>
+          <a:xfrm rot="16200000" flipH="1">
+            <a:off x="8544835" y="4410592"/>
+            <a:ext cx="877049" cy="169906"/>
+          </a:xfrm>
+          <a:prstGeom prst="bentConnector2">
+            <a:avLst/>
+          </a:prstGeom>
+          <a:ln>
+            <a:solidFill>
+              <a:schemeClr val="bg2">
+                <a:lumMod val="50000"/>
+              </a:schemeClr>
+            </a:solidFill>
+            <a:prstDash val="solid"/>
+            <a:tailEnd type="triangle"/>
+          </a:ln>
+        </p:spPr>
+        <p:style>
+          <a:lnRef idx="1">
+            <a:schemeClr val="accent1"/>
+          </a:lnRef>
+          <a:fillRef idx="0">
+            <a:schemeClr val="accent1"/>
+          </a:fillRef>
+          <a:effectRef idx="0">
+            <a:schemeClr val="accent1"/>
+          </a:effectRef>
+          <a:fontRef idx="minor">
+            <a:schemeClr val="tx1"/>
+          </a:fontRef>
+        </p:style>
+      </p:cxnSp>
+      <p:sp>
+        <p:nvSpPr>
+          <p:cNvPr id="105" name="TextBox 104">
+            <a:extLst>
+              <a:ext uri="{FF2B5EF4-FFF2-40B4-BE49-F238E27FC236}">
+                <a16:creationId xmlns:a16="http://schemas.microsoft.com/office/drawing/2014/main" id="{84B0D65F-017A-41FD-B2E5-5E789B31E572}"/>
+              </a:ext>
+            </a:extLst>
+          </p:cNvPr>
+          <p:cNvSpPr txBox="1"/>
+          <p:nvPr/>
+        </p:nvSpPr>
+        <p:spPr>
+          <a:xfrm>
+            <a:off x="6193629" y="1543086"/>
+            <a:ext cx="1021433" cy="461665"/>
+          </a:xfrm>
+          <a:prstGeom prst="rect">
+            <a:avLst/>
+          </a:prstGeom>
+          <a:noFill/>
+        </p:spPr>
+        <p:txBody>
+          <a:bodyPr wrap="none" rtlCol="0" anchor="ctr">
+            <a:spAutoFit/>
+          </a:bodyPr>
+          <a:lstStyle/>
+          <a:p>
+            <a:r>
+              <a:rPr lang="de-DE" sz="800" dirty="0">
+                <a:solidFill>
+                  <a:schemeClr val="tx1">
+                    <a:lumMod val="50000"/>
+                  </a:schemeClr>
+                </a:solidFill>
+              </a:rPr>
+              <a:t>Test Plan </a:t>
+            </a:r>
+            <a:r>
+              <a:rPr lang="de-DE" sz="800" dirty="0" err="1">
+                <a:solidFill>
+                  <a:schemeClr val="tx1">
+                    <a:lumMod val="50000"/>
+                  </a:schemeClr>
+                </a:solidFill>
+              </a:rPr>
+              <a:t>Types</a:t>
+            </a:r>
+            <a:r>
+              <a:rPr lang="de-DE" sz="800" dirty="0">
+                <a:solidFill>
+                  <a:schemeClr val="tx1">
+                    <a:lumMod val="50000"/>
+                  </a:schemeClr>
+                </a:solidFill>
+              </a:rPr>
+              <a:t>:</a:t>
+            </a:r>
+          </a:p>
+          <a:p>
+            <a:r>
+              <a:rPr lang="de-DE" sz="800" dirty="0">
+                <a:solidFill>
+                  <a:schemeClr val="tx1">
+                    <a:lumMod val="50000"/>
+                  </a:schemeClr>
+                </a:solidFill>
+              </a:rPr>
+              <a:t>-Design Validation</a:t>
+            </a:r>
+          </a:p>
+          <a:p>
+            <a:r>
+              <a:rPr lang="de-DE" sz="800" dirty="0">
+                <a:solidFill>
+                  <a:schemeClr val="tx1">
+                    <a:lumMod val="50000"/>
+                  </a:schemeClr>
+                </a:solidFill>
+              </a:rPr>
+              <a:t>-</a:t>
+            </a:r>
+            <a:r>
+              <a:rPr lang="de-DE" sz="800" dirty="0" err="1">
+                <a:solidFill>
+                  <a:schemeClr val="tx1">
+                    <a:lumMod val="50000"/>
+                  </a:schemeClr>
+                </a:solidFill>
+              </a:rPr>
+              <a:t>Physical</a:t>
+            </a:r>
+            <a:r>
+              <a:rPr lang="de-DE" sz="800" dirty="0">
+                <a:solidFill>
+                  <a:schemeClr val="tx1">
+                    <a:lumMod val="50000"/>
+                  </a:schemeClr>
+                </a:solidFill>
+              </a:rPr>
+              <a:t> </a:t>
+            </a:r>
+            <a:r>
+              <a:rPr lang="de-DE" sz="800" dirty="0" err="1">
+                <a:solidFill>
+                  <a:schemeClr val="tx1">
+                    <a:lumMod val="50000"/>
+                  </a:schemeClr>
+                </a:solidFill>
+              </a:rPr>
+              <a:t>Testing</a:t>
+            </a:r>
+            <a:endParaRPr lang="en-US" sz="800" dirty="0">
+              <a:solidFill>
+                <a:schemeClr val="tx1">
+                  <a:lumMod val="50000"/>
+                </a:schemeClr>
+              </a:solidFill>
+            </a:endParaRPr>
+          </a:p>
+        </p:txBody>
+      </p:sp>
+      <p:sp>
+        <p:nvSpPr>
+          <p:cNvPr id="62" name="Rectangle 61">
+            <a:extLst>
+              <a:ext uri="{FF2B5EF4-FFF2-40B4-BE49-F238E27FC236}">
+                <a16:creationId xmlns:a16="http://schemas.microsoft.com/office/drawing/2014/main" id="{3A28A9C7-185E-4580-A653-138DF76C475C}"/>
+              </a:ext>
+            </a:extLst>
+          </p:cNvPr>
+          <p:cNvSpPr/>
+          <p:nvPr/>
+        </p:nvSpPr>
+        <p:spPr>
+          <a:xfrm>
+            <a:off x="9744262" y="2713847"/>
+            <a:ext cx="165431" cy="80360"/>
+          </a:xfrm>
+          <a:prstGeom prst="rect">
+            <a:avLst/>
+          </a:prstGeom>
+          <a:solidFill>
+            <a:schemeClr val="tx1"/>
+          </a:solidFill>
+          <a:ln>
+            <a:noFill/>
+          </a:ln>
+        </p:spPr>
+        <p:style>
+          <a:lnRef idx="2">
+            <a:schemeClr val="accent1">
+              <a:shade val="50000"/>
+            </a:schemeClr>
+          </a:lnRef>
+          <a:fillRef idx="1">
+            <a:schemeClr val="accent1"/>
+          </a:fillRef>
+          <a:effectRef idx="0">
+            <a:schemeClr val="accent1"/>
+          </a:effectRef>
+          <a:fontRef idx="minor">
+            <a:schemeClr val="lt1"/>
+          </a:fontRef>
+        </p:style>
+        <p:txBody>
+          <a:bodyPr rtlCol="0" anchor="ctr"/>
+          <a:lstStyle/>
+          <a:p>
+            <a:pPr algn="ctr"/>
+            <a:endParaRPr lang="en-US"/>
+          </a:p>
+        </p:txBody>
+      </p:sp>
+      <p:cxnSp>
+        <p:nvCxnSpPr>
+          <p:cNvPr id="108" name="Verbinder: gewinkelt 21">
+            <a:extLst>
+              <a:ext uri="{FF2B5EF4-FFF2-40B4-BE49-F238E27FC236}">
+                <a16:creationId xmlns:a16="http://schemas.microsoft.com/office/drawing/2014/main" id="{2130E9CC-2D4B-4B36-A4EF-31B31F97C362}"/>
+              </a:ext>
+            </a:extLst>
+          </p:cNvPr>
+          <p:cNvCxnSpPr>
+            <a:cxnSpLocks/>
+            <a:stCxn id="62" idx="2"/>
+            <a:endCxn id="28" idx="0"/>
+          </p:cNvCxnSpPr>
+          <p:nvPr/>
+        </p:nvCxnSpPr>
+        <p:spPr>
+          <a:xfrm rot="5400000">
+            <a:off x="8948154" y="2744459"/>
+            <a:ext cx="829076" cy="928572"/>
+          </a:xfrm>
+          <a:prstGeom prst="bentConnector3">
+            <a:avLst>
+              <a:gd name="adj1" fmla="val 72261"/>
+            </a:avLst>
+          </a:prstGeom>
+          <a:ln>
+            <a:solidFill>
+              <a:schemeClr val="bg2">
+                <a:lumMod val="50000"/>
+              </a:schemeClr>
+            </a:solidFill>
+            <a:prstDash val="solid"/>
+            <a:tailEnd type="triangle"/>
+          </a:ln>
+        </p:spPr>
+        <p:style>
+          <a:lnRef idx="1">
+            <a:schemeClr val="accent1"/>
+          </a:lnRef>
+          <a:fillRef idx="0">
+            <a:schemeClr val="accent1"/>
+          </a:fillRef>
+          <a:effectRef idx="0">
+            <a:schemeClr val="accent1"/>
+          </a:effectRef>
+          <a:fontRef idx="minor">
+            <a:schemeClr val="tx1"/>
+          </a:fontRef>
+        </p:style>
+      </p:cxnSp>
+      <p:sp>
+        <p:nvSpPr>
+          <p:cNvPr id="85" name="Rechteck 114">
+            <a:extLst>
+              <a:ext uri="{FF2B5EF4-FFF2-40B4-BE49-F238E27FC236}">
+                <a16:creationId xmlns:a16="http://schemas.microsoft.com/office/drawing/2014/main" id="{CA6D615F-3EBC-43B8-BC56-4E5648EBBB9A}"/>
+              </a:ext>
+            </a:extLst>
+          </p:cNvPr>
+          <p:cNvSpPr/>
+          <p:nvPr/>
+        </p:nvSpPr>
+        <p:spPr>
+          <a:xfrm>
+            <a:off x="6220520" y="4940383"/>
+            <a:ext cx="1019664" cy="433738"/>
+          </a:xfrm>
+          <a:prstGeom prst="rect">
+            <a:avLst/>
+          </a:prstGeom>
+          <a:solidFill>
+            <a:schemeClr val="bg1"/>
+          </a:solidFill>
+          <a:ln>
+            <a:solidFill>
+              <a:schemeClr val="bg2">
+                <a:lumMod val="50000"/>
+              </a:schemeClr>
+            </a:solidFill>
+          </a:ln>
+        </p:spPr>
+        <p:style>
+          <a:lnRef idx="2">
+            <a:schemeClr val="accent1">
+              <a:shade val="50000"/>
+            </a:schemeClr>
+          </a:lnRef>
+          <a:fillRef idx="1">
+            <a:schemeClr val="accent1"/>
+          </a:fillRef>
+          <a:effectRef idx="0">
+            <a:schemeClr val="accent1"/>
+          </a:effectRef>
+          <a:fontRef idx="minor">
+            <a:schemeClr val="lt1"/>
+          </a:fontRef>
+        </p:style>
+        <p:txBody>
+          <a:bodyPr rtlCol="0" anchor="ctr"/>
+          <a:lstStyle/>
+          <a:p>
+            <a:pPr algn="ctr"/>
+            <a:r>
+              <a:rPr lang="en-US" sz="600" dirty="0">
+                <a:solidFill>
+                  <a:schemeClr val="bg2">
+                    <a:lumMod val="50000"/>
+                  </a:schemeClr>
+                </a:solidFill>
+              </a:rPr>
+              <a:t>&lt;&lt;ItemType&gt;&gt;</a:t>
+            </a:r>
+          </a:p>
+          <a:p>
+            <a:pPr algn="ctr"/>
+            <a:r>
+              <a:rPr lang="en-US" sz="600" dirty="0" err="1">
+                <a:solidFill>
+                  <a:schemeClr val="bg2">
+                    <a:lumMod val="50000"/>
+                  </a:schemeClr>
+                </a:solidFill>
+              </a:rPr>
+              <a:t>vt_TestProcedure</a:t>
+            </a:r>
+            <a:endParaRPr lang="en-US" sz="600" dirty="0">
+              <a:solidFill>
+                <a:schemeClr val="bg2">
+                  <a:lumMod val="50000"/>
+                </a:schemeClr>
+              </a:solidFill>
+            </a:endParaRPr>
+          </a:p>
+        </p:txBody>
+      </p:sp>
+      <p:grpSp>
+        <p:nvGrpSpPr>
+          <p:cNvPr id="86" name="Group 85">
+            <a:extLst>
+              <a:ext uri="{FF2B5EF4-FFF2-40B4-BE49-F238E27FC236}">
+                <a16:creationId xmlns:a16="http://schemas.microsoft.com/office/drawing/2014/main" id="{EE438312-1BDC-49CB-BE5E-7BA126737BF3}"/>
+              </a:ext>
+            </a:extLst>
+          </p:cNvPr>
+          <p:cNvGrpSpPr/>
+          <p:nvPr/>
+        </p:nvGrpSpPr>
+        <p:grpSpPr>
+          <a:xfrm>
+            <a:off x="7023500" y="4774126"/>
+            <a:ext cx="554450" cy="203116"/>
+            <a:chOff x="3405154" y="1182384"/>
+            <a:chExt cx="856162" cy="314082"/>
+          </a:xfrm>
+        </p:grpSpPr>
+        <p:sp>
+          <p:nvSpPr>
+            <p:cNvPr id="88" name="Arrow: Pentagon 87">
+              <a:extLst>
+                <a:ext uri="{FF2B5EF4-FFF2-40B4-BE49-F238E27FC236}">
+                  <a16:creationId xmlns:a16="http://schemas.microsoft.com/office/drawing/2014/main" id="{9E9CD2DA-3025-4791-A13E-5D970BDB364B}"/>
+                </a:ext>
+              </a:extLst>
+            </p:cNvPr>
+            <p:cNvSpPr/>
+            <p:nvPr/>
+          </p:nvSpPr>
+          <p:spPr>
+            <a:xfrm>
+              <a:off x="3494427" y="1336522"/>
+              <a:ext cx="255452" cy="159944"/>
+            </a:xfrm>
+            <a:prstGeom prst="homePlate">
+              <a:avLst/>
+            </a:prstGeom>
+            <a:solidFill>
+              <a:schemeClr val="bg1">
+                <a:lumMod val="75000"/>
+              </a:schemeClr>
+            </a:solidFill>
+            <a:ln>
+              <a:noFill/>
+            </a:ln>
+          </p:spPr>
+          <p:style>
+            <a:lnRef idx="2">
+              <a:schemeClr val="accent1">
+                <a:shade val="50000"/>
+              </a:schemeClr>
+            </a:lnRef>
+            <a:fillRef idx="1">
+              <a:schemeClr val="accent1"/>
+            </a:fillRef>
+            <a:effectRef idx="0">
+              <a:schemeClr val="accent1"/>
+            </a:effectRef>
+            <a:fontRef idx="minor">
+              <a:schemeClr val="lt1"/>
+            </a:fontRef>
+          </p:style>
+          <p:txBody>
+            <a:bodyPr rtlCol="0" anchor="ctr"/>
+            <a:lstStyle/>
+            <a:p>
+              <a:pPr algn="ctr"/>
+              <a:endParaRPr lang="en-US"/>
+            </a:p>
+          </p:txBody>
+        </p:sp>
+        <p:sp>
+          <p:nvSpPr>
+            <p:cNvPr id="98" name="Arrow: Pentagon 97">
+              <a:extLst>
+                <a:ext uri="{FF2B5EF4-FFF2-40B4-BE49-F238E27FC236}">
+                  <a16:creationId xmlns:a16="http://schemas.microsoft.com/office/drawing/2014/main" id="{CFFB0E37-DE11-4296-BF88-74EB067E68DF}"/>
+                </a:ext>
+              </a:extLst>
+            </p:cNvPr>
+            <p:cNvSpPr/>
+            <p:nvPr/>
+          </p:nvSpPr>
+          <p:spPr>
+            <a:xfrm>
+              <a:off x="3749879" y="1336522"/>
+              <a:ext cx="255452" cy="159944"/>
+            </a:xfrm>
+            <a:prstGeom prst="homePlate">
+              <a:avLst/>
+            </a:prstGeom>
+            <a:solidFill>
+              <a:schemeClr val="bg1">
+                <a:lumMod val="75000"/>
+              </a:schemeClr>
+            </a:solidFill>
+            <a:ln>
+              <a:noFill/>
+            </a:ln>
+          </p:spPr>
+          <p:style>
+            <a:lnRef idx="2">
+              <a:schemeClr val="accent1">
+                <a:shade val="50000"/>
+              </a:schemeClr>
+            </a:lnRef>
+            <a:fillRef idx="1">
+              <a:schemeClr val="accent1"/>
+            </a:fillRef>
+            <a:effectRef idx="0">
+              <a:schemeClr val="accent1"/>
+            </a:effectRef>
+            <a:fontRef idx="minor">
+              <a:schemeClr val="lt1"/>
+            </a:fontRef>
+          </p:style>
+          <p:txBody>
+            <a:bodyPr rtlCol="0" anchor="ctr"/>
+            <a:lstStyle/>
+            <a:p>
+              <a:pPr algn="ctr"/>
+              <a:endParaRPr lang="en-US"/>
+            </a:p>
+          </p:txBody>
+        </p:sp>
+        <p:sp>
+          <p:nvSpPr>
+            <p:cNvPr id="103" name="Arrow: Pentagon 102">
+              <a:extLst>
+                <a:ext uri="{FF2B5EF4-FFF2-40B4-BE49-F238E27FC236}">
+                  <a16:creationId xmlns:a16="http://schemas.microsoft.com/office/drawing/2014/main" id="{F236B3E1-2867-4A7C-BA22-2F8EC5D45DAC}"/>
+                </a:ext>
+              </a:extLst>
+            </p:cNvPr>
+            <p:cNvSpPr/>
+            <p:nvPr/>
+          </p:nvSpPr>
+          <p:spPr>
+            <a:xfrm>
+              <a:off x="4005864" y="1335024"/>
+              <a:ext cx="255452" cy="159944"/>
+            </a:xfrm>
+            <a:prstGeom prst="homePlate">
+              <a:avLst/>
+            </a:prstGeom>
+            <a:solidFill>
+              <a:schemeClr val="bg1">
+                <a:lumMod val="75000"/>
+              </a:schemeClr>
+            </a:solidFill>
+            <a:ln>
+              <a:noFill/>
+            </a:ln>
+          </p:spPr>
+          <p:style>
+            <a:lnRef idx="2">
+              <a:schemeClr val="accent1">
+                <a:shade val="50000"/>
+              </a:schemeClr>
+            </a:lnRef>
+            <a:fillRef idx="1">
+              <a:schemeClr val="accent1"/>
+            </a:fillRef>
+            <a:effectRef idx="0">
+              <a:schemeClr val="accent1"/>
+            </a:effectRef>
+            <a:fontRef idx="minor">
+              <a:schemeClr val="lt1"/>
+            </a:fontRef>
+          </p:style>
+          <p:txBody>
+            <a:bodyPr rtlCol="0" anchor="ctr"/>
+            <a:lstStyle/>
+            <a:p>
+              <a:pPr algn="ctr"/>
+              <a:endParaRPr lang="en-US"/>
+            </a:p>
+          </p:txBody>
+        </p:sp>
+        <p:sp>
+          <p:nvSpPr>
+            <p:cNvPr id="106" name="TextBox 105">
+              <a:extLst>
+                <a:ext uri="{FF2B5EF4-FFF2-40B4-BE49-F238E27FC236}">
+                  <a16:creationId xmlns:a16="http://schemas.microsoft.com/office/drawing/2014/main" id="{E3C32CEA-1D82-40C5-8BF9-A1454A18BE6F}"/>
+                </a:ext>
+              </a:extLst>
+            </p:cNvPr>
+            <p:cNvSpPr txBox="1"/>
+            <p:nvPr/>
+          </p:nvSpPr>
+          <p:spPr>
+            <a:xfrm>
+              <a:off x="3405154" y="1182384"/>
+              <a:ext cx="503664" cy="184666"/>
+            </a:xfrm>
+            <a:prstGeom prst="rect">
+              <a:avLst/>
+            </a:prstGeom>
+            <a:noFill/>
+          </p:spPr>
+          <p:txBody>
+            <a:bodyPr wrap="none" rtlCol="0" anchor="ctr">
+              <a:spAutoFit/>
+            </a:bodyPr>
+            <a:lstStyle/>
+            <a:p>
+              <a:r>
+                <a:rPr lang="de-DE" sz="600" dirty="0">
+                  <a:solidFill>
+                    <a:schemeClr val="tx1">
+                      <a:lumMod val="50000"/>
+                    </a:schemeClr>
+                  </a:solidFill>
+                </a:rPr>
+                <a:t>LifeCycle</a:t>
+              </a:r>
+              <a:endParaRPr lang="en-US" sz="600" dirty="0">
+                <a:solidFill>
+                  <a:schemeClr val="tx1">
+                    <a:lumMod val="50000"/>
+                  </a:schemeClr>
+                </a:solidFill>
+              </a:endParaRPr>
+            </a:p>
+          </p:txBody>
+        </p:sp>
+      </p:grpSp>
+      <p:sp>
+        <p:nvSpPr>
+          <p:cNvPr id="107" name="Rechteck: abgerundete Ecken 98">
+            <a:extLst>
+              <a:ext uri="{FF2B5EF4-FFF2-40B4-BE49-F238E27FC236}">
+                <a16:creationId xmlns:a16="http://schemas.microsoft.com/office/drawing/2014/main" id="{2C714AA8-F23A-46E7-AEB3-EAD02AFBEC7A}"/>
+              </a:ext>
+            </a:extLst>
+          </p:cNvPr>
+          <p:cNvSpPr/>
+          <p:nvPr/>
+        </p:nvSpPr>
+        <p:spPr>
+          <a:xfrm>
+            <a:off x="7300329" y="5564251"/>
+            <a:ext cx="1284678" cy="383600"/>
+          </a:xfrm>
+          <a:prstGeom prst="roundRect">
+            <a:avLst>
+              <a:gd name="adj" fmla="val 41879"/>
+            </a:avLst>
+          </a:prstGeom>
+          <a:solidFill>
+            <a:schemeClr val="bg1"/>
+          </a:solidFill>
+          <a:ln>
+            <a:solidFill>
+              <a:schemeClr val="bg2">
+                <a:lumMod val="50000"/>
+              </a:schemeClr>
+            </a:solidFill>
+          </a:ln>
+        </p:spPr>
+        <p:style>
+          <a:lnRef idx="2">
+            <a:schemeClr val="accent1">
+              <a:shade val="50000"/>
+            </a:schemeClr>
+          </a:lnRef>
+          <a:fillRef idx="1">
+            <a:schemeClr val="accent1"/>
+          </a:fillRef>
+          <a:effectRef idx="0">
+            <a:schemeClr val="accent1"/>
+          </a:effectRef>
+          <a:fontRef idx="minor">
+            <a:schemeClr val="lt1"/>
+          </a:fontRef>
+        </p:style>
+        <p:txBody>
+          <a:bodyPr rtlCol="0" anchor="ctr"/>
+          <a:lstStyle/>
+          <a:p>
+            <a:pPr algn="ctr"/>
+            <a:r>
+              <a:rPr lang="en-US" sz="600" dirty="0">
+                <a:solidFill>
+                  <a:schemeClr val="bg2">
+                    <a:lumMod val="50000"/>
+                  </a:schemeClr>
+                </a:solidFill>
+              </a:rPr>
+              <a:t>&lt;&lt;</a:t>
+            </a:r>
+            <a:r>
+              <a:rPr lang="en-US" sz="600" dirty="0" err="1">
+                <a:solidFill>
+                  <a:schemeClr val="bg2">
+                    <a:lumMod val="50000"/>
+                  </a:schemeClr>
+                </a:solidFill>
+              </a:rPr>
+              <a:t>RelationshipType</a:t>
+            </a:r>
+            <a:r>
+              <a:rPr lang="en-US" sz="600" dirty="0">
+                <a:solidFill>
+                  <a:schemeClr val="bg2">
+                    <a:lumMod val="50000"/>
+                  </a:schemeClr>
+                </a:solidFill>
+              </a:rPr>
+              <a:t>&gt;&gt;</a:t>
+            </a:r>
+          </a:p>
+          <a:p>
+            <a:pPr algn="ctr"/>
+            <a:r>
+              <a:rPr lang="en-US" sz="600" dirty="0" err="1">
+                <a:solidFill>
+                  <a:schemeClr val="bg2">
+                    <a:lumMod val="50000"/>
+                  </a:schemeClr>
+                </a:solidFill>
+              </a:rPr>
+              <a:t>vt_TestRun_SatisfiedProcedure</a:t>
+            </a:r>
+            <a:endParaRPr lang="en-US" sz="600" dirty="0">
+              <a:solidFill>
+                <a:schemeClr val="bg2">
+                  <a:lumMod val="50000"/>
+                </a:schemeClr>
+              </a:solidFill>
+            </a:endParaRPr>
+          </a:p>
+        </p:txBody>
+      </p:sp>
+      <p:cxnSp>
+        <p:nvCxnSpPr>
+          <p:cNvPr id="110" name="Verbinder: gewinkelt 21">
+            <a:extLst>
+              <a:ext uri="{FF2B5EF4-FFF2-40B4-BE49-F238E27FC236}">
+                <a16:creationId xmlns:a16="http://schemas.microsoft.com/office/drawing/2014/main" id="{5ECCA6A0-BB88-478F-B13C-A18379063D4E}"/>
+              </a:ext>
+            </a:extLst>
+          </p:cNvPr>
+          <p:cNvCxnSpPr>
+            <a:cxnSpLocks/>
+            <a:stCxn id="28" idx="2"/>
+            <a:endCxn id="107" idx="3"/>
+          </p:cNvCxnSpPr>
+          <p:nvPr/>
+        </p:nvCxnSpPr>
+        <p:spPr>
+          <a:xfrm rot="5400000">
+            <a:off x="7892192" y="4749837"/>
+            <a:ext cx="1699030" cy="313399"/>
+          </a:xfrm>
+          <a:prstGeom prst="bentConnector2">
+            <a:avLst/>
+          </a:prstGeom>
+          <a:ln>
+            <a:solidFill>
+              <a:schemeClr val="bg2">
+                <a:lumMod val="50000"/>
+              </a:schemeClr>
+            </a:solidFill>
+            <a:prstDash val="solid"/>
+            <a:tailEnd type="triangle"/>
+          </a:ln>
+        </p:spPr>
+        <p:style>
+          <a:lnRef idx="1">
+            <a:schemeClr val="accent1"/>
+          </a:lnRef>
+          <a:fillRef idx="0">
+            <a:schemeClr val="accent1"/>
+          </a:fillRef>
+          <a:effectRef idx="0">
+            <a:schemeClr val="accent1"/>
+          </a:effectRef>
+          <a:fontRef idx="minor">
+            <a:schemeClr val="tx1"/>
+          </a:fontRef>
+        </p:style>
+      </p:cxnSp>
+      <p:cxnSp>
+        <p:nvCxnSpPr>
+          <p:cNvPr id="112" name="Verbinder: gewinkelt 21">
+            <a:extLst>
+              <a:ext uri="{FF2B5EF4-FFF2-40B4-BE49-F238E27FC236}">
+                <a16:creationId xmlns:a16="http://schemas.microsoft.com/office/drawing/2014/main" id="{D627A912-E609-44EC-A255-2F7F213787DE}"/>
+              </a:ext>
+            </a:extLst>
+          </p:cNvPr>
+          <p:cNvCxnSpPr>
+            <a:cxnSpLocks/>
+            <a:stCxn id="107" idx="1"/>
+            <a:endCxn id="85" idx="2"/>
+          </p:cNvCxnSpPr>
+          <p:nvPr/>
+        </p:nvCxnSpPr>
+        <p:spPr>
+          <a:xfrm rot="10800000">
+            <a:off x="6730353" y="5374121"/>
+            <a:ext cx="569977" cy="381930"/>
+          </a:xfrm>
+          <a:prstGeom prst="bentConnector2">
+            <a:avLst/>
+          </a:prstGeom>
+          <a:ln>
+            <a:solidFill>
+              <a:schemeClr val="bg2">
+                <a:lumMod val="50000"/>
+              </a:schemeClr>
+            </a:solidFill>
+            <a:prstDash val="solid"/>
+            <a:tailEnd type="triangle"/>
+          </a:ln>
+        </p:spPr>
+        <p:style>
+          <a:lnRef idx="1">
+            <a:schemeClr val="accent1"/>
+          </a:lnRef>
+          <a:fillRef idx="0">
+            <a:schemeClr val="accent1"/>
+          </a:fillRef>
+          <a:effectRef idx="0">
+            <a:schemeClr val="accent1"/>
+          </a:effectRef>
+          <a:fontRef idx="minor">
+            <a:schemeClr val="tx1"/>
+          </a:fontRef>
+        </p:style>
+      </p:cxnSp>
+      <p:sp>
+        <p:nvSpPr>
+          <p:cNvPr id="115" name="TextBox 114">
+            <a:extLst>
+              <a:ext uri="{FF2B5EF4-FFF2-40B4-BE49-F238E27FC236}">
+                <a16:creationId xmlns:a16="http://schemas.microsoft.com/office/drawing/2014/main" id="{2E7F887A-D845-4508-B668-8C659795B0E5}"/>
+              </a:ext>
+            </a:extLst>
+          </p:cNvPr>
+          <p:cNvSpPr txBox="1"/>
+          <p:nvPr/>
+        </p:nvSpPr>
+        <p:spPr>
+          <a:xfrm>
+            <a:off x="6596580" y="5738260"/>
+            <a:ext cx="636713" cy="215444"/>
+          </a:xfrm>
+          <a:prstGeom prst="rect">
+            <a:avLst/>
+          </a:prstGeom>
+          <a:noFill/>
+        </p:spPr>
+        <p:txBody>
+          <a:bodyPr wrap="none" rtlCol="0" anchor="ctr">
+            <a:spAutoFit/>
+          </a:bodyPr>
+          <a:lstStyle/>
+          <a:p>
+            <a:r>
+              <a:rPr lang="de-DE" sz="800" dirty="0" err="1">
+                <a:solidFill>
+                  <a:schemeClr val="tx1">
+                    <a:lumMod val="50000"/>
+                  </a:schemeClr>
+                </a:solidFill>
+              </a:rPr>
+              <a:t>hard_fixed</a:t>
+            </a:r>
+            <a:endParaRPr lang="en-US" sz="800" dirty="0">
+              <a:solidFill>
+                <a:schemeClr val="tx1">
+                  <a:lumMod val="50000"/>
+                </a:schemeClr>
+              </a:solidFill>
+            </a:endParaRPr>
+          </a:p>
+        </p:txBody>
+      </p:sp>
+      <p:sp>
+        <p:nvSpPr>
+          <p:cNvPr id="116" name="Rechteck: abgerundete Ecken 98">
+            <a:extLst>
+              <a:ext uri="{FF2B5EF4-FFF2-40B4-BE49-F238E27FC236}">
+                <a16:creationId xmlns:a16="http://schemas.microsoft.com/office/drawing/2014/main" id="{7512AE24-1C47-4E46-89D9-D1C34F5FA13C}"/>
+              </a:ext>
+            </a:extLst>
+          </p:cNvPr>
+          <p:cNvSpPr/>
+          <p:nvPr/>
+        </p:nvSpPr>
+        <p:spPr>
+          <a:xfrm>
+            <a:off x="3062702" y="3284819"/>
+            <a:ext cx="1376477" cy="383600"/>
+          </a:xfrm>
+          <a:prstGeom prst="roundRect">
+            <a:avLst>
+              <a:gd name="adj" fmla="val 41879"/>
+            </a:avLst>
+          </a:prstGeom>
+          <a:solidFill>
+            <a:schemeClr val="bg1"/>
+          </a:solidFill>
+          <a:ln>
+            <a:solidFill>
+              <a:schemeClr val="bg2">
+                <a:lumMod val="50000"/>
+              </a:schemeClr>
+            </a:solidFill>
+          </a:ln>
+        </p:spPr>
+        <p:style>
+          <a:lnRef idx="2">
+            <a:schemeClr val="accent1">
+              <a:shade val="50000"/>
+            </a:schemeClr>
+          </a:lnRef>
+          <a:fillRef idx="1">
+            <a:schemeClr val="accent1"/>
+          </a:fillRef>
+          <a:effectRef idx="0">
+            <a:schemeClr val="accent1"/>
+          </a:effectRef>
+          <a:fontRef idx="minor">
+            <a:schemeClr val="lt1"/>
+          </a:fontRef>
+        </p:style>
+        <p:txBody>
+          <a:bodyPr rtlCol="0" anchor="ctr"/>
+          <a:lstStyle/>
+          <a:p>
+            <a:pPr algn="ctr"/>
+            <a:r>
+              <a:rPr lang="en-US" sz="600" dirty="0">
+                <a:solidFill>
+                  <a:schemeClr val="bg2">
+                    <a:lumMod val="50000"/>
+                  </a:schemeClr>
+                </a:solidFill>
+              </a:rPr>
+              <a:t>&lt;&lt;</a:t>
+            </a:r>
+            <a:r>
+              <a:rPr lang="en-US" sz="600" dirty="0" err="1">
+                <a:solidFill>
+                  <a:schemeClr val="bg2">
+                    <a:lumMod val="50000"/>
+                  </a:schemeClr>
+                </a:solidFill>
+              </a:rPr>
+              <a:t>RelationshipType</a:t>
+            </a:r>
+            <a:r>
+              <a:rPr lang="en-US" sz="600" dirty="0">
+                <a:solidFill>
+                  <a:schemeClr val="bg2">
+                    <a:lumMod val="50000"/>
+                  </a:schemeClr>
+                </a:solidFill>
+              </a:rPr>
+              <a:t>&gt;&gt;</a:t>
+            </a:r>
+          </a:p>
+          <a:p>
+            <a:pPr algn="ctr"/>
+            <a:r>
+              <a:rPr lang="en-US" sz="600" dirty="0" err="1">
+                <a:solidFill>
+                  <a:schemeClr val="bg2">
+                    <a:lumMod val="50000"/>
+                  </a:schemeClr>
+                </a:solidFill>
+              </a:rPr>
+              <a:t>vt_TestPlanTempl_RunProcedure</a:t>
+            </a:r>
+            <a:endParaRPr lang="en-US" sz="600" dirty="0">
+              <a:solidFill>
+                <a:schemeClr val="bg2">
+                  <a:lumMod val="50000"/>
+                </a:schemeClr>
+              </a:solidFill>
+            </a:endParaRPr>
+          </a:p>
+        </p:txBody>
+      </p:sp>
+      <p:cxnSp>
+        <p:nvCxnSpPr>
+          <p:cNvPr id="117" name="Verbinder: gewinkelt 21">
+            <a:extLst>
+              <a:ext uri="{FF2B5EF4-FFF2-40B4-BE49-F238E27FC236}">
+                <a16:creationId xmlns:a16="http://schemas.microsoft.com/office/drawing/2014/main" id="{F05DE8EB-BDA9-4A3D-B4FC-2B32CAF2AE1E}"/>
+              </a:ext>
+            </a:extLst>
+          </p:cNvPr>
+          <p:cNvCxnSpPr>
+            <a:cxnSpLocks/>
+            <a:stCxn id="122" idx="3"/>
+            <a:endCxn id="111" idx="0"/>
+          </p:cNvCxnSpPr>
+          <p:nvPr/>
+        </p:nvCxnSpPr>
+        <p:spPr>
+          <a:xfrm>
+            <a:off x="2450137" y="2241818"/>
+            <a:ext cx="269783" cy="347743"/>
+          </a:xfrm>
+          <a:prstGeom prst="bentConnector2">
+            <a:avLst/>
+          </a:prstGeom>
+          <a:ln>
+            <a:solidFill>
+              <a:schemeClr val="bg2">
+                <a:lumMod val="50000"/>
+              </a:schemeClr>
+            </a:solidFill>
+            <a:prstDash val="solid"/>
+            <a:tailEnd type="triangle"/>
+          </a:ln>
+        </p:spPr>
+        <p:style>
+          <a:lnRef idx="1">
+            <a:schemeClr val="accent1"/>
+          </a:lnRef>
+          <a:fillRef idx="0">
+            <a:schemeClr val="accent1"/>
+          </a:fillRef>
+          <a:effectRef idx="0">
+            <a:schemeClr val="accent1"/>
+          </a:effectRef>
+          <a:fontRef idx="minor">
+            <a:schemeClr val="tx1"/>
+          </a:fontRef>
+        </p:style>
+      </p:cxnSp>
+      <p:cxnSp>
+        <p:nvCxnSpPr>
+          <p:cNvPr id="118" name="Verbinder: gewinkelt 21">
+            <a:extLst>
+              <a:ext uri="{FF2B5EF4-FFF2-40B4-BE49-F238E27FC236}">
+                <a16:creationId xmlns:a16="http://schemas.microsoft.com/office/drawing/2014/main" id="{7DAA195E-EDC1-4D64-B391-4B75821B5431}"/>
+              </a:ext>
+            </a:extLst>
+          </p:cNvPr>
+          <p:cNvCxnSpPr>
+            <a:cxnSpLocks/>
+            <a:stCxn id="116" idx="3"/>
+            <a:endCxn id="85" idx="1"/>
+          </p:cNvCxnSpPr>
+          <p:nvPr/>
+        </p:nvCxnSpPr>
+        <p:spPr>
+          <a:xfrm>
+            <a:off x="4439179" y="3476619"/>
+            <a:ext cx="1781341" cy="1680633"/>
+          </a:xfrm>
+          <a:prstGeom prst="bentConnector3">
+            <a:avLst>
+              <a:gd name="adj1" fmla="val 50000"/>
+            </a:avLst>
+          </a:prstGeom>
+          <a:ln>
+            <a:solidFill>
+              <a:schemeClr val="bg2">
+                <a:lumMod val="50000"/>
+              </a:schemeClr>
+            </a:solidFill>
+            <a:prstDash val="solid"/>
+            <a:tailEnd type="triangle"/>
+          </a:ln>
+        </p:spPr>
+        <p:style>
+          <a:lnRef idx="1">
+            <a:schemeClr val="accent1"/>
+          </a:lnRef>
+          <a:fillRef idx="0">
+            <a:schemeClr val="accent1"/>
+          </a:fillRef>
+          <a:effectRef idx="0">
+            <a:schemeClr val="accent1"/>
+          </a:effectRef>
+          <a:fontRef idx="minor">
+            <a:schemeClr val="tx1"/>
+          </a:fontRef>
+        </p:style>
+      </p:cxnSp>
+      <p:sp>
+        <p:nvSpPr>
+          <p:cNvPr id="123" name="TextBox 122">
+            <a:extLst>
+              <a:ext uri="{FF2B5EF4-FFF2-40B4-BE49-F238E27FC236}">
+                <a16:creationId xmlns:a16="http://schemas.microsoft.com/office/drawing/2014/main" id="{626CE844-81BA-432D-BEC0-B5E5BC01AD35}"/>
+              </a:ext>
+            </a:extLst>
+          </p:cNvPr>
+          <p:cNvSpPr txBox="1"/>
+          <p:nvPr/>
+        </p:nvSpPr>
+        <p:spPr>
+          <a:xfrm>
+            <a:off x="4428746" y="3284819"/>
+            <a:ext cx="378630" cy="215444"/>
+          </a:xfrm>
+          <a:prstGeom prst="rect">
+            <a:avLst/>
+          </a:prstGeom>
+          <a:noFill/>
+        </p:spPr>
+        <p:txBody>
+          <a:bodyPr wrap="none" rtlCol="0" anchor="ctr">
+            <a:spAutoFit/>
+          </a:bodyPr>
+          <a:lstStyle/>
+          <a:p>
+            <a:r>
+              <a:rPr lang="de-DE" sz="800" dirty="0" err="1">
+                <a:solidFill>
+                  <a:schemeClr val="tx1">
+                    <a:lumMod val="50000"/>
+                  </a:schemeClr>
+                </a:solidFill>
+              </a:rPr>
+              <a:t>float</a:t>
+            </a:r>
+            <a:endParaRPr lang="en-US" sz="800" dirty="0">
+              <a:solidFill>
+                <a:schemeClr val="tx1">
+                  <a:lumMod val="50000"/>
+                </a:schemeClr>
+              </a:solidFill>
+            </a:endParaRPr>
+          </a:p>
+        </p:txBody>
+      </p:sp>
+      <p:sp>
+        <p:nvSpPr>
+          <p:cNvPr id="130" name="Rectangle 129">
+            <a:extLst>
+              <a:ext uri="{FF2B5EF4-FFF2-40B4-BE49-F238E27FC236}">
+                <a16:creationId xmlns:a16="http://schemas.microsoft.com/office/drawing/2014/main" id="{B3B38B7D-21B4-403B-A076-2B846EE278D2}"/>
+              </a:ext>
+            </a:extLst>
+          </p:cNvPr>
+          <p:cNvSpPr/>
+          <p:nvPr/>
+        </p:nvSpPr>
+        <p:spPr>
+          <a:xfrm>
+            <a:off x="8114992" y="1660506"/>
+            <a:ext cx="82124" cy="80360"/>
+          </a:xfrm>
+          <a:prstGeom prst="rect">
+            <a:avLst/>
+          </a:prstGeom>
+          <a:solidFill>
+            <a:schemeClr val="tx1"/>
+          </a:solidFill>
+          <a:ln>
+            <a:noFill/>
+          </a:ln>
+        </p:spPr>
+        <p:style>
+          <a:lnRef idx="2">
+            <a:schemeClr val="accent1">
+              <a:shade val="50000"/>
+            </a:schemeClr>
+          </a:lnRef>
+          <a:fillRef idx="1">
+            <a:schemeClr val="accent1"/>
+          </a:fillRef>
+          <a:effectRef idx="0">
+            <a:schemeClr val="accent1"/>
+          </a:effectRef>
+          <a:fontRef idx="minor">
+            <a:schemeClr val="lt1"/>
+          </a:fontRef>
+        </p:style>
+        <p:txBody>
+          <a:bodyPr rtlCol="0" anchor="ctr"/>
+          <a:lstStyle/>
+          <a:p>
+            <a:pPr algn="ctr"/>
+            <a:endParaRPr lang="en-US"/>
+          </a:p>
+        </p:txBody>
+      </p:sp>
+      <p:sp>
+        <p:nvSpPr>
+          <p:cNvPr id="131" name="Rectangle 130">
+            <a:extLst>
+              <a:ext uri="{FF2B5EF4-FFF2-40B4-BE49-F238E27FC236}">
+                <a16:creationId xmlns:a16="http://schemas.microsoft.com/office/drawing/2014/main" id="{70BC87E9-3A59-4A6A-BC9E-291B13EDBD97}"/>
+              </a:ext>
+            </a:extLst>
+          </p:cNvPr>
+          <p:cNvSpPr/>
+          <p:nvPr/>
+        </p:nvSpPr>
+        <p:spPr>
+          <a:xfrm>
+            <a:off x="8125315" y="1812960"/>
+            <a:ext cx="82124" cy="80360"/>
+          </a:xfrm>
+          <a:prstGeom prst="rect">
+            <a:avLst/>
+          </a:prstGeom>
+          <a:solidFill>
+            <a:schemeClr val="tx1"/>
+          </a:solidFill>
+          <a:ln>
+            <a:noFill/>
+          </a:ln>
+        </p:spPr>
+        <p:style>
+          <a:lnRef idx="2">
+            <a:schemeClr val="accent1">
+              <a:shade val="50000"/>
+            </a:schemeClr>
+          </a:lnRef>
+          <a:fillRef idx="1">
+            <a:schemeClr val="accent1"/>
+          </a:fillRef>
+          <a:effectRef idx="0">
+            <a:schemeClr val="accent1"/>
+          </a:effectRef>
+          <a:fontRef idx="minor">
+            <a:schemeClr val="lt1"/>
+          </a:fontRef>
+        </p:style>
+        <p:txBody>
+          <a:bodyPr rtlCol="0" anchor="ctr"/>
+          <a:lstStyle/>
+          <a:p>
+            <a:pPr algn="ctr"/>
+            <a:endParaRPr lang="en-US"/>
+          </a:p>
+        </p:txBody>
+      </p:sp>
+      <p:sp>
+        <p:nvSpPr>
+          <p:cNvPr id="133" name="Rectangle 132">
+            <a:extLst>
+              <a:ext uri="{FF2B5EF4-FFF2-40B4-BE49-F238E27FC236}">
+                <a16:creationId xmlns:a16="http://schemas.microsoft.com/office/drawing/2014/main" id="{8FA2D05C-8D8B-4828-AAA9-75A20A420480}"/>
+              </a:ext>
+            </a:extLst>
+          </p:cNvPr>
+          <p:cNvSpPr/>
+          <p:nvPr/>
+        </p:nvSpPr>
+        <p:spPr>
+          <a:xfrm>
+            <a:off x="9346104" y="3731184"/>
+            <a:ext cx="82124" cy="80360"/>
+          </a:xfrm>
+          <a:prstGeom prst="rect">
+            <a:avLst/>
+          </a:prstGeom>
+          <a:solidFill>
+            <a:schemeClr val="tx1"/>
+          </a:solidFill>
+          <a:ln>
+            <a:noFill/>
+          </a:ln>
+        </p:spPr>
+        <p:style>
+          <a:lnRef idx="2">
+            <a:schemeClr val="accent1">
+              <a:shade val="50000"/>
+            </a:schemeClr>
+          </a:lnRef>
+          <a:fillRef idx="1">
+            <a:schemeClr val="accent1"/>
+          </a:fillRef>
+          <a:effectRef idx="0">
+            <a:schemeClr val="accent1"/>
+          </a:effectRef>
+          <a:fontRef idx="minor">
+            <a:schemeClr val="lt1"/>
+          </a:fontRef>
+        </p:style>
+        <p:txBody>
+          <a:bodyPr rtlCol="0" anchor="ctr"/>
+          <a:lstStyle/>
+          <a:p>
+            <a:pPr algn="ctr"/>
+            <a:endParaRPr lang="en-US"/>
+          </a:p>
+        </p:txBody>
+      </p:sp>
+      <p:sp>
+        <p:nvSpPr>
+          <p:cNvPr id="134" name="Rectangle 133">
+            <a:extLst>
+              <a:ext uri="{FF2B5EF4-FFF2-40B4-BE49-F238E27FC236}">
+                <a16:creationId xmlns:a16="http://schemas.microsoft.com/office/drawing/2014/main" id="{5D332BF9-B252-4971-92EB-55D4496960EE}"/>
+              </a:ext>
+            </a:extLst>
+          </p:cNvPr>
+          <p:cNvSpPr/>
+          <p:nvPr/>
+        </p:nvSpPr>
+        <p:spPr>
+          <a:xfrm>
+            <a:off x="9356427" y="3883638"/>
+            <a:ext cx="82124" cy="80360"/>
+          </a:xfrm>
+          <a:prstGeom prst="rect">
+            <a:avLst/>
+          </a:prstGeom>
+          <a:solidFill>
+            <a:schemeClr val="tx1"/>
+          </a:solidFill>
+          <a:ln>
+            <a:noFill/>
+          </a:ln>
+        </p:spPr>
+        <p:style>
+          <a:lnRef idx="2">
+            <a:schemeClr val="accent1">
+              <a:shade val="50000"/>
+            </a:schemeClr>
+          </a:lnRef>
+          <a:fillRef idx="1">
+            <a:schemeClr val="accent1"/>
+          </a:fillRef>
+          <a:effectRef idx="0">
+            <a:schemeClr val="accent1"/>
+          </a:effectRef>
+          <a:fontRef idx="minor">
+            <a:schemeClr val="lt1"/>
+          </a:fontRef>
+        </p:style>
+        <p:txBody>
+          <a:bodyPr rtlCol="0" anchor="ctr"/>
+          <a:lstStyle/>
+          <a:p>
+            <a:pPr algn="ctr"/>
+            <a:endParaRPr lang="en-US"/>
+          </a:p>
+        </p:txBody>
+      </p:sp>
+      <p:sp>
+        <p:nvSpPr>
+          <p:cNvPr id="147" name="TextBox 146">
+            <a:extLst>
+              <a:ext uri="{FF2B5EF4-FFF2-40B4-BE49-F238E27FC236}">
+                <a16:creationId xmlns:a16="http://schemas.microsoft.com/office/drawing/2014/main" id="{950C9417-EBF3-4E8E-8BA0-68FF4414836B}"/>
+              </a:ext>
+            </a:extLst>
+          </p:cNvPr>
+          <p:cNvSpPr txBox="1"/>
+          <p:nvPr/>
+        </p:nvSpPr>
+        <p:spPr>
+          <a:xfrm>
+            <a:off x="6077747" y="4326086"/>
+            <a:ext cx="946093" cy="584775"/>
+          </a:xfrm>
+          <a:prstGeom prst="rect">
+            <a:avLst/>
+          </a:prstGeom>
+          <a:noFill/>
+        </p:spPr>
+        <p:txBody>
+          <a:bodyPr wrap="none" rtlCol="0" anchor="ctr">
+            <a:spAutoFit/>
+          </a:bodyPr>
+          <a:lstStyle/>
+          <a:p>
+            <a:r>
+              <a:rPr lang="de-DE" sz="800" dirty="0" err="1">
+                <a:solidFill>
+                  <a:schemeClr val="tx1">
+                    <a:lumMod val="50000"/>
+                  </a:schemeClr>
+                </a:solidFill>
+              </a:rPr>
+              <a:t>Procedure</a:t>
+            </a:r>
+            <a:r>
+              <a:rPr lang="de-DE" sz="800" dirty="0">
+                <a:solidFill>
+                  <a:schemeClr val="tx1">
+                    <a:lumMod val="50000"/>
+                  </a:schemeClr>
+                </a:solidFill>
+              </a:rPr>
+              <a:t> </a:t>
+            </a:r>
+            <a:r>
+              <a:rPr lang="de-DE" sz="800" dirty="0" err="1">
+                <a:solidFill>
+                  <a:schemeClr val="tx1">
+                    <a:lumMod val="50000"/>
+                  </a:schemeClr>
+                </a:solidFill>
+              </a:rPr>
+              <a:t>Types</a:t>
+            </a:r>
+            <a:r>
+              <a:rPr lang="de-DE" sz="800" dirty="0">
+                <a:solidFill>
+                  <a:schemeClr val="tx1">
+                    <a:lumMod val="50000"/>
+                  </a:schemeClr>
+                </a:solidFill>
+              </a:rPr>
+              <a:t>:</a:t>
+            </a:r>
+          </a:p>
+          <a:p>
+            <a:r>
+              <a:rPr lang="de-DE" sz="800" dirty="0">
+                <a:solidFill>
+                  <a:schemeClr val="tx1">
+                    <a:lumMod val="50000"/>
+                  </a:schemeClr>
+                </a:solidFill>
+              </a:rPr>
+              <a:t>-General</a:t>
+            </a:r>
+          </a:p>
+          <a:p>
+            <a:r>
+              <a:rPr lang="de-DE" sz="800" dirty="0">
+                <a:solidFill>
+                  <a:schemeClr val="tx1">
+                    <a:lumMod val="50000"/>
+                  </a:schemeClr>
+                </a:solidFill>
+              </a:rPr>
+              <a:t>-Internal Standard</a:t>
+            </a:r>
+          </a:p>
+          <a:p>
+            <a:r>
+              <a:rPr lang="de-DE" sz="800" dirty="0">
+                <a:solidFill>
+                  <a:schemeClr val="tx1">
+                    <a:lumMod val="50000"/>
+                  </a:schemeClr>
+                </a:solidFill>
+              </a:rPr>
+              <a:t>-ISO Standard</a:t>
+            </a:r>
+            <a:endParaRPr lang="en-US" sz="800" dirty="0">
+              <a:solidFill>
+                <a:schemeClr val="tx1">
+                  <a:lumMod val="50000"/>
+                </a:schemeClr>
+              </a:solidFill>
+            </a:endParaRPr>
+          </a:p>
+        </p:txBody>
+      </p:sp>
+      <p:cxnSp>
+        <p:nvCxnSpPr>
+          <p:cNvPr id="148" name="Verbinder: gewinkelt 21">
+            <a:extLst>
+              <a:ext uri="{FF2B5EF4-FFF2-40B4-BE49-F238E27FC236}">
+                <a16:creationId xmlns:a16="http://schemas.microsoft.com/office/drawing/2014/main" id="{CAEEC70B-9002-4AC0-9A34-415DDF9067C4}"/>
+              </a:ext>
+            </a:extLst>
+          </p:cNvPr>
+          <p:cNvCxnSpPr>
+            <a:cxnSpLocks/>
+            <a:stCxn id="85" idx="3"/>
+            <a:endCxn id="119" idx="2"/>
+          </p:cNvCxnSpPr>
+          <p:nvPr/>
+        </p:nvCxnSpPr>
+        <p:spPr>
+          <a:xfrm>
+            <a:off x="7240184" y="5157252"/>
+            <a:ext cx="3292933" cy="708269"/>
+          </a:xfrm>
+          <a:prstGeom prst="bentConnector4">
+            <a:avLst>
+              <a:gd name="adj1" fmla="val 46005"/>
+              <a:gd name="adj2" fmla="val 132276"/>
+            </a:avLst>
+          </a:prstGeom>
+          <a:ln>
+            <a:solidFill>
+              <a:srgbClr val="0070C0"/>
+            </a:solidFill>
+            <a:prstDash val="dash"/>
+            <a:tailEnd type="triangle"/>
+          </a:ln>
+        </p:spPr>
+        <p:style>
+          <a:lnRef idx="1">
+            <a:schemeClr val="accent1"/>
+          </a:lnRef>
+          <a:fillRef idx="0">
+            <a:schemeClr val="accent1"/>
+          </a:fillRef>
+          <a:effectRef idx="0">
+            <a:schemeClr val="accent1"/>
+          </a:effectRef>
+          <a:fontRef idx="minor">
+            <a:schemeClr val="tx1"/>
+          </a:fontRef>
+        </p:style>
+      </p:cxnSp>
+      <p:sp>
+        <p:nvSpPr>
+          <p:cNvPr id="152" name="TextBox 151">
+            <a:extLst>
+              <a:ext uri="{FF2B5EF4-FFF2-40B4-BE49-F238E27FC236}">
+                <a16:creationId xmlns:a16="http://schemas.microsoft.com/office/drawing/2014/main" id="{D0A247B7-2E8D-49D7-854E-287E36529294}"/>
+              </a:ext>
+            </a:extLst>
+          </p:cNvPr>
+          <p:cNvSpPr txBox="1"/>
+          <p:nvPr/>
+        </p:nvSpPr>
+        <p:spPr>
+          <a:xfrm>
+            <a:off x="1830960" y="1369126"/>
+            <a:ext cx="1138453" cy="461665"/>
+          </a:xfrm>
+          <a:prstGeom prst="rect">
+            <a:avLst/>
+          </a:prstGeom>
+          <a:noFill/>
+        </p:spPr>
+        <p:txBody>
+          <a:bodyPr wrap="none" rtlCol="0" anchor="ctr">
+            <a:spAutoFit/>
+          </a:bodyPr>
+          <a:lstStyle/>
+          <a:p>
+            <a:r>
+              <a:rPr lang="de-DE" sz="800" dirty="0">
+                <a:solidFill>
+                  <a:schemeClr val="tx1">
+                    <a:lumMod val="50000"/>
+                  </a:schemeClr>
+                </a:solidFill>
+              </a:rPr>
+              <a:t>Test Plan </a:t>
+            </a:r>
+            <a:r>
+              <a:rPr lang="de-DE" sz="800" dirty="0" err="1">
+                <a:solidFill>
+                  <a:schemeClr val="tx1">
+                    <a:lumMod val="50000"/>
+                  </a:schemeClr>
+                </a:solidFill>
+              </a:rPr>
+              <a:t>Templ</a:t>
+            </a:r>
+            <a:r>
+              <a:rPr lang="de-DE" sz="800" dirty="0">
+                <a:solidFill>
+                  <a:schemeClr val="tx1">
+                    <a:lumMod val="50000"/>
+                  </a:schemeClr>
+                </a:solidFill>
+              </a:rPr>
+              <a:t> </a:t>
+            </a:r>
+            <a:r>
+              <a:rPr lang="de-DE" sz="800" dirty="0" err="1">
+                <a:solidFill>
+                  <a:schemeClr val="tx1">
+                    <a:lumMod val="50000"/>
+                  </a:schemeClr>
+                </a:solidFill>
+              </a:rPr>
+              <a:t>Types</a:t>
+            </a:r>
+            <a:r>
+              <a:rPr lang="de-DE" sz="800" dirty="0">
+                <a:solidFill>
+                  <a:schemeClr val="tx1">
+                    <a:lumMod val="50000"/>
+                  </a:schemeClr>
+                </a:solidFill>
+              </a:rPr>
+              <a:t>:</a:t>
+            </a:r>
+          </a:p>
+          <a:p>
+            <a:r>
+              <a:rPr lang="de-DE" sz="800" dirty="0">
+                <a:solidFill>
+                  <a:schemeClr val="tx1">
+                    <a:lumMod val="50000"/>
+                  </a:schemeClr>
+                </a:solidFill>
+              </a:rPr>
+              <a:t>-Design Validation</a:t>
+            </a:r>
+          </a:p>
+          <a:p>
+            <a:r>
+              <a:rPr lang="de-DE" sz="800" dirty="0">
+                <a:solidFill>
+                  <a:schemeClr val="tx1">
+                    <a:lumMod val="50000"/>
+                  </a:schemeClr>
+                </a:solidFill>
+              </a:rPr>
+              <a:t>-</a:t>
+            </a:r>
+            <a:r>
+              <a:rPr lang="de-DE" sz="800" dirty="0" err="1">
+                <a:solidFill>
+                  <a:schemeClr val="tx1">
+                    <a:lumMod val="50000"/>
+                  </a:schemeClr>
+                </a:solidFill>
+              </a:rPr>
+              <a:t>Physical</a:t>
+            </a:r>
+            <a:r>
+              <a:rPr lang="de-DE" sz="800" dirty="0">
+                <a:solidFill>
+                  <a:schemeClr val="tx1">
+                    <a:lumMod val="50000"/>
+                  </a:schemeClr>
+                </a:solidFill>
+              </a:rPr>
+              <a:t> </a:t>
+            </a:r>
+            <a:r>
+              <a:rPr lang="de-DE" sz="800" dirty="0" err="1">
+                <a:solidFill>
+                  <a:schemeClr val="tx1">
+                    <a:lumMod val="50000"/>
+                  </a:schemeClr>
+                </a:solidFill>
+              </a:rPr>
+              <a:t>Testing</a:t>
+            </a:r>
+            <a:endParaRPr lang="en-US" sz="800" dirty="0">
+              <a:solidFill>
+                <a:schemeClr val="tx1">
+                  <a:lumMod val="50000"/>
+                </a:schemeClr>
+              </a:solidFill>
+            </a:endParaRPr>
+          </a:p>
+        </p:txBody>
+      </p:sp>
+      <p:sp>
+        <p:nvSpPr>
+          <p:cNvPr id="9" name="Arrow: Right 8">
+            <a:extLst>
+              <a:ext uri="{FF2B5EF4-FFF2-40B4-BE49-F238E27FC236}">
+                <a16:creationId xmlns:a16="http://schemas.microsoft.com/office/drawing/2014/main" id="{E3BDF167-A0BB-4EFA-A88D-5513EDACEC9C}"/>
+              </a:ext>
+            </a:extLst>
+          </p:cNvPr>
+          <p:cNvSpPr/>
+          <p:nvPr/>
+        </p:nvSpPr>
+        <p:spPr>
+          <a:xfrm>
+            <a:off x="4062366" y="1221811"/>
+            <a:ext cx="1578589" cy="1076288"/>
+          </a:xfrm>
+          <a:prstGeom prst="rightArrow">
+            <a:avLst>
+              <a:gd name="adj1" fmla="val 67700"/>
+              <a:gd name="adj2" fmla="val 50000"/>
+            </a:avLst>
+          </a:prstGeom>
+          <a:solidFill>
+            <a:schemeClr val="bg1">
+              <a:lumMod val="85000"/>
+            </a:schemeClr>
+          </a:solidFill>
+          <a:ln>
+            <a:solidFill>
+              <a:schemeClr val="bg2">
+                <a:lumMod val="50000"/>
+              </a:schemeClr>
+            </a:solidFill>
+          </a:ln>
+        </p:spPr>
+        <p:style>
+          <a:lnRef idx="2">
+            <a:schemeClr val="accent1">
+              <a:shade val="50000"/>
+            </a:schemeClr>
+          </a:lnRef>
+          <a:fillRef idx="1">
+            <a:schemeClr val="accent1"/>
+          </a:fillRef>
+          <a:effectRef idx="0">
+            <a:schemeClr val="accent1"/>
+          </a:effectRef>
+          <a:fontRef idx="minor">
+            <a:schemeClr val="lt1"/>
+          </a:fontRef>
+        </p:style>
+        <p:txBody>
+          <a:bodyPr rtlCol="0" anchor="ctr"/>
+          <a:lstStyle/>
+          <a:p>
+            <a:pPr algn="ctr"/>
+            <a:r>
+              <a:rPr lang="de-DE" sz="800" dirty="0">
+                <a:solidFill>
+                  <a:schemeClr val="bg2">
+                    <a:lumMod val="50000"/>
+                  </a:schemeClr>
+                </a:solidFill>
+              </a:rPr>
+              <a:t>Method code </a:t>
+            </a:r>
+            <a:r>
+              <a:rPr lang="de-DE" sz="800" dirty="0" err="1">
+                <a:solidFill>
+                  <a:schemeClr val="bg2">
+                    <a:lumMod val="50000"/>
+                  </a:schemeClr>
+                </a:solidFill>
+              </a:rPr>
+              <a:t>to</a:t>
+            </a:r>
+            <a:r>
+              <a:rPr lang="de-DE" sz="800" dirty="0">
+                <a:solidFill>
+                  <a:schemeClr val="bg2">
+                    <a:lumMod val="50000"/>
+                  </a:schemeClr>
+                </a:solidFill>
+              </a:rPr>
+              <a:t> </a:t>
+            </a:r>
+            <a:r>
+              <a:rPr lang="de-DE" sz="800" dirty="0" err="1">
+                <a:solidFill>
+                  <a:schemeClr val="bg2">
+                    <a:lumMod val="50000"/>
+                  </a:schemeClr>
+                </a:solidFill>
+              </a:rPr>
+              <a:t>instatiate</a:t>
+            </a:r>
+            <a:r>
+              <a:rPr lang="de-DE" sz="800" dirty="0">
+                <a:solidFill>
+                  <a:schemeClr val="bg2">
+                    <a:lumMod val="50000"/>
+                  </a:schemeClr>
+                </a:solidFill>
+              </a:rPr>
+              <a:t> </a:t>
+            </a:r>
+            <a:r>
+              <a:rPr lang="de-DE" sz="800" dirty="0" err="1">
+                <a:solidFill>
+                  <a:schemeClr val="bg2">
+                    <a:lumMod val="50000"/>
+                  </a:schemeClr>
+                </a:solidFill>
+              </a:rPr>
+              <a:t>TestPlan</a:t>
+            </a:r>
+            <a:r>
+              <a:rPr lang="de-DE" sz="800" dirty="0">
+                <a:solidFill>
+                  <a:schemeClr val="bg2">
+                    <a:lumMod val="50000"/>
+                  </a:schemeClr>
+                </a:solidFill>
+              </a:rPr>
+              <a:t> </a:t>
+            </a:r>
+            <a:r>
+              <a:rPr lang="de-DE" sz="800" dirty="0" err="1">
+                <a:solidFill>
+                  <a:schemeClr val="bg2">
+                    <a:lumMod val="50000"/>
+                  </a:schemeClr>
+                </a:solidFill>
+              </a:rPr>
+              <a:t>from</a:t>
+            </a:r>
+            <a:r>
+              <a:rPr lang="de-DE" sz="800" dirty="0">
+                <a:solidFill>
+                  <a:schemeClr val="bg2">
+                    <a:lumMod val="50000"/>
+                  </a:schemeClr>
+                </a:solidFill>
+              </a:rPr>
+              <a:t> Template</a:t>
+            </a:r>
+            <a:endParaRPr lang="en-US" sz="800" dirty="0">
+              <a:solidFill>
+                <a:schemeClr val="bg2">
+                  <a:lumMod val="50000"/>
+                </a:schemeClr>
+              </a:solidFill>
+            </a:endParaRPr>
+          </a:p>
+        </p:txBody>
+      </p:sp>
+      <p:sp>
+        <p:nvSpPr>
+          <p:cNvPr id="111" name="Rechteck 114">
+            <a:extLst>
+              <a:ext uri="{FF2B5EF4-FFF2-40B4-BE49-F238E27FC236}">
+                <a16:creationId xmlns:a16="http://schemas.microsoft.com/office/drawing/2014/main" id="{47551BCC-CB4C-4F1B-88EE-395F144CFE95}"/>
+              </a:ext>
+            </a:extLst>
+          </p:cNvPr>
+          <p:cNvSpPr/>
+          <p:nvPr/>
+        </p:nvSpPr>
+        <p:spPr>
+          <a:xfrm>
+            <a:off x="2210088" y="2589561"/>
+            <a:ext cx="1019664" cy="433738"/>
+          </a:xfrm>
+          <a:prstGeom prst="rect">
+            <a:avLst/>
+          </a:prstGeom>
+          <a:solidFill>
+            <a:schemeClr val="bg1"/>
+          </a:solidFill>
+          <a:ln>
+            <a:solidFill>
+              <a:schemeClr val="bg2">
+                <a:lumMod val="50000"/>
+              </a:schemeClr>
+            </a:solidFill>
+          </a:ln>
+        </p:spPr>
+        <p:style>
+          <a:lnRef idx="2">
+            <a:schemeClr val="accent1">
+              <a:shade val="50000"/>
+            </a:schemeClr>
+          </a:lnRef>
+          <a:fillRef idx="1">
+            <a:schemeClr val="accent1"/>
+          </a:fillRef>
+          <a:effectRef idx="0">
+            <a:schemeClr val="accent1"/>
+          </a:effectRef>
+          <a:fontRef idx="minor">
+            <a:schemeClr val="lt1"/>
+          </a:fontRef>
+        </p:style>
+        <p:txBody>
+          <a:bodyPr rtlCol="0" anchor="ctr"/>
+          <a:lstStyle/>
+          <a:p>
+            <a:pPr algn="ctr"/>
+            <a:r>
+              <a:rPr lang="en-US" sz="600" dirty="0">
+                <a:solidFill>
+                  <a:schemeClr val="bg2">
+                    <a:lumMod val="50000"/>
+                  </a:schemeClr>
+                </a:solidFill>
+              </a:rPr>
+              <a:t>&lt;&lt;ItemType&gt;&gt;</a:t>
+            </a:r>
+          </a:p>
+          <a:p>
+            <a:pPr algn="ctr"/>
+            <a:r>
+              <a:rPr lang="en-US" sz="600" dirty="0" err="1">
+                <a:solidFill>
+                  <a:schemeClr val="bg2">
+                    <a:lumMod val="50000"/>
+                  </a:schemeClr>
+                </a:solidFill>
+              </a:rPr>
+              <a:t>vt_TestRunTemplate</a:t>
+            </a:r>
+            <a:endParaRPr lang="en-US" sz="600" dirty="0">
+              <a:solidFill>
+                <a:schemeClr val="bg2">
+                  <a:lumMod val="50000"/>
+                </a:schemeClr>
+              </a:solidFill>
+            </a:endParaRPr>
+          </a:p>
+        </p:txBody>
+      </p:sp>
+      <p:cxnSp>
+        <p:nvCxnSpPr>
+          <p:cNvPr id="124" name="Verbinder: gewinkelt 21">
+            <a:extLst>
+              <a:ext uri="{FF2B5EF4-FFF2-40B4-BE49-F238E27FC236}">
+                <a16:creationId xmlns:a16="http://schemas.microsoft.com/office/drawing/2014/main" id="{B299CFCF-DFCA-42EC-8979-32EA7647D749}"/>
+              </a:ext>
+            </a:extLst>
+          </p:cNvPr>
+          <p:cNvCxnSpPr>
+            <a:cxnSpLocks/>
+            <a:stCxn id="111" idx="2"/>
+            <a:endCxn id="116" idx="1"/>
+          </p:cNvCxnSpPr>
+          <p:nvPr/>
+        </p:nvCxnSpPr>
+        <p:spPr>
+          <a:xfrm rot="16200000" flipH="1">
+            <a:off x="2664651" y="3078568"/>
+            <a:ext cx="453320" cy="342782"/>
+          </a:xfrm>
+          <a:prstGeom prst="bentConnector2">
+            <a:avLst/>
+          </a:prstGeom>
+          <a:ln>
+            <a:solidFill>
+              <a:schemeClr val="bg2">
+                <a:lumMod val="50000"/>
+              </a:schemeClr>
+            </a:solidFill>
+            <a:prstDash val="solid"/>
+            <a:tailEnd type="triangle"/>
+          </a:ln>
+        </p:spPr>
+        <p:style>
+          <a:lnRef idx="1">
+            <a:schemeClr val="accent1"/>
+          </a:lnRef>
+          <a:fillRef idx="0">
+            <a:schemeClr val="accent1"/>
+          </a:fillRef>
+          <a:effectRef idx="0">
+            <a:schemeClr val="accent1"/>
+          </a:effectRef>
+          <a:fontRef idx="minor">
+            <a:schemeClr val="tx1"/>
+          </a:fontRef>
+        </p:style>
+      </p:cxnSp>
+      <p:grpSp>
+        <p:nvGrpSpPr>
+          <p:cNvPr id="126" name="Group 125">
+            <a:extLst>
+              <a:ext uri="{FF2B5EF4-FFF2-40B4-BE49-F238E27FC236}">
+                <a16:creationId xmlns:a16="http://schemas.microsoft.com/office/drawing/2014/main" id="{ACBCF220-F547-4F10-872C-9247412830CF}"/>
+              </a:ext>
+            </a:extLst>
+          </p:cNvPr>
+          <p:cNvGrpSpPr/>
+          <p:nvPr/>
+        </p:nvGrpSpPr>
+        <p:grpSpPr>
+          <a:xfrm>
+            <a:off x="3022188" y="2468420"/>
+            <a:ext cx="554450" cy="203116"/>
+            <a:chOff x="3405154" y="1182384"/>
+            <a:chExt cx="856162" cy="314082"/>
+          </a:xfrm>
+        </p:grpSpPr>
+        <p:sp>
+          <p:nvSpPr>
+            <p:cNvPr id="127" name="Arrow: Pentagon 126">
+              <a:extLst>
+                <a:ext uri="{FF2B5EF4-FFF2-40B4-BE49-F238E27FC236}">
+                  <a16:creationId xmlns:a16="http://schemas.microsoft.com/office/drawing/2014/main" id="{09F04140-12E2-46F0-842B-7F8DD3E6FBAE}"/>
+                </a:ext>
+              </a:extLst>
+            </p:cNvPr>
+            <p:cNvSpPr/>
+            <p:nvPr/>
+          </p:nvSpPr>
+          <p:spPr>
+            <a:xfrm>
+              <a:off x="3494427" y="1336522"/>
+              <a:ext cx="255452" cy="159944"/>
+            </a:xfrm>
+            <a:prstGeom prst="homePlate">
+              <a:avLst/>
+            </a:prstGeom>
+            <a:solidFill>
+              <a:schemeClr val="bg1">
+                <a:lumMod val="75000"/>
+              </a:schemeClr>
+            </a:solidFill>
+            <a:ln>
+              <a:noFill/>
+            </a:ln>
+          </p:spPr>
+          <p:style>
+            <a:lnRef idx="2">
+              <a:schemeClr val="accent1">
+                <a:shade val="50000"/>
+              </a:schemeClr>
+            </a:lnRef>
+            <a:fillRef idx="1">
+              <a:schemeClr val="accent1"/>
+            </a:fillRef>
+            <a:effectRef idx="0">
+              <a:schemeClr val="accent1"/>
+            </a:effectRef>
+            <a:fontRef idx="minor">
+              <a:schemeClr val="lt1"/>
+            </a:fontRef>
+          </p:style>
+          <p:txBody>
+            <a:bodyPr rtlCol="0" anchor="ctr"/>
+            <a:lstStyle/>
+            <a:p>
+              <a:pPr algn="ctr"/>
+              <a:endParaRPr lang="en-US"/>
+            </a:p>
+          </p:txBody>
+        </p:sp>
+        <p:sp>
+          <p:nvSpPr>
+            <p:cNvPr id="136" name="Arrow: Pentagon 135">
+              <a:extLst>
+                <a:ext uri="{FF2B5EF4-FFF2-40B4-BE49-F238E27FC236}">
+                  <a16:creationId xmlns:a16="http://schemas.microsoft.com/office/drawing/2014/main" id="{0C58A3CA-29CE-4642-9833-FE1AB266F589}"/>
+                </a:ext>
+              </a:extLst>
+            </p:cNvPr>
+            <p:cNvSpPr/>
+            <p:nvPr/>
+          </p:nvSpPr>
+          <p:spPr>
+            <a:xfrm>
+              <a:off x="3749879" y="1336522"/>
+              <a:ext cx="255452" cy="159944"/>
+            </a:xfrm>
+            <a:prstGeom prst="homePlate">
+              <a:avLst/>
+            </a:prstGeom>
+            <a:solidFill>
+              <a:schemeClr val="bg1">
+                <a:lumMod val="75000"/>
+              </a:schemeClr>
+            </a:solidFill>
+            <a:ln>
+              <a:noFill/>
+            </a:ln>
+          </p:spPr>
+          <p:style>
+            <a:lnRef idx="2">
+              <a:schemeClr val="accent1">
+                <a:shade val="50000"/>
+              </a:schemeClr>
+            </a:lnRef>
+            <a:fillRef idx="1">
+              <a:schemeClr val="accent1"/>
+            </a:fillRef>
+            <a:effectRef idx="0">
+              <a:schemeClr val="accent1"/>
+            </a:effectRef>
+            <a:fontRef idx="minor">
+              <a:schemeClr val="lt1"/>
+            </a:fontRef>
+          </p:style>
+          <p:txBody>
+            <a:bodyPr rtlCol="0" anchor="ctr"/>
+            <a:lstStyle/>
+            <a:p>
+              <a:pPr algn="ctr"/>
+              <a:endParaRPr lang="en-US"/>
+            </a:p>
+          </p:txBody>
+        </p:sp>
+        <p:sp>
+          <p:nvSpPr>
+            <p:cNvPr id="137" name="Arrow: Pentagon 136">
+              <a:extLst>
+                <a:ext uri="{FF2B5EF4-FFF2-40B4-BE49-F238E27FC236}">
+                  <a16:creationId xmlns:a16="http://schemas.microsoft.com/office/drawing/2014/main" id="{652E43A0-9EDF-4C2C-A2A7-E4618013D773}"/>
+                </a:ext>
+              </a:extLst>
+            </p:cNvPr>
+            <p:cNvSpPr/>
+            <p:nvPr/>
+          </p:nvSpPr>
+          <p:spPr>
+            <a:xfrm>
+              <a:off x="4005864" y="1335024"/>
+              <a:ext cx="255452" cy="159944"/>
+            </a:xfrm>
+            <a:prstGeom prst="homePlate">
+              <a:avLst/>
+            </a:prstGeom>
+            <a:solidFill>
+              <a:schemeClr val="bg1">
+                <a:lumMod val="75000"/>
+              </a:schemeClr>
+            </a:solidFill>
+            <a:ln>
+              <a:noFill/>
+            </a:ln>
+          </p:spPr>
+          <p:style>
+            <a:lnRef idx="2">
+              <a:schemeClr val="accent1">
+                <a:shade val="50000"/>
+              </a:schemeClr>
+            </a:lnRef>
+            <a:fillRef idx="1">
+              <a:schemeClr val="accent1"/>
+            </a:fillRef>
+            <a:effectRef idx="0">
+              <a:schemeClr val="accent1"/>
+            </a:effectRef>
+            <a:fontRef idx="minor">
+              <a:schemeClr val="lt1"/>
+            </a:fontRef>
+          </p:style>
+          <p:txBody>
+            <a:bodyPr rtlCol="0" anchor="ctr"/>
+            <a:lstStyle/>
+            <a:p>
+              <a:pPr algn="ctr"/>
+              <a:endParaRPr lang="en-US"/>
+            </a:p>
+          </p:txBody>
+        </p:sp>
+        <p:sp>
+          <p:nvSpPr>
+            <p:cNvPr id="138" name="TextBox 137">
+              <a:extLst>
+                <a:ext uri="{FF2B5EF4-FFF2-40B4-BE49-F238E27FC236}">
+                  <a16:creationId xmlns:a16="http://schemas.microsoft.com/office/drawing/2014/main" id="{5B93EA90-8B61-47B7-944D-950FBABF4799}"/>
+                </a:ext>
+              </a:extLst>
+            </p:cNvPr>
+            <p:cNvSpPr txBox="1"/>
+            <p:nvPr/>
+          </p:nvSpPr>
+          <p:spPr>
+            <a:xfrm>
+              <a:off x="3405154" y="1182384"/>
+              <a:ext cx="503664" cy="184666"/>
+            </a:xfrm>
+            <a:prstGeom prst="rect">
+              <a:avLst/>
+            </a:prstGeom>
+            <a:noFill/>
+          </p:spPr>
+          <p:txBody>
+            <a:bodyPr wrap="none" rtlCol="0" anchor="ctr">
+              <a:spAutoFit/>
+            </a:bodyPr>
+            <a:lstStyle/>
+            <a:p>
+              <a:r>
+                <a:rPr lang="de-DE" sz="600" dirty="0">
+                  <a:solidFill>
+                    <a:schemeClr val="tx1">
+                      <a:lumMod val="50000"/>
+                    </a:schemeClr>
+                  </a:solidFill>
+                </a:rPr>
+                <a:t>LifeCycle</a:t>
+              </a:r>
+              <a:endParaRPr lang="en-US" sz="600" dirty="0">
+                <a:solidFill>
+                  <a:schemeClr val="tx1">
+                    <a:lumMod val="50000"/>
+                  </a:schemeClr>
+                </a:solidFill>
+              </a:endParaRPr>
+            </a:p>
+          </p:txBody>
+        </p:sp>
+      </p:grpSp>
     </p:spTree>
     <p:extLst>
       <p:ext uri="{BB962C8B-B14F-4D97-AF65-F5344CB8AC3E}">
-        <p14:creationId xmlns:p14="http://schemas.microsoft.com/office/powerpoint/2010/main" val="1681725545"/>
+        <p14:creationId xmlns:p14="http://schemas.microsoft.com/office/powerpoint/2010/main" val="2736769465"/>
       </p:ext>
     </p:extLst>
   </p:cSld>
@@ -9137,10 +14683,10 @@
       </p:grpSpPr>
       <p:pic>
         <p:nvPicPr>
-          <p:cNvPr id="3" name="Picture 2">
-            <a:extLst>
-              <a:ext uri="{FF2B5EF4-FFF2-40B4-BE49-F238E27FC236}">
-                <a16:creationId xmlns:a16="http://schemas.microsoft.com/office/drawing/2014/main" id="{695632F2-EFD8-4C20-9B7A-FBA79348D30D}"/>
+          <p:cNvPr id="5" name="Picture 4">
+            <a:extLst>
+              <a:ext uri="{FF2B5EF4-FFF2-40B4-BE49-F238E27FC236}">
+                <a16:creationId xmlns:a16="http://schemas.microsoft.com/office/drawing/2014/main" id="{0AA50BC1-D2FE-446D-A6F8-BCCC220A343E}"/>
               </a:ext>
             </a:extLst>
           </p:cNvPr>
@@ -9157,7 +14703,125 @@
         </p:blipFill>
         <p:spPr>
           <a:xfrm>
-            <a:off x="182511" y="616792"/>
+            <a:off x="378039" y="373225"/>
+            <a:ext cx="9061429" cy="4946734"/>
+          </a:xfrm>
+          <a:prstGeom prst="rect">
+            <a:avLst/>
+          </a:prstGeom>
+          <a:ln>
+            <a:solidFill>
+              <a:schemeClr val="bg1">
+                <a:lumMod val="75000"/>
+              </a:schemeClr>
+            </a:solidFill>
+          </a:ln>
+          <a:effectLst>
+            <a:outerShdw blurRad="50800" dist="38100" dir="2700000" algn="tl" rotWithShape="0">
+              <a:prstClr val="black">
+                <a:alpha val="40000"/>
+              </a:prstClr>
+            </a:outerShdw>
+          </a:effectLst>
+        </p:spPr>
+      </p:pic>
+      <p:pic>
+        <p:nvPicPr>
+          <p:cNvPr id="7" name="Picture 6">
+            <a:extLst>
+              <a:ext uri="{FF2B5EF4-FFF2-40B4-BE49-F238E27FC236}">
+                <a16:creationId xmlns:a16="http://schemas.microsoft.com/office/drawing/2014/main" id="{B6305C15-5794-4738-ABEB-E3ED39CA091D}"/>
+              </a:ext>
+            </a:extLst>
+          </p:cNvPr>
+          <p:cNvPicPr>
+            <a:picLocks noChangeAspect="1"/>
+          </p:cNvPicPr>
+          <p:nvPr/>
+        </p:nvPicPr>
+        <p:blipFill>
+          <a:blip r:embed="rId3"/>
+          <a:stretch>
+            <a:fillRect/>
+          </a:stretch>
+        </p:blipFill>
+        <p:spPr>
+          <a:xfrm>
+            <a:off x="2491275" y="2108717"/>
+            <a:ext cx="8606523" cy="4014371"/>
+          </a:xfrm>
+          <a:prstGeom prst="rect">
+            <a:avLst/>
+          </a:prstGeom>
+          <a:ln>
+            <a:solidFill>
+              <a:schemeClr val="bg1">
+                <a:lumMod val="75000"/>
+              </a:schemeClr>
+            </a:solidFill>
+          </a:ln>
+          <a:effectLst>
+            <a:outerShdw blurRad="50800" dist="38100" dir="2700000" algn="tl" rotWithShape="0">
+              <a:prstClr val="black">
+                <a:alpha val="40000"/>
+              </a:prstClr>
+            </a:outerShdw>
+          </a:effectLst>
+        </p:spPr>
+      </p:pic>
+    </p:spTree>
+    <p:extLst>
+      <p:ext uri="{BB962C8B-B14F-4D97-AF65-F5344CB8AC3E}">
+        <p14:creationId xmlns:p14="http://schemas.microsoft.com/office/powerpoint/2010/main" val="1681725545"/>
+      </p:ext>
+    </p:extLst>
+  </p:cSld>
+  <p:clrMapOvr>
+    <a:masterClrMapping/>
+  </p:clrMapOvr>
+</p:sld>
+</file>
+
+<file path=ppt/slides/slide6.xml><?xml version="1.0" encoding="utf-8"?>
+<p:sld xmlns:a="http://schemas.openxmlformats.org/drawingml/2006/main" xmlns:r="http://schemas.openxmlformats.org/officeDocument/2006/relationships" xmlns:p="http://schemas.openxmlformats.org/presentationml/2006/main">
+  <p:cSld>
+    <p:spTree>
+      <p:nvGrpSpPr>
+        <p:cNvPr id="1" name=""/>
+        <p:cNvGrpSpPr/>
+        <p:nvPr/>
+      </p:nvGrpSpPr>
+      <p:grpSpPr>
+        <a:xfrm>
+          <a:off x="0" y="0"/>
+          <a:ext cx="0" cy="0"/>
+          <a:chOff x="0" y="0"/>
+          <a:chExt cx="0" cy="0"/>
+        </a:xfrm>
+      </p:grpSpPr>
+      <p:pic>
+        <p:nvPicPr>
+          <p:cNvPr id="3" name="Picture 2">
+            <a:extLst>
+              <a:ext uri="{FF2B5EF4-FFF2-40B4-BE49-F238E27FC236}">
+                <a16:creationId xmlns:a16="http://schemas.microsoft.com/office/drawing/2014/main" id="{695632F2-EFD8-4C20-9B7A-FBA79348D30D}"/>
+              </a:ext>
+            </a:extLst>
+          </p:cNvPr>
+          <p:cNvPicPr>
+            <a:picLocks noChangeAspect="1"/>
+          </p:cNvPicPr>
+          <p:nvPr/>
+        </p:nvPicPr>
+        <p:blipFill>
+          <a:blip r:embed="rId2"/>
+          <a:stretch>
+            <a:fillRect/>
+          </a:stretch>
+        </p:blipFill>
+        <p:spPr>
+          <a:xfrm>
+            <a:off x="182511" y="949325"/>
             <a:ext cx="8337971" cy="4116655"/>
           </a:xfrm>
           <a:prstGeom prst="rect">
@@ -9201,7 +14865,7 @@
         </p:blipFill>
         <p:spPr>
           <a:xfrm>
-            <a:off x="3498183" y="2171700"/>
+            <a:off x="3498183" y="2333625"/>
             <a:ext cx="8693817" cy="4284112"/>
           </a:xfrm>
           <a:prstGeom prst="rect">
@@ -9223,6 +14887,56 @@
           </a:effectLst>
         </p:spPr>
       </p:pic>
+      <p:sp>
+        <p:nvSpPr>
+          <p:cNvPr id="2" name="Title 1">
+            <a:extLst>
+              <a:ext uri="{FF2B5EF4-FFF2-40B4-BE49-F238E27FC236}">
+                <a16:creationId xmlns:a16="http://schemas.microsoft.com/office/drawing/2014/main" id="{591FFDD4-B042-4984-83D0-AE60D42F4695}"/>
+              </a:ext>
+            </a:extLst>
+          </p:cNvPr>
+          <p:cNvSpPr>
+            <a:spLocks noGrp="1"/>
+          </p:cNvSpPr>
+          <p:nvPr>
+            <p:ph type="title"/>
+          </p:nvPr>
+        </p:nvSpPr>
+        <p:spPr>
+          <a:xfrm>
+            <a:off x="182511" y="0"/>
+            <a:ext cx="10515600" cy="787400"/>
+          </a:xfrm>
+        </p:spPr>
+        <p:txBody>
+          <a:bodyPr/>
+          <a:lstStyle/>
+          <a:p>
+            <a:r>
+              <a:rPr lang="de-DE" dirty="0" err="1"/>
+              <a:t>Connected</a:t>
+            </a:r>
+            <a:r>
+              <a:rPr lang="de-DE" dirty="0"/>
+              <a:t> </a:t>
+            </a:r>
+            <a:r>
+              <a:rPr lang="de-DE" dirty="0" err="1"/>
+              <a:t>with</a:t>
+            </a:r>
+            <a:r>
+              <a:rPr lang="de-DE" dirty="0"/>
+              <a:t> </a:t>
+            </a:r>
+            <a:r>
+              <a:rPr lang="de-DE" dirty="0" err="1"/>
+              <a:t>Requirements</a:t>
+            </a:r>
+            <a:endParaRPr lang="en-US" dirty="0"/>
+          </a:p>
+        </p:txBody>
+      </p:sp>
     </p:spTree>
     <p:extLst>
       <p:ext uri="{BB962C8B-B14F-4D97-AF65-F5344CB8AC3E}">
